--- a/A macOS történelme.pptx
+++ b/A macOS történelme.pptx
@@ -4,9 +4,13 @@
   <p:sldMasterIdLst>
     <p:sldMasterId id="2147483660" r:id="rId1"/>
   </p:sldMasterIdLst>
+  <p:notesMasterIdLst>
+    <p:notesMasterId r:id="rId5"/>
+  </p:notesMasterIdLst>
   <p:sldIdLst>
     <p:sldId id="256" r:id="rId2"/>
     <p:sldId id="257" r:id="rId3"/>
+    <p:sldId id="258" r:id="rId4"/>
   </p:sldIdLst>
   <p:sldSz cx="12192000" cy="6858000"/>
   <p:notesSz cx="6858000" cy="9144000"/>
@@ -105,7 +109,550 @@
       </a:defRPr>
     </a:lvl9pPr>
   </p:defaultTextStyle>
+  <p:extLst>
+    <p:ext uri="{EFAFB233-063F-42B5-8137-9DF3F51BA10A}">
+      <p15:sldGuideLst xmlns:p15="http://schemas.microsoft.com/office/powerpoint/2012/main"/>
+    </p:ext>
+  </p:extLst>
 </p:presentation>
+</file>
+
+<file path=ppt/notesMasters/notesMaster1.xml><?xml version="1.0" encoding="utf-8"?>
+<p:notesMaster xmlns:a="http://schemas.openxmlformats.org/drawingml/2006/main" xmlns:r="http://schemas.openxmlformats.org/officeDocument/2006/relationships" xmlns:p="http://schemas.openxmlformats.org/presentationml/2006/main">
+  <p:cSld>
+    <p:bg>
+      <p:bgRef idx="1001">
+        <a:schemeClr val="bg1"/>
+      </p:bgRef>
+    </p:bg>
+    <p:spTree>
+      <p:nvGrpSpPr>
+        <p:cNvPr id="1" name=""/>
+        <p:cNvGrpSpPr/>
+        <p:nvPr/>
+      </p:nvGrpSpPr>
+      <p:grpSpPr>
+        <a:xfrm>
+          <a:off x="0" y="0"/>
+          <a:ext cx="0" cy="0"/>
+          <a:chOff x="0" y="0"/>
+          <a:chExt cx="0" cy="0"/>
+        </a:xfrm>
+      </p:grpSpPr>
+      <p:sp>
+        <p:nvSpPr>
+          <p:cNvPr id="2" name="Élőfej helye 1"/>
+          <p:cNvSpPr>
+            <a:spLocks noGrp="1"/>
+          </p:cNvSpPr>
+          <p:nvPr>
+            <p:ph type="hdr" sz="quarter"/>
+          </p:nvPr>
+        </p:nvSpPr>
+        <p:spPr>
+          <a:xfrm>
+            <a:off x="0" y="0"/>
+            <a:ext cx="2971800" cy="458788"/>
+          </a:xfrm>
+          <a:prstGeom prst="rect">
+            <a:avLst/>
+          </a:prstGeom>
+        </p:spPr>
+        <p:txBody>
+          <a:bodyPr vert="horz" lIns="91440" tIns="45720" rIns="91440" bIns="45720" rtlCol="0"/>
+          <a:lstStyle>
+            <a:lvl1pPr algn="l">
+              <a:defRPr sz="1200"/>
+            </a:lvl1pPr>
+          </a:lstStyle>
+          <a:p>
+            <a:endParaRPr lang="hu-HU"/>
+          </a:p>
+        </p:txBody>
+      </p:sp>
+      <p:sp>
+        <p:nvSpPr>
+          <p:cNvPr id="3" name="Dátum helye 2"/>
+          <p:cNvSpPr>
+            <a:spLocks noGrp="1"/>
+          </p:cNvSpPr>
+          <p:nvPr>
+            <p:ph type="dt" idx="1"/>
+          </p:nvPr>
+        </p:nvSpPr>
+        <p:spPr>
+          <a:xfrm>
+            <a:off x="3884613" y="0"/>
+            <a:ext cx="2971800" cy="458788"/>
+          </a:xfrm>
+          <a:prstGeom prst="rect">
+            <a:avLst/>
+          </a:prstGeom>
+        </p:spPr>
+        <p:txBody>
+          <a:bodyPr vert="horz" lIns="91440" tIns="45720" rIns="91440" bIns="45720" rtlCol="0"/>
+          <a:lstStyle>
+            <a:lvl1pPr algn="r">
+              <a:defRPr sz="1200"/>
+            </a:lvl1pPr>
+          </a:lstStyle>
+          <a:p>
+            <a:fld id="{7071743A-4A65-4A5C-8849-F3BF1126D411}" type="datetimeFigureOut">
+              <a:rPr lang="hu-HU" smtClean="0"/>
+              <a:t>2022.09.15.</a:t>
+            </a:fld>
+            <a:endParaRPr lang="hu-HU"/>
+          </a:p>
+        </p:txBody>
+      </p:sp>
+      <p:sp>
+        <p:nvSpPr>
+          <p:cNvPr id="4" name="Diakép helye 3"/>
+          <p:cNvSpPr>
+            <a:spLocks noGrp="1" noRot="1" noChangeAspect="1"/>
+          </p:cNvSpPr>
+          <p:nvPr>
+            <p:ph type="sldImg" idx="2"/>
+          </p:nvPr>
+        </p:nvSpPr>
+        <p:spPr>
+          <a:xfrm>
+            <a:off x="685800" y="1143000"/>
+            <a:ext cx="5486400" cy="3086100"/>
+          </a:xfrm>
+          <a:prstGeom prst="rect">
+            <a:avLst/>
+          </a:prstGeom>
+          <a:noFill/>
+          <a:ln w="12700">
+            <a:solidFill>
+              <a:prstClr val="black"/>
+            </a:solidFill>
+          </a:ln>
+        </p:spPr>
+        <p:txBody>
+          <a:bodyPr vert="horz" lIns="91440" tIns="45720" rIns="91440" bIns="45720" rtlCol="0" anchor="ctr"/>
+          <a:lstStyle/>
+          <a:p>
+            <a:endParaRPr lang="hu-HU"/>
+          </a:p>
+        </p:txBody>
+      </p:sp>
+      <p:sp>
+        <p:nvSpPr>
+          <p:cNvPr id="5" name="Jegyzetek helye 4"/>
+          <p:cNvSpPr>
+            <a:spLocks noGrp="1"/>
+          </p:cNvSpPr>
+          <p:nvPr>
+            <p:ph type="body" sz="quarter" idx="3"/>
+          </p:nvPr>
+        </p:nvSpPr>
+        <p:spPr>
+          <a:xfrm>
+            <a:off x="685800" y="4400550"/>
+            <a:ext cx="5486400" cy="3600450"/>
+          </a:xfrm>
+          <a:prstGeom prst="rect">
+            <a:avLst/>
+          </a:prstGeom>
+        </p:spPr>
+        <p:txBody>
+          <a:bodyPr vert="horz" lIns="91440" tIns="45720" rIns="91440" bIns="45720" rtlCol="0"/>
+          <a:lstStyle/>
+          <a:p>
+            <a:pPr lvl="0"/>
+            <a:r>
+              <a:rPr lang="hu-HU" smtClean="0"/>
+              <a:t>Mintaszöveg szerkesztése</a:t>
+            </a:r>
+          </a:p>
+          <a:p>
+            <a:pPr lvl="1"/>
+            <a:r>
+              <a:rPr lang="hu-HU" smtClean="0"/>
+              <a:t>Második szint</a:t>
+            </a:r>
+          </a:p>
+          <a:p>
+            <a:pPr lvl="2"/>
+            <a:r>
+              <a:rPr lang="hu-HU" smtClean="0"/>
+              <a:t>Harmadik szint</a:t>
+            </a:r>
+          </a:p>
+          <a:p>
+            <a:pPr lvl="3"/>
+            <a:r>
+              <a:rPr lang="hu-HU" smtClean="0"/>
+              <a:t>Negyedik szint</a:t>
+            </a:r>
+          </a:p>
+          <a:p>
+            <a:pPr lvl="4"/>
+            <a:r>
+              <a:rPr lang="hu-HU" smtClean="0"/>
+              <a:t>Ötödik szint</a:t>
+            </a:r>
+            <a:endParaRPr lang="hu-HU"/>
+          </a:p>
+        </p:txBody>
+      </p:sp>
+      <p:sp>
+        <p:nvSpPr>
+          <p:cNvPr id="6" name="Élőláb helye 5"/>
+          <p:cNvSpPr>
+            <a:spLocks noGrp="1"/>
+          </p:cNvSpPr>
+          <p:nvPr>
+            <p:ph type="ftr" sz="quarter" idx="4"/>
+          </p:nvPr>
+        </p:nvSpPr>
+        <p:spPr>
+          <a:xfrm>
+            <a:off x="0" y="8685213"/>
+            <a:ext cx="2971800" cy="458787"/>
+          </a:xfrm>
+          <a:prstGeom prst="rect">
+            <a:avLst/>
+          </a:prstGeom>
+        </p:spPr>
+        <p:txBody>
+          <a:bodyPr vert="horz" lIns="91440" tIns="45720" rIns="91440" bIns="45720" rtlCol="0" anchor="b"/>
+          <a:lstStyle>
+            <a:lvl1pPr algn="l">
+              <a:defRPr sz="1200"/>
+            </a:lvl1pPr>
+          </a:lstStyle>
+          <a:p>
+            <a:endParaRPr lang="hu-HU"/>
+          </a:p>
+        </p:txBody>
+      </p:sp>
+      <p:sp>
+        <p:nvSpPr>
+          <p:cNvPr id="7" name="Dia számának helye 6"/>
+          <p:cNvSpPr>
+            <a:spLocks noGrp="1"/>
+          </p:cNvSpPr>
+          <p:nvPr>
+            <p:ph type="sldNum" sz="quarter" idx="5"/>
+          </p:nvPr>
+        </p:nvSpPr>
+        <p:spPr>
+          <a:xfrm>
+            <a:off x="3884613" y="8685213"/>
+            <a:ext cx="2971800" cy="458787"/>
+          </a:xfrm>
+          <a:prstGeom prst="rect">
+            <a:avLst/>
+          </a:prstGeom>
+        </p:spPr>
+        <p:txBody>
+          <a:bodyPr vert="horz" lIns="91440" tIns="45720" rIns="91440" bIns="45720" rtlCol="0" anchor="b"/>
+          <a:lstStyle>
+            <a:lvl1pPr algn="r">
+              <a:defRPr sz="1200"/>
+            </a:lvl1pPr>
+          </a:lstStyle>
+          <a:p>
+            <a:fld id="{BF1152D3-58DC-4B2C-890B-F0F9ED2941BC}" type="slidenum">
+              <a:rPr lang="hu-HU" smtClean="0"/>
+              <a:t>‹#›</a:t>
+            </a:fld>
+            <a:endParaRPr lang="hu-HU"/>
+          </a:p>
+        </p:txBody>
+      </p:sp>
+    </p:spTree>
+    <p:extLst>
+      <p:ext uri="{BB962C8B-B14F-4D97-AF65-F5344CB8AC3E}">
+        <p14:creationId xmlns:p14="http://schemas.microsoft.com/office/powerpoint/2010/main" val="2349012560"/>
+      </p:ext>
+    </p:extLst>
+  </p:cSld>
+  <p:clrMap bg1="lt1" tx1="dk1" bg2="lt2" tx2="dk2" accent1="accent1" accent2="accent2" accent3="accent3" accent4="accent4" accent5="accent5" accent6="accent6" hlink="hlink" folHlink="folHlink"/>
+  <p:notesStyle>
+    <a:lvl1pPr marL="0" algn="l" defTabSz="914400" rtl="0" eaLnBrk="1" latinLnBrk="0" hangingPunct="1">
+      <a:defRPr sz="1200" kern="1200">
+        <a:solidFill>
+          <a:schemeClr val="tx1"/>
+        </a:solidFill>
+        <a:latin typeface="+mn-lt"/>
+        <a:ea typeface="+mn-ea"/>
+        <a:cs typeface="+mn-cs"/>
+      </a:defRPr>
+    </a:lvl1pPr>
+    <a:lvl2pPr marL="457200" algn="l" defTabSz="914400" rtl="0" eaLnBrk="1" latinLnBrk="0" hangingPunct="1">
+      <a:defRPr sz="1200" kern="1200">
+        <a:solidFill>
+          <a:schemeClr val="tx1"/>
+        </a:solidFill>
+        <a:latin typeface="+mn-lt"/>
+        <a:ea typeface="+mn-ea"/>
+        <a:cs typeface="+mn-cs"/>
+      </a:defRPr>
+    </a:lvl2pPr>
+    <a:lvl3pPr marL="914400" algn="l" defTabSz="914400" rtl="0" eaLnBrk="1" latinLnBrk="0" hangingPunct="1">
+      <a:defRPr sz="1200" kern="1200">
+        <a:solidFill>
+          <a:schemeClr val="tx1"/>
+        </a:solidFill>
+        <a:latin typeface="+mn-lt"/>
+        <a:ea typeface="+mn-ea"/>
+        <a:cs typeface="+mn-cs"/>
+      </a:defRPr>
+    </a:lvl3pPr>
+    <a:lvl4pPr marL="1371600" algn="l" defTabSz="914400" rtl="0" eaLnBrk="1" latinLnBrk="0" hangingPunct="1">
+      <a:defRPr sz="1200" kern="1200">
+        <a:solidFill>
+          <a:schemeClr val="tx1"/>
+        </a:solidFill>
+        <a:latin typeface="+mn-lt"/>
+        <a:ea typeface="+mn-ea"/>
+        <a:cs typeface="+mn-cs"/>
+      </a:defRPr>
+    </a:lvl4pPr>
+    <a:lvl5pPr marL="1828800" algn="l" defTabSz="914400" rtl="0" eaLnBrk="1" latinLnBrk="0" hangingPunct="1">
+      <a:defRPr sz="1200" kern="1200">
+        <a:solidFill>
+          <a:schemeClr val="tx1"/>
+        </a:solidFill>
+        <a:latin typeface="+mn-lt"/>
+        <a:ea typeface="+mn-ea"/>
+        <a:cs typeface="+mn-cs"/>
+      </a:defRPr>
+    </a:lvl5pPr>
+    <a:lvl6pPr marL="2286000" algn="l" defTabSz="914400" rtl="0" eaLnBrk="1" latinLnBrk="0" hangingPunct="1">
+      <a:defRPr sz="1200" kern="1200">
+        <a:solidFill>
+          <a:schemeClr val="tx1"/>
+        </a:solidFill>
+        <a:latin typeface="+mn-lt"/>
+        <a:ea typeface="+mn-ea"/>
+        <a:cs typeface="+mn-cs"/>
+      </a:defRPr>
+    </a:lvl6pPr>
+    <a:lvl7pPr marL="2743200" algn="l" defTabSz="914400" rtl="0" eaLnBrk="1" latinLnBrk="0" hangingPunct="1">
+      <a:defRPr sz="1200" kern="1200">
+        <a:solidFill>
+          <a:schemeClr val="tx1"/>
+        </a:solidFill>
+        <a:latin typeface="+mn-lt"/>
+        <a:ea typeface="+mn-ea"/>
+        <a:cs typeface="+mn-cs"/>
+      </a:defRPr>
+    </a:lvl7pPr>
+    <a:lvl8pPr marL="3200400" algn="l" defTabSz="914400" rtl="0" eaLnBrk="1" latinLnBrk="0" hangingPunct="1">
+      <a:defRPr sz="1200" kern="1200">
+        <a:solidFill>
+          <a:schemeClr val="tx1"/>
+        </a:solidFill>
+        <a:latin typeface="+mn-lt"/>
+        <a:ea typeface="+mn-ea"/>
+        <a:cs typeface="+mn-cs"/>
+      </a:defRPr>
+    </a:lvl8pPr>
+    <a:lvl9pPr marL="3657600" algn="l" defTabSz="914400" rtl="0" eaLnBrk="1" latinLnBrk="0" hangingPunct="1">
+      <a:defRPr sz="1200" kern="1200">
+        <a:solidFill>
+          <a:schemeClr val="tx1"/>
+        </a:solidFill>
+        <a:latin typeface="+mn-lt"/>
+        <a:ea typeface="+mn-ea"/>
+        <a:cs typeface="+mn-cs"/>
+      </a:defRPr>
+    </a:lvl9pPr>
+  </p:notesStyle>
+</p:notesMaster>
+</file>
+
+<file path=ppt/notesSlides/notesSlide1.xml><?xml version="1.0" encoding="utf-8"?>
+<p:notes xmlns:a="http://schemas.openxmlformats.org/drawingml/2006/main" xmlns:r="http://schemas.openxmlformats.org/officeDocument/2006/relationships" xmlns:p="http://schemas.openxmlformats.org/presentationml/2006/main">
+  <p:cSld>
+    <p:spTree>
+      <p:nvGrpSpPr>
+        <p:cNvPr id="1" name=""/>
+        <p:cNvGrpSpPr/>
+        <p:nvPr/>
+      </p:nvGrpSpPr>
+      <p:grpSpPr>
+        <a:xfrm>
+          <a:off x="0" y="0"/>
+          <a:ext cx="0" cy="0"/>
+          <a:chOff x="0" y="0"/>
+          <a:chExt cx="0" cy="0"/>
+        </a:xfrm>
+      </p:grpSpPr>
+      <p:sp>
+        <p:nvSpPr>
+          <p:cNvPr id="2" name="Diakép helye 1"/>
+          <p:cNvSpPr>
+            <a:spLocks noGrp="1" noRot="1" noChangeAspect="1"/>
+          </p:cNvSpPr>
+          <p:nvPr>
+            <p:ph type="sldImg"/>
+          </p:nvPr>
+        </p:nvSpPr>
+        <p:spPr/>
+      </p:sp>
+      <p:sp>
+        <p:nvSpPr>
+          <p:cNvPr id="3" name="Jegyzetek helye 2"/>
+          <p:cNvSpPr>
+            <a:spLocks noGrp="1"/>
+          </p:cNvSpPr>
+          <p:nvPr>
+            <p:ph type="body" idx="1"/>
+          </p:nvPr>
+        </p:nvSpPr>
+        <p:spPr/>
+        <p:txBody>
+          <a:bodyPr/>
+          <a:lstStyle/>
+          <a:p>
+            <a:endParaRPr lang="hu-HU" dirty="0"/>
+          </a:p>
+        </p:txBody>
+      </p:sp>
+      <p:sp>
+        <p:nvSpPr>
+          <p:cNvPr id="4" name="Dia számának helye 3"/>
+          <p:cNvSpPr>
+            <a:spLocks noGrp="1"/>
+          </p:cNvSpPr>
+          <p:nvPr>
+            <p:ph type="sldNum" sz="quarter" idx="10"/>
+          </p:nvPr>
+        </p:nvSpPr>
+        <p:spPr/>
+        <p:txBody>
+          <a:bodyPr/>
+          <a:lstStyle/>
+          <a:p>
+            <a:fld id="{BF1152D3-58DC-4B2C-890B-F0F9ED2941BC}" type="slidenum">
+              <a:rPr lang="hu-HU" smtClean="0"/>
+              <a:t>1</a:t>
+            </a:fld>
+            <a:endParaRPr lang="hu-HU"/>
+          </a:p>
+        </p:txBody>
+      </p:sp>
+    </p:spTree>
+    <p:extLst>
+      <p:ext uri="{BB962C8B-B14F-4D97-AF65-F5344CB8AC3E}">
+        <p14:creationId xmlns:p14="http://schemas.microsoft.com/office/powerpoint/2010/main" val="2447048084"/>
+      </p:ext>
+    </p:extLst>
+  </p:cSld>
+  <p:clrMapOvr>
+    <a:masterClrMapping/>
+  </p:clrMapOvr>
+</p:notes>
+</file>
+
+<file path=ppt/notesSlides/notesSlide2.xml><?xml version="1.0" encoding="utf-8"?>
+<p:notes xmlns:a="http://schemas.openxmlformats.org/drawingml/2006/main" xmlns:r="http://schemas.openxmlformats.org/officeDocument/2006/relationships" xmlns:p="http://schemas.openxmlformats.org/presentationml/2006/main">
+  <p:cSld>
+    <p:spTree>
+      <p:nvGrpSpPr>
+        <p:cNvPr id="1" name=""/>
+        <p:cNvGrpSpPr/>
+        <p:nvPr/>
+      </p:nvGrpSpPr>
+      <p:grpSpPr>
+        <a:xfrm>
+          <a:off x="0" y="0"/>
+          <a:ext cx="0" cy="0"/>
+          <a:chOff x="0" y="0"/>
+          <a:chExt cx="0" cy="0"/>
+        </a:xfrm>
+      </p:grpSpPr>
+      <p:sp>
+        <p:nvSpPr>
+          <p:cNvPr id="2" name="Diakép helye 1"/>
+          <p:cNvSpPr>
+            <a:spLocks noGrp="1" noRot="1" noChangeAspect="1"/>
+          </p:cNvSpPr>
+          <p:nvPr>
+            <p:ph type="sldImg"/>
+          </p:nvPr>
+        </p:nvSpPr>
+        <p:spPr/>
+      </p:sp>
+      <p:sp>
+        <p:nvSpPr>
+          <p:cNvPr id="3" name="Jegyzetek helye 2"/>
+          <p:cNvSpPr>
+            <a:spLocks noGrp="1"/>
+          </p:cNvSpPr>
+          <p:nvPr>
+            <p:ph type="body" idx="1"/>
+          </p:nvPr>
+        </p:nvSpPr>
+        <p:spPr/>
+        <p:txBody>
+          <a:bodyPr/>
+          <a:lstStyle/>
+          <a:p>
+            <a:r>
+              <a:rPr lang="hu-HU" dirty="0" err="1" smtClean="0"/>
+              <a:t>Fun</a:t>
+            </a:r>
+            <a:r>
+              <a:rPr lang="hu-HU" dirty="0" smtClean="0"/>
+              <a:t> </a:t>
+            </a:r>
+            <a:r>
+              <a:rPr lang="hu-HU" dirty="0" err="1" smtClean="0"/>
+              <a:t>fact</a:t>
+            </a:r>
+            <a:r>
+              <a:rPr lang="hu-HU" dirty="0" smtClean="0"/>
+              <a:t>:</a:t>
+            </a:r>
+            <a:r>
+              <a:rPr lang="hu-HU" baseline="0" dirty="0" smtClean="0"/>
+              <a:t> - Első sikeres: Előtte volt több kisebb rendszer is : Lisa OS, Amiga OS</a:t>
+            </a:r>
+            <a:endParaRPr lang="hu-HU" dirty="0"/>
+          </a:p>
+        </p:txBody>
+      </p:sp>
+      <p:sp>
+        <p:nvSpPr>
+          <p:cNvPr id="4" name="Dia számának helye 3"/>
+          <p:cNvSpPr>
+            <a:spLocks noGrp="1"/>
+          </p:cNvSpPr>
+          <p:nvPr>
+            <p:ph type="sldNum" sz="quarter" idx="10"/>
+          </p:nvPr>
+        </p:nvSpPr>
+        <p:spPr/>
+        <p:txBody>
+          <a:bodyPr/>
+          <a:lstStyle/>
+          <a:p>
+            <a:fld id="{BF1152D3-58DC-4B2C-890B-F0F9ED2941BC}" type="slidenum">
+              <a:rPr lang="hu-HU" smtClean="0"/>
+              <a:t>3</a:t>
+            </a:fld>
+            <a:endParaRPr lang="hu-HU"/>
+          </a:p>
+        </p:txBody>
+      </p:sp>
+    </p:spTree>
+    <p:extLst>
+      <p:ext uri="{BB962C8B-B14F-4D97-AF65-F5344CB8AC3E}">
+        <p14:creationId xmlns:p14="http://schemas.microsoft.com/office/powerpoint/2010/main" val="3678940700"/>
+      </p:ext>
+    </p:extLst>
+  </p:cSld>
+  <p:clrMapOvr>
+    <a:masterClrMapping/>
+  </p:clrMapOvr>
+</p:notes>
 </file>
 
 <file path=ppt/slideLayouts/slideLayout1.xml><?xml version="1.0" encoding="utf-8"?>
@@ -1291,7 +1838,7 @@
           <a:p>
             <a:fld id="{5BC883BC-5C02-4F1C-956D-749985DFD583}" type="datetimeFigureOut">
               <a:rPr lang="hu-HU" smtClean="0"/>
-              <a:t>2022.09.14.</a:t>
+              <a:t>2022.09.15.</a:t>
             </a:fld>
             <a:endParaRPr lang="hu-HU"/>
           </a:p>
@@ -2271,7 +2818,7 @@
           <a:p>
             <a:fld id="{5BC883BC-5C02-4F1C-956D-749985DFD583}" type="datetimeFigureOut">
               <a:rPr lang="hu-HU" smtClean="0"/>
-              <a:t>2022.09.14.</a:t>
+              <a:t>2022.09.15.</a:t>
             </a:fld>
             <a:endParaRPr lang="hu-HU"/>
           </a:p>
@@ -3405,7 +3952,7 @@
           <a:p>
             <a:fld id="{5BC883BC-5C02-4F1C-956D-749985DFD583}" type="datetimeFigureOut">
               <a:rPr lang="hu-HU" smtClean="0"/>
-              <a:t>2022.09.14.</a:t>
+              <a:t>2022.09.15.</a:t>
             </a:fld>
             <a:endParaRPr lang="hu-HU"/>
           </a:p>
@@ -4438,7 +4985,7 @@
           <a:p>
             <a:fld id="{5BC883BC-5C02-4F1C-956D-749985DFD583}" type="datetimeFigureOut">
               <a:rPr lang="hu-HU" smtClean="0"/>
-              <a:t>2022.09.14.</a:t>
+              <a:t>2022.09.15.</a:t>
             </a:fld>
             <a:endParaRPr lang="hu-HU"/>
           </a:p>
@@ -5098,7 +5645,7 @@
           <a:p>
             <a:fld id="{5BC883BC-5C02-4F1C-956D-749985DFD583}" type="datetimeFigureOut">
               <a:rPr lang="hu-HU" smtClean="0"/>
-              <a:t>2022.09.14.</a:t>
+              <a:t>2022.09.15.</a:t>
             </a:fld>
             <a:endParaRPr lang="hu-HU"/>
           </a:p>
@@ -5959,7 +6506,7 @@
           <a:p>
             <a:fld id="{5BC883BC-5C02-4F1C-956D-749985DFD583}" type="datetimeFigureOut">
               <a:rPr lang="hu-HU" smtClean="0"/>
-              <a:t>2022.09.14.</a:t>
+              <a:t>2022.09.15.</a:t>
             </a:fld>
             <a:endParaRPr lang="hu-HU"/>
           </a:p>
@@ -6149,7 +6696,7 @@
           <a:p>
             <a:fld id="{5BC883BC-5C02-4F1C-956D-749985DFD583}" type="datetimeFigureOut">
               <a:rPr lang="hu-HU" smtClean="0"/>
-              <a:t>2022.09.14.</a:t>
+              <a:t>2022.09.15.</a:t>
             </a:fld>
             <a:endParaRPr lang="hu-HU"/>
           </a:p>
@@ -7121,7 +7668,7 @@
           <a:p>
             <a:fld id="{5BC883BC-5C02-4F1C-956D-749985DFD583}" type="datetimeFigureOut">
               <a:rPr lang="hu-HU" smtClean="0"/>
-              <a:t>2022.09.14.</a:t>
+              <a:t>2022.09.15.</a:t>
             </a:fld>
             <a:endParaRPr lang="hu-HU"/>
           </a:p>
@@ -7318,35 +7865,50 @@
           </a:bodyPr>
           <a:lstStyle>
             <a:lvl1pPr>
-              <a:defRPr sz="2500">
+              <a:buClr>
+                <a:schemeClr val="bg1"/>
+              </a:buClr>
+              <a:defRPr sz="3000">
                 <a:solidFill>
                   <a:schemeClr val="bg1"/>
                 </a:solidFill>
               </a:defRPr>
             </a:lvl1pPr>
             <a:lvl2pPr>
-              <a:defRPr sz="2500">
+              <a:buClr>
+                <a:schemeClr val="bg1"/>
+              </a:buClr>
+              <a:defRPr sz="3000">
                 <a:solidFill>
                   <a:schemeClr val="bg1"/>
                 </a:solidFill>
               </a:defRPr>
             </a:lvl2pPr>
             <a:lvl3pPr>
-              <a:defRPr sz="2500">
+              <a:buClr>
+                <a:schemeClr val="bg1"/>
+              </a:buClr>
+              <a:defRPr sz="3000">
                 <a:solidFill>
                   <a:schemeClr val="bg1"/>
                 </a:solidFill>
               </a:defRPr>
             </a:lvl3pPr>
             <a:lvl4pPr>
-              <a:defRPr sz="2500">
+              <a:buClr>
+                <a:schemeClr val="bg1"/>
+              </a:buClr>
+              <a:defRPr sz="3000">
                 <a:solidFill>
                   <a:schemeClr val="bg1"/>
                 </a:solidFill>
               </a:defRPr>
             </a:lvl4pPr>
             <a:lvl5pPr>
-              <a:defRPr sz="2500">
+              <a:buClr>
+                <a:schemeClr val="bg1"/>
+              </a:buClr>
+              <a:defRPr sz="3000">
                 <a:solidFill>
                   <a:schemeClr val="bg1"/>
                 </a:solidFill>
@@ -7385,7 +7947,11 @@
             <a:pPr lvl="4"/>
             <a:r>
               <a:rPr lang="hu-HU" dirty="0" smtClean="0"/>
-              <a:t>Ötödik szint</a:t>
+              <a:t>Ötödik </a:t>
+            </a:r>
+            <a:r>
+              <a:rPr lang="hu-HU" dirty="0" smtClean="0"/>
+              <a:t>szint</a:t>
             </a:r>
             <a:endParaRPr lang="en-US" dirty="0"/>
           </a:p>
@@ -8377,7 +8943,7 @@
           <a:p>
             <a:fld id="{5BC883BC-5C02-4F1C-956D-749985DFD583}" type="datetimeFigureOut">
               <a:rPr lang="hu-HU" smtClean="0"/>
-              <a:t>2022.09.14.</a:t>
+              <a:t>2022.09.15.</a:t>
             </a:fld>
             <a:endParaRPr lang="hu-HU"/>
           </a:p>
@@ -8649,7 +9215,7 @@
           <a:p>
             <a:fld id="{5BC883BC-5C02-4F1C-956D-749985DFD583}" type="datetimeFigureOut">
               <a:rPr lang="hu-HU" smtClean="0"/>
-              <a:t>2022.09.14.</a:t>
+              <a:t>2022.09.15.</a:t>
             </a:fld>
             <a:endParaRPr lang="hu-HU"/>
           </a:p>
@@ -9059,7 +9625,7 @@
           <a:p>
             <a:fld id="{5BC883BC-5C02-4F1C-956D-749985DFD583}" type="datetimeFigureOut">
               <a:rPr lang="hu-HU" smtClean="0"/>
-              <a:t>2022.09.14.</a:t>
+              <a:t>2022.09.15.</a:t>
             </a:fld>
             <a:endParaRPr lang="hu-HU"/>
           </a:p>
@@ -9186,7 +9752,7 @@
           <a:p>
             <a:fld id="{5BC883BC-5C02-4F1C-956D-749985DFD583}" type="datetimeFigureOut">
               <a:rPr lang="hu-HU" smtClean="0"/>
-              <a:t>2022.09.14.</a:t>
+              <a:t>2022.09.15.</a:t>
             </a:fld>
             <a:endParaRPr lang="hu-HU"/>
           </a:p>
@@ -9281,7 +9847,7 @@
           <a:p>
             <a:fld id="{5BC883BC-5C02-4F1C-956D-749985DFD583}" type="datetimeFigureOut">
               <a:rPr lang="hu-HU" smtClean="0"/>
-              <a:t>2022.09.14.</a:t>
+              <a:t>2022.09.15.</a:t>
             </a:fld>
             <a:endParaRPr lang="hu-HU"/>
           </a:p>
@@ -10362,7 +10928,7 @@
           <a:p>
             <a:fld id="{5BC883BC-5C02-4F1C-956D-749985DFD583}" type="datetimeFigureOut">
               <a:rPr lang="hu-HU" smtClean="0"/>
-              <a:t>2022.09.14.</a:t>
+              <a:t>2022.09.15.</a:t>
             </a:fld>
             <a:endParaRPr lang="hu-HU"/>
           </a:p>
@@ -11470,7 +12036,7 @@
           <a:p>
             <a:fld id="{5BC883BC-5C02-4F1C-956D-749985DFD583}" type="datetimeFigureOut">
               <a:rPr lang="hu-HU" smtClean="0"/>
-              <a:t>2022.09.14.</a:t>
+              <a:t>2022.09.15.</a:t>
             </a:fld>
             <a:endParaRPr lang="hu-HU"/>
           </a:p>
@@ -12476,7 +13042,7 @@
           <a:p>
             <a:fld id="{5BC883BC-5C02-4F1C-956D-749985DFD583}" type="datetimeFigureOut">
               <a:rPr lang="hu-HU" smtClean="0"/>
-              <a:t>2022.09.14.</a:t>
+              <a:t>2022.09.15.</a:t>
             </a:fld>
             <a:endParaRPr lang="hu-HU"/>
           </a:p>
@@ -13065,7 +13631,11 @@
             </a:r>
             <a:r>
               <a:rPr lang="hu-HU" dirty="0" smtClean="0"/>
-              <a:t> történelme</a:t>
+              <a:t> rövid </a:t>
+            </a:r>
+            <a:r>
+              <a:rPr lang="hu-HU" dirty="0" smtClean="0"/>
+              <a:t>történelme</a:t>
             </a:r>
             <a:endParaRPr lang="hu-HU" dirty="0"/>
           </a:p>
@@ -13193,36 +13763,59 @@
           <a:bodyPr/>
           <a:lstStyle/>
           <a:p>
+            <a:pPr>
+              <a:buClr>
+                <a:schemeClr val="bg1"/>
+              </a:buClr>
+            </a:pPr>
             <a:r>
               <a:rPr lang="hu-HU" dirty="0" smtClean="0"/>
-              <a:t>A fejlesztőcég</a:t>
+              <a:t>Az alapok</a:t>
             </a:r>
           </a:p>
           <a:p>
-            <a:r>
-              <a:rPr lang="hu-HU" dirty="0" smtClean="0"/>
-              <a:t>Előtörténet</a:t>
-            </a:r>
-          </a:p>
-          <a:p>
+            <a:pPr>
+              <a:buClr>
+                <a:schemeClr val="bg1"/>
+              </a:buClr>
+            </a:pPr>
             <a:r>
               <a:rPr lang="hu-HU" dirty="0" smtClean="0"/>
               <a:t>A fejlesztés kezdete</a:t>
             </a:r>
           </a:p>
           <a:p>
+            <a:pPr>
+              <a:buClr>
+                <a:schemeClr val="bg1"/>
+              </a:buClr>
+            </a:pPr>
             <a:r>
               <a:rPr lang="hu-HU" dirty="0" smtClean="0"/>
-              <a:t>Korai verziók</a:t>
+              <a:t>Korai </a:t>
             </a:r>
-          </a:p>
-          <a:p>
+            <a:r>
+              <a:rPr lang="hu-HU" dirty="0" smtClean="0"/>
+              <a:t>verziók</a:t>
+            </a:r>
+          </a:p>
+          <a:p>
+            <a:pPr>
+              <a:buClr>
+                <a:schemeClr val="bg1"/>
+              </a:buClr>
+            </a:pPr>
             <a:r>
               <a:rPr lang="hu-HU" dirty="0" smtClean="0"/>
               <a:t>Mac OS X</a:t>
             </a:r>
           </a:p>
           <a:p>
+            <a:pPr>
+              <a:buClr>
+                <a:schemeClr val="bg1"/>
+              </a:buClr>
+            </a:pPr>
             <a:r>
               <a:rPr lang="hu-HU" dirty="0" err="1" smtClean="0"/>
               <a:t>macOS</a:t>
@@ -13239,6 +13832,196 @@
     <p:extLst>
       <p:ext uri="{BB962C8B-B14F-4D97-AF65-F5344CB8AC3E}">
         <p14:creationId xmlns:p14="http://schemas.microsoft.com/office/powerpoint/2010/main" val="2053750729"/>
+      </p:ext>
+    </p:extLst>
+  </p:cSld>
+  <p:clrMapOvr>
+    <a:masterClrMapping/>
+  </p:clrMapOvr>
+</p:sld>
+</file>
+
+<file path=ppt/slides/slide3.xml><?xml version="1.0" encoding="utf-8"?>
+<p:sld xmlns:a="http://schemas.openxmlformats.org/drawingml/2006/main" xmlns:r="http://schemas.openxmlformats.org/officeDocument/2006/relationships" xmlns:p="http://schemas.openxmlformats.org/presentationml/2006/main">
+  <p:cSld>
+    <p:spTree>
+      <p:nvGrpSpPr>
+        <p:cNvPr id="1" name=""/>
+        <p:cNvGrpSpPr/>
+        <p:nvPr/>
+      </p:nvGrpSpPr>
+      <p:grpSpPr>
+        <a:xfrm>
+          <a:off x="0" y="0"/>
+          <a:ext cx="0" cy="0"/>
+          <a:chOff x="0" y="0"/>
+          <a:chExt cx="0" cy="0"/>
+        </a:xfrm>
+      </p:grpSpPr>
+      <p:sp>
+        <p:nvSpPr>
+          <p:cNvPr id="2" name="Cím 1"/>
+          <p:cNvSpPr>
+            <a:spLocks noGrp="1"/>
+          </p:cNvSpPr>
+          <p:nvPr>
+            <p:ph type="title"/>
+          </p:nvPr>
+        </p:nvSpPr>
+        <p:spPr/>
+        <p:txBody>
+          <a:bodyPr/>
+          <a:lstStyle/>
+          <a:p>
+            <a:r>
+              <a:rPr lang="hu-HU" dirty="0" smtClean="0"/>
+              <a:t>Az alapok</a:t>
+            </a:r>
+            <a:endParaRPr lang="hu-HU" dirty="0"/>
+          </a:p>
+        </p:txBody>
+      </p:sp>
+      <p:sp>
+        <p:nvSpPr>
+          <p:cNvPr id="3" name="Tartalom helye 2"/>
+          <p:cNvSpPr>
+            <a:spLocks noGrp="1"/>
+          </p:cNvSpPr>
+          <p:nvPr>
+            <p:ph idx="1"/>
+          </p:nvPr>
+        </p:nvSpPr>
+        <p:spPr/>
+        <p:txBody>
+          <a:bodyPr/>
+          <a:lstStyle/>
+          <a:p>
+            <a:r>
+              <a:rPr lang="hu-HU" dirty="0" smtClean="0"/>
+              <a:t>Apple</a:t>
+            </a:r>
+          </a:p>
+          <a:p>
+            <a:r>
+              <a:rPr lang="hu-HU" dirty="0" smtClean="0"/>
+              <a:t>Grafikus UI</a:t>
+            </a:r>
+          </a:p>
+          <a:p>
+            <a:r>
+              <a:rPr lang="hu-HU" dirty="0" smtClean="0"/>
+              <a:t>Első sikeres</a:t>
+            </a:r>
+          </a:p>
+          <a:p>
+            <a:r>
+              <a:rPr lang="hu-HU" dirty="0" smtClean="0"/>
+              <a:t>Macintosh, UNIX</a:t>
+            </a:r>
+          </a:p>
+          <a:p>
+            <a:r>
+              <a:rPr lang="hu-HU" dirty="0" smtClean="0"/>
+              <a:t>„Védett” (</a:t>
+            </a:r>
+            <a:r>
+              <a:rPr lang="hu-HU" dirty="0" err="1" smtClean="0"/>
+              <a:t>Proprietary</a:t>
+            </a:r>
+            <a:r>
+              <a:rPr lang="hu-HU" dirty="0" smtClean="0"/>
+              <a:t>) forrású</a:t>
+            </a:r>
+          </a:p>
+          <a:p>
+            <a:pPr lvl="1"/>
+            <a:r>
+              <a:rPr lang="hu-HU" dirty="0" smtClean="0"/>
+              <a:t>Open-</a:t>
+            </a:r>
+            <a:r>
+              <a:rPr lang="hu-HU" dirty="0" err="1" smtClean="0"/>
+              <a:t>source</a:t>
+            </a:r>
+            <a:r>
+              <a:rPr lang="hu-HU" dirty="0" smtClean="0"/>
+              <a:t> részekkel</a:t>
+            </a:r>
+          </a:p>
+          <a:p>
+            <a:endParaRPr lang="hu-HU" dirty="0" smtClean="0"/>
+          </a:p>
+          <a:p>
+            <a:endParaRPr lang="hu-HU" dirty="0" smtClean="0"/>
+          </a:p>
+        </p:txBody>
+      </p:sp>
+      <p:sp>
+        <p:nvSpPr>
+          <p:cNvPr id="4" name="Szövegdoboz 3"/>
+          <p:cNvSpPr txBox="1"/>
+          <p:nvPr/>
+        </p:nvSpPr>
+        <p:spPr>
+          <a:xfrm rot="3105037">
+            <a:off x="5957337" y="3003155"/>
+            <a:ext cx="6165595" cy="938719"/>
+          </a:xfrm>
+          <a:prstGeom prst="rect">
+            <a:avLst/>
+          </a:prstGeom>
+          <a:noFill/>
+        </p:spPr>
+        <p:txBody>
+          <a:bodyPr wrap="square" rtlCol="0">
+            <a:spAutoFit/>
+          </a:bodyPr>
+          <a:lstStyle/>
+          <a:p>
+            <a:r>
+              <a:rPr lang="hu-HU" sz="5500" dirty="0" err="1" smtClean="0">
+                <a:solidFill>
+                  <a:schemeClr val="bg1"/>
+                </a:solidFill>
+              </a:rPr>
+              <a:t>Insert</a:t>
+            </a:r>
+            <a:r>
+              <a:rPr lang="hu-HU" sz="5500" dirty="0" smtClean="0">
+                <a:solidFill>
+                  <a:schemeClr val="bg1"/>
+                </a:solidFill>
+              </a:rPr>
+              <a:t> </a:t>
+            </a:r>
+            <a:r>
+              <a:rPr lang="hu-HU" sz="5500" dirty="0" err="1" smtClean="0">
+                <a:solidFill>
+                  <a:schemeClr val="bg1"/>
+                </a:solidFill>
+              </a:rPr>
+              <a:t>logo</a:t>
+            </a:r>
+            <a:r>
+              <a:rPr lang="hu-HU" sz="5500" dirty="0" smtClean="0">
+                <a:solidFill>
+                  <a:schemeClr val="bg1"/>
+                </a:solidFill>
+              </a:rPr>
+              <a:t> here</a:t>
+            </a:r>
+            <a:endParaRPr lang="hu-HU" sz="5500" dirty="0">
+              <a:solidFill>
+                <a:schemeClr val="bg1"/>
+              </a:solidFill>
+            </a:endParaRPr>
+          </a:p>
+        </p:txBody>
+      </p:sp>
+    </p:spTree>
+    <p:extLst>
+      <p:ext uri="{BB962C8B-B14F-4D97-AF65-F5344CB8AC3E}">
+        <p14:creationId xmlns:p14="http://schemas.microsoft.com/office/powerpoint/2010/main" val="3149645962"/>
       </p:ext>
     </p:extLst>
   </p:cSld>
@@ -13510,4 +14293,265 @@
     </a:ext>
   </a:extLst>
 </a:theme>
+</file>
+
+<file path=ppt/theme/theme2.xml><?xml version="1.0" encoding="utf-8"?>
+<a:theme xmlns:a="http://schemas.openxmlformats.org/drawingml/2006/main" name="Office-téma">
+  <a:themeElements>
+    <a:clrScheme name="Office">
+      <a:dk1>
+        <a:sysClr val="windowText" lastClr="000000"/>
+      </a:dk1>
+      <a:lt1>
+        <a:sysClr val="window" lastClr="FFFFFF"/>
+      </a:lt1>
+      <a:dk2>
+        <a:srgbClr val="44546A"/>
+      </a:dk2>
+      <a:lt2>
+        <a:srgbClr val="E7E6E6"/>
+      </a:lt2>
+      <a:accent1>
+        <a:srgbClr val="5B9BD5"/>
+      </a:accent1>
+      <a:accent2>
+        <a:srgbClr val="ED7D31"/>
+      </a:accent2>
+      <a:accent3>
+        <a:srgbClr val="A5A5A5"/>
+      </a:accent3>
+      <a:accent4>
+        <a:srgbClr val="FFC000"/>
+      </a:accent4>
+      <a:accent5>
+        <a:srgbClr val="4472C4"/>
+      </a:accent5>
+      <a:accent6>
+        <a:srgbClr val="70AD47"/>
+      </a:accent6>
+      <a:hlink>
+        <a:srgbClr val="0563C1"/>
+      </a:hlink>
+      <a:folHlink>
+        <a:srgbClr val="954F72"/>
+      </a:folHlink>
+    </a:clrScheme>
+    <a:fontScheme name="Office">
+      <a:majorFont>
+        <a:latin typeface="Calibri Light" panose="020F0302020204030204"/>
+        <a:ea typeface=""/>
+        <a:cs typeface=""/>
+        <a:font script="Jpan" typeface="游ゴシック Light"/>
+        <a:font script="Hang" typeface="맑은 고딕"/>
+        <a:font script="Hans" typeface="等线 Light"/>
+        <a:font script="Hant" typeface="新細明體"/>
+        <a:font script="Arab" typeface="Times New Roman"/>
+        <a:font script="Hebr" typeface="Times New Roman"/>
+        <a:font script="Thai" typeface="Angsana New"/>
+        <a:font script="Ethi" typeface="Nyala"/>
+        <a:font script="Beng" typeface="Vrinda"/>
+        <a:font script="Gujr" typeface="Shruti"/>
+        <a:font script="Khmr" typeface="MoolBoran"/>
+        <a:font script="Knda" typeface="Tunga"/>
+        <a:font script="Guru" typeface="Raavi"/>
+        <a:font script="Cans" typeface="Euphemia"/>
+        <a:font script="Cher" typeface="Plantagenet Cherokee"/>
+        <a:font script="Yiii" typeface="Microsoft Yi Baiti"/>
+        <a:font script="Tibt" typeface="Microsoft Himalaya"/>
+        <a:font script="Thaa" typeface="MV Boli"/>
+        <a:font script="Deva" typeface="Mangal"/>
+        <a:font script="Telu" typeface="Gautami"/>
+        <a:font script="Taml" typeface="Latha"/>
+        <a:font script="Syrc" typeface="Estrangelo Edessa"/>
+        <a:font script="Orya" typeface="Kalinga"/>
+        <a:font script="Mlym" typeface="Kartika"/>
+        <a:font script="Laoo" typeface="DokChampa"/>
+        <a:font script="Sinh" typeface="Iskoola Pota"/>
+        <a:font script="Mong" typeface="Mongolian Baiti"/>
+        <a:font script="Viet" typeface="Times New Roman"/>
+        <a:font script="Uigh" typeface="Microsoft Uighur"/>
+        <a:font script="Geor" typeface="Sylfaen"/>
+      </a:majorFont>
+      <a:minorFont>
+        <a:latin typeface="Calibri" panose="020F0502020204030204"/>
+        <a:ea typeface=""/>
+        <a:cs typeface=""/>
+        <a:font script="Jpan" typeface="游ゴシック"/>
+        <a:font script="Hang" typeface="맑은 고딕"/>
+        <a:font script="Hans" typeface="等线"/>
+        <a:font script="Hant" typeface="新細明體"/>
+        <a:font script="Arab" typeface="Arial"/>
+        <a:font script="Hebr" typeface="Arial"/>
+        <a:font script="Thai" typeface="Cordia New"/>
+        <a:font script="Ethi" typeface="Nyala"/>
+        <a:font script="Beng" typeface="Vrinda"/>
+        <a:font script="Gujr" typeface="Shruti"/>
+        <a:font script="Khmr" typeface="DaunPenh"/>
+        <a:font script="Knda" typeface="Tunga"/>
+        <a:font script="Guru" typeface="Raavi"/>
+        <a:font script="Cans" typeface="Euphemia"/>
+        <a:font script="Cher" typeface="Plantagenet Cherokee"/>
+        <a:font script="Yiii" typeface="Microsoft Yi Baiti"/>
+        <a:font script="Tibt" typeface="Microsoft Himalaya"/>
+        <a:font script="Thaa" typeface="MV Boli"/>
+        <a:font script="Deva" typeface="Mangal"/>
+        <a:font script="Telu" typeface="Gautami"/>
+        <a:font script="Taml" typeface="Latha"/>
+        <a:font script="Syrc" typeface="Estrangelo Edessa"/>
+        <a:font script="Orya" typeface="Kalinga"/>
+        <a:font script="Mlym" typeface="Kartika"/>
+        <a:font script="Laoo" typeface="DokChampa"/>
+        <a:font script="Sinh" typeface="Iskoola Pota"/>
+        <a:font script="Mong" typeface="Mongolian Baiti"/>
+        <a:font script="Viet" typeface="Arial"/>
+        <a:font script="Uigh" typeface="Microsoft Uighur"/>
+        <a:font script="Geor" typeface="Sylfaen"/>
+      </a:minorFont>
+    </a:fontScheme>
+    <a:fmtScheme name="Office">
+      <a:fillStyleLst>
+        <a:solidFill>
+          <a:schemeClr val="phClr"/>
+        </a:solidFill>
+        <a:gradFill rotWithShape="1">
+          <a:gsLst>
+            <a:gs pos="0">
+              <a:schemeClr val="phClr">
+                <a:lumMod val="110000"/>
+                <a:satMod val="105000"/>
+                <a:tint val="67000"/>
+              </a:schemeClr>
+            </a:gs>
+            <a:gs pos="50000">
+              <a:schemeClr val="phClr">
+                <a:lumMod val="105000"/>
+                <a:satMod val="103000"/>
+                <a:tint val="73000"/>
+              </a:schemeClr>
+            </a:gs>
+            <a:gs pos="100000">
+              <a:schemeClr val="phClr">
+                <a:lumMod val="105000"/>
+                <a:satMod val="109000"/>
+                <a:tint val="81000"/>
+              </a:schemeClr>
+            </a:gs>
+          </a:gsLst>
+          <a:lin ang="5400000" scaled="0"/>
+        </a:gradFill>
+        <a:gradFill rotWithShape="1">
+          <a:gsLst>
+            <a:gs pos="0">
+              <a:schemeClr val="phClr">
+                <a:satMod val="103000"/>
+                <a:lumMod val="102000"/>
+                <a:tint val="94000"/>
+              </a:schemeClr>
+            </a:gs>
+            <a:gs pos="50000">
+              <a:schemeClr val="phClr">
+                <a:satMod val="110000"/>
+                <a:lumMod val="100000"/>
+                <a:shade val="100000"/>
+              </a:schemeClr>
+            </a:gs>
+            <a:gs pos="100000">
+              <a:schemeClr val="phClr">
+                <a:lumMod val="99000"/>
+                <a:satMod val="120000"/>
+                <a:shade val="78000"/>
+              </a:schemeClr>
+            </a:gs>
+          </a:gsLst>
+          <a:lin ang="5400000" scaled="0"/>
+        </a:gradFill>
+      </a:fillStyleLst>
+      <a:lnStyleLst>
+        <a:ln w="6350" cap="flat" cmpd="sng" algn="ctr">
+          <a:solidFill>
+            <a:schemeClr val="phClr"/>
+          </a:solidFill>
+          <a:prstDash val="solid"/>
+          <a:miter lim="800000"/>
+        </a:ln>
+        <a:ln w="12700" cap="flat" cmpd="sng" algn="ctr">
+          <a:solidFill>
+            <a:schemeClr val="phClr"/>
+          </a:solidFill>
+          <a:prstDash val="solid"/>
+          <a:miter lim="800000"/>
+        </a:ln>
+        <a:ln w="19050" cap="flat" cmpd="sng" algn="ctr">
+          <a:solidFill>
+            <a:schemeClr val="phClr"/>
+          </a:solidFill>
+          <a:prstDash val="solid"/>
+          <a:miter lim="800000"/>
+        </a:ln>
+      </a:lnStyleLst>
+      <a:effectStyleLst>
+        <a:effectStyle>
+          <a:effectLst/>
+        </a:effectStyle>
+        <a:effectStyle>
+          <a:effectLst/>
+        </a:effectStyle>
+        <a:effectStyle>
+          <a:effectLst>
+            <a:outerShdw blurRad="57150" dist="19050" dir="5400000" algn="ctr" rotWithShape="0">
+              <a:srgbClr val="000000">
+                <a:alpha val="63000"/>
+              </a:srgbClr>
+            </a:outerShdw>
+          </a:effectLst>
+        </a:effectStyle>
+      </a:effectStyleLst>
+      <a:bgFillStyleLst>
+        <a:solidFill>
+          <a:schemeClr val="phClr"/>
+        </a:solidFill>
+        <a:solidFill>
+          <a:schemeClr val="phClr">
+            <a:tint val="95000"/>
+            <a:satMod val="170000"/>
+          </a:schemeClr>
+        </a:solidFill>
+        <a:gradFill rotWithShape="1">
+          <a:gsLst>
+            <a:gs pos="0">
+              <a:schemeClr val="phClr">
+                <a:tint val="93000"/>
+                <a:satMod val="150000"/>
+                <a:shade val="98000"/>
+                <a:lumMod val="102000"/>
+              </a:schemeClr>
+            </a:gs>
+            <a:gs pos="50000">
+              <a:schemeClr val="phClr">
+                <a:tint val="98000"/>
+                <a:satMod val="130000"/>
+                <a:shade val="90000"/>
+                <a:lumMod val="103000"/>
+              </a:schemeClr>
+            </a:gs>
+            <a:gs pos="100000">
+              <a:schemeClr val="phClr">
+                <a:shade val="63000"/>
+                <a:satMod val="120000"/>
+              </a:schemeClr>
+            </a:gs>
+          </a:gsLst>
+          <a:lin ang="5400000" scaled="0"/>
+        </a:gradFill>
+      </a:bgFillStyleLst>
+    </a:fmtScheme>
+  </a:themeElements>
+  <a:objectDefaults/>
+  <a:extraClrSchemeLst/>
+  <a:extLst>
+    <a:ext uri="{05A4C25C-085E-4340-85A3-A5531E510DB2}">
+      <thm15:themeFamily xmlns:thm15="http://schemas.microsoft.com/office/thememl/2012/main" name="Office Theme" id="{62F939B6-93AF-4DB8-9C6B-D6C7DFDC589F}" vid="{4A3C46E8-61CC-4603-A589-7422A47A8E4A}"/>
+    </a:ext>
+  </a:extLst>
+</a:theme>
 </file>
--- a/A macOS történelme.pptx
+++ b/A macOS történelme.pptx
@@ -5,12 +5,14 @@
     <p:sldMasterId id="2147483660" r:id="rId1"/>
   </p:sldMasterIdLst>
   <p:notesMasterIdLst>
-    <p:notesMasterId r:id="rId5"/>
+    <p:notesMasterId r:id="rId7"/>
   </p:notesMasterIdLst>
   <p:sldIdLst>
     <p:sldId id="256" r:id="rId2"/>
     <p:sldId id="257" r:id="rId3"/>
     <p:sldId id="258" r:id="rId4"/>
+    <p:sldId id="259" r:id="rId5"/>
+    <p:sldId id="260" r:id="rId6"/>
   </p:sldIdLst>
   <p:sldSz cx="12192000" cy="6858000"/>
   <p:notesSz cx="6858000" cy="9144000"/>
@@ -199,7 +201,7 @@
           <a:p>
             <a:fld id="{7071743A-4A65-4A5C-8849-F3BF1126D411}" type="datetimeFigureOut">
               <a:rPr lang="hu-HU" smtClean="0"/>
-              <a:t>2022.09.15.</a:t>
+              <a:t>2022.09.19.</a:t>
             </a:fld>
             <a:endParaRPr lang="hu-HU"/>
           </a:p>
@@ -1838,7 +1840,7 @@
           <a:p>
             <a:fld id="{5BC883BC-5C02-4F1C-956D-749985DFD583}" type="datetimeFigureOut">
               <a:rPr lang="hu-HU" smtClean="0"/>
-              <a:t>2022.09.15.</a:t>
+              <a:t>2022.09.19.</a:t>
             </a:fld>
             <a:endParaRPr lang="hu-HU"/>
           </a:p>
@@ -2818,7 +2820,7 @@
           <a:p>
             <a:fld id="{5BC883BC-5C02-4F1C-956D-749985DFD583}" type="datetimeFigureOut">
               <a:rPr lang="hu-HU" smtClean="0"/>
-              <a:t>2022.09.15.</a:t>
+              <a:t>2022.09.19.</a:t>
             </a:fld>
             <a:endParaRPr lang="hu-HU"/>
           </a:p>
@@ -3952,7 +3954,7 @@
           <a:p>
             <a:fld id="{5BC883BC-5C02-4F1C-956D-749985DFD583}" type="datetimeFigureOut">
               <a:rPr lang="hu-HU" smtClean="0"/>
-              <a:t>2022.09.15.</a:t>
+              <a:t>2022.09.19.</a:t>
             </a:fld>
             <a:endParaRPr lang="hu-HU"/>
           </a:p>
@@ -4985,7 +4987,7 @@
           <a:p>
             <a:fld id="{5BC883BC-5C02-4F1C-956D-749985DFD583}" type="datetimeFigureOut">
               <a:rPr lang="hu-HU" smtClean="0"/>
-              <a:t>2022.09.15.</a:t>
+              <a:t>2022.09.19.</a:t>
             </a:fld>
             <a:endParaRPr lang="hu-HU"/>
           </a:p>
@@ -5645,7 +5647,7 @@
           <a:p>
             <a:fld id="{5BC883BC-5C02-4F1C-956D-749985DFD583}" type="datetimeFigureOut">
               <a:rPr lang="hu-HU" smtClean="0"/>
-              <a:t>2022.09.15.</a:t>
+              <a:t>2022.09.19.</a:t>
             </a:fld>
             <a:endParaRPr lang="hu-HU"/>
           </a:p>
@@ -6506,7 +6508,7 @@
           <a:p>
             <a:fld id="{5BC883BC-5C02-4F1C-956D-749985DFD583}" type="datetimeFigureOut">
               <a:rPr lang="hu-HU" smtClean="0"/>
-              <a:t>2022.09.15.</a:t>
+              <a:t>2022.09.19.</a:t>
             </a:fld>
             <a:endParaRPr lang="hu-HU"/>
           </a:p>
@@ -6696,7 +6698,7 @@
           <a:p>
             <a:fld id="{5BC883BC-5C02-4F1C-956D-749985DFD583}" type="datetimeFigureOut">
               <a:rPr lang="hu-HU" smtClean="0"/>
-              <a:t>2022.09.15.</a:t>
+              <a:t>2022.09.19.</a:t>
             </a:fld>
             <a:endParaRPr lang="hu-HU"/>
           </a:p>
@@ -7668,7 +7670,7 @@
           <a:p>
             <a:fld id="{5BC883BC-5C02-4F1C-956D-749985DFD583}" type="datetimeFigureOut">
               <a:rPr lang="hu-HU" smtClean="0"/>
-              <a:t>2022.09.15.</a:t>
+              <a:t>2022.09.19.</a:t>
             </a:fld>
             <a:endParaRPr lang="hu-HU"/>
           </a:p>
@@ -7823,7 +7825,7 @@
         </p:nvSpPr>
         <p:spPr>
           <a:xfrm>
-            <a:off x="545354" y="410523"/>
+            <a:off x="447818" y="410523"/>
             <a:ext cx="11424973" cy="1141185"/>
           </a:xfrm>
         </p:spPr>
@@ -7855,7 +7857,7 @@
         </p:nvSpPr>
         <p:spPr>
           <a:xfrm>
-            <a:off x="545354" y="1551708"/>
+            <a:off x="447818" y="1551708"/>
             <a:ext cx="11424973" cy="4959928"/>
           </a:xfrm>
         </p:spPr>
@@ -7868,7 +7870,7 @@
               <a:buClr>
                 <a:schemeClr val="bg1"/>
               </a:buClr>
-              <a:defRPr sz="3000">
+              <a:defRPr sz="3500">
                 <a:solidFill>
                   <a:schemeClr val="bg1"/>
                 </a:solidFill>
@@ -7878,7 +7880,7 @@
               <a:buClr>
                 <a:schemeClr val="bg1"/>
               </a:buClr>
-              <a:defRPr sz="3000">
+              <a:defRPr sz="3500">
                 <a:solidFill>
                   <a:schemeClr val="bg1"/>
                 </a:solidFill>
@@ -7888,7 +7890,7 @@
               <a:buClr>
                 <a:schemeClr val="bg1"/>
               </a:buClr>
-              <a:defRPr sz="3000">
+              <a:defRPr sz="3500">
                 <a:solidFill>
                   <a:schemeClr val="bg1"/>
                 </a:solidFill>
@@ -7898,7 +7900,7 @@
               <a:buClr>
                 <a:schemeClr val="bg1"/>
               </a:buClr>
-              <a:defRPr sz="3000">
+              <a:defRPr sz="3500">
                 <a:solidFill>
                   <a:schemeClr val="bg1"/>
                 </a:solidFill>
@@ -7908,7 +7910,7 @@
               <a:buClr>
                 <a:schemeClr val="bg1"/>
               </a:buClr>
-              <a:defRPr sz="3000">
+              <a:defRPr sz="3500">
                 <a:solidFill>
                   <a:schemeClr val="bg1"/>
                 </a:solidFill>
@@ -7947,16 +7949,47 @@
             <a:pPr lvl="4"/>
             <a:r>
               <a:rPr lang="hu-HU" dirty="0" smtClean="0"/>
-              <a:t>Ötödik </a:t>
-            </a:r>
-            <a:r>
-              <a:rPr lang="hu-HU" dirty="0" smtClean="0"/>
-              <a:t>szint</a:t>
+              <a:t>Ötödik szint</a:t>
             </a:r>
             <a:endParaRPr lang="en-US" dirty="0"/>
           </a:p>
         </p:txBody>
       </p:sp>
+      <p:cxnSp>
+        <p:nvCxnSpPr>
+          <p:cNvPr id="5" name="Egyenes összekötő 4"/>
+          <p:cNvCxnSpPr/>
+          <p:nvPr userDrawn="1"/>
+        </p:nvCxnSpPr>
+        <p:spPr>
+          <a:xfrm flipV="1">
+            <a:off x="460010" y="1548384"/>
+            <a:ext cx="11424973" cy="5756"/>
+          </a:xfrm>
+          <a:prstGeom prst="line">
+            <a:avLst/>
+          </a:prstGeom>
+          <a:ln w="76200">
+            <a:solidFill>
+              <a:schemeClr val="bg1"/>
+            </a:solidFill>
+          </a:ln>
+        </p:spPr>
+        <p:style>
+          <a:lnRef idx="1">
+            <a:schemeClr val="dk1"/>
+          </a:lnRef>
+          <a:fillRef idx="0">
+            <a:schemeClr val="dk1"/>
+          </a:fillRef>
+          <a:effectRef idx="0">
+            <a:schemeClr val="dk1"/>
+          </a:effectRef>
+          <a:fontRef idx="minor">
+            <a:schemeClr val="tx1"/>
+          </a:fontRef>
+        </p:style>
+      </p:cxnSp>
     </p:spTree>
     <p:extLst>
       <p:ext uri="{BB962C8B-B14F-4D97-AF65-F5344CB8AC3E}">
@@ -8943,7 +8976,7 @@
           <a:p>
             <a:fld id="{5BC883BC-5C02-4F1C-956D-749985DFD583}" type="datetimeFigureOut">
               <a:rPr lang="hu-HU" smtClean="0"/>
-              <a:t>2022.09.15.</a:t>
+              <a:t>2022.09.19.</a:t>
             </a:fld>
             <a:endParaRPr lang="hu-HU"/>
           </a:p>
@@ -9215,7 +9248,7 @@
           <a:p>
             <a:fld id="{5BC883BC-5C02-4F1C-956D-749985DFD583}" type="datetimeFigureOut">
               <a:rPr lang="hu-HU" smtClean="0"/>
-              <a:t>2022.09.15.</a:t>
+              <a:t>2022.09.19.</a:t>
             </a:fld>
             <a:endParaRPr lang="hu-HU"/>
           </a:p>
@@ -9625,7 +9658,7 @@
           <a:p>
             <a:fld id="{5BC883BC-5C02-4F1C-956D-749985DFD583}" type="datetimeFigureOut">
               <a:rPr lang="hu-HU" smtClean="0"/>
-              <a:t>2022.09.15.</a:t>
+              <a:t>2022.09.19.</a:t>
             </a:fld>
             <a:endParaRPr lang="hu-HU"/>
           </a:p>
@@ -9752,7 +9785,7 @@
           <a:p>
             <a:fld id="{5BC883BC-5C02-4F1C-956D-749985DFD583}" type="datetimeFigureOut">
               <a:rPr lang="hu-HU" smtClean="0"/>
-              <a:t>2022.09.15.</a:t>
+              <a:t>2022.09.19.</a:t>
             </a:fld>
             <a:endParaRPr lang="hu-HU"/>
           </a:p>
@@ -9847,7 +9880,7 @@
           <a:p>
             <a:fld id="{5BC883BC-5C02-4F1C-956D-749985DFD583}" type="datetimeFigureOut">
               <a:rPr lang="hu-HU" smtClean="0"/>
-              <a:t>2022.09.15.</a:t>
+              <a:t>2022.09.19.</a:t>
             </a:fld>
             <a:endParaRPr lang="hu-HU"/>
           </a:p>
@@ -10928,7 +10961,7 @@
           <a:p>
             <a:fld id="{5BC883BC-5C02-4F1C-956D-749985DFD583}" type="datetimeFigureOut">
               <a:rPr lang="hu-HU" smtClean="0"/>
-              <a:t>2022.09.15.</a:t>
+              <a:t>2022.09.19.</a:t>
             </a:fld>
             <a:endParaRPr lang="hu-HU"/>
           </a:p>
@@ -12036,7 +12069,7 @@
           <a:p>
             <a:fld id="{5BC883BC-5C02-4F1C-956D-749985DFD583}" type="datetimeFigureOut">
               <a:rPr lang="hu-HU" smtClean="0"/>
-              <a:t>2022.09.15.</a:t>
+              <a:t>2022.09.19.</a:t>
             </a:fld>
             <a:endParaRPr lang="hu-HU"/>
           </a:p>
@@ -13042,7 +13075,7 @@
           <a:p>
             <a:fld id="{5BC883BC-5C02-4F1C-956D-749985DFD583}" type="datetimeFigureOut">
               <a:rPr lang="hu-HU" smtClean="0"/>
-              <a:t>2022.09.15.</a:t>
+              <a:t>2022.09.19.</a:t>
             </a:fld>
             <a:endParaRPr lang="hu-HU"/>
           </a:p>
@@ -13631,11 +13664,7 @@
             </a:r>
             <a:r>
               <a:rPr lang="hu-HU" dirty="0" smtClean="0"/>
-              <a:t> rövid </a:t>
-            </a:r>
-            <a:r>
-              <a:rPr lang="hu-HU" dirty="0" smtClean="0"/>
-              <a:t>történelme</a:t>
+              <a:t> rövid történelme</a:t>
             </a:r>
             <a:endParaRPr lang="hu-HU" dirty="0"/>
           </a:p>
@@ -13792,11 +13821,7 @@
             </a:pPr>
             <a:r>
               <a:rPr lang="hu-HU" dirty="0" smtClean="0"/>
-              <a:t>Korai </a:t>
-            </a:r>
-            <a:r>
-              <a:rPr lang="hu-HU" dirty="0" smtClean="0"/>
-              <a:t>verziók</a:t>
+              <a:t>Korai verziók</a:t>
             </a:r>
           </a:p>
           <a:p>
@@ -13963,9 +13988,9 @@
           <p:nvPr/>
         </p:nvSpPr>
         <p:spPr>
-          <a:xfrm rot="3105037">
-            <a:off x="5957337" y="3003155"/>
-            <a:ext cx="6165595" cy="938719"/>
+          <a:xfrm rot="2010555">
+            <a:off x="6380955" y="3562313"/>
+            <a:ext cx="5706976" cy="938719"/>
           </a:xfrm>
           <a:prstGeom prst="rect">
             <a:avLst/>
@@ -14022,6 +14047,200 @@
     <p:extLst>
       <p:ext uri="{BB962C8B-B14F-4D97-AF65-F5344CB8AC3E}">
         <p14:creationId xmlns:p14="http://schemas.microsoft.com/office/powerpoint/2010/main" val="3149645962"/>
+      </p:ext>
+    </p:extLst>
+  </p:cSld>
+  <p:clrMapOvr>
+    <a:masterClrMapping/>
+  </p:clrMapOvr>
+</p:sld>
+</file>
+
+<file path=ppt/slides/slide4.xml><?xml version="1.0" encoding="utf-8"?>
+<p:sld xmlns:a="http://schemas.openxmlformats.org/drawingml/2006/main" xmlns:r="http://schemas.openxmlformats.org/officeDocument/2006/relationships" xmlns:p="http://schemas.openxmlformats.org/presentationml/2006/main">
+  <p:cSld>
+    <p:spTree>
+      <p:nvGrpSpPr>
+        <p:cNvPr id="1" name=""/>
+        <p:cNvGrpSpPr/>
+        <p:nvPr/>
+      </p:nvGrpSpPr>
+      <p:grpSpPr>
+        <a:xfrm>
+          <a:off x="0" y="0"/>
+          <a:ext cx="0" cy="0"/>
+          <a:chOff x="0" y="0"/>
+          <a:chExt cx="0" cy="0"/>
+        </a:xfrm>
+      </p:grpSpPr>
+      <p:sp>
+        <p:nvSpPr>
+          <p:cNvPr id="2" name="Cím 1"/>
+          <p:cNvSpPr>
+            <a:spLocks noGrp="1"/>
+          </p:cNvSpPr>
+          <p:nvPr>
+            <p:ph type="title"/>
+          </p:nvPr>
+        </p:nvSpPr>
+        <p:spPr/>
+        <p:txBody>
+          <a:bodyPr/>
+          <a:lstStyle/>
+          <a:p>
+            <a:r>
+              <a:rPr lang="hu-HU" dirty="0" smtClean="0"/>
+              <a:t>A fejlesztés kezdete</a:t>
+            </a:r>
+            <a:endParaRPr lang="hu-HU" dirty="0"/>
+          </a:p>
+        </p:txBody>
+      </p:sp>
+      <p:sp>
+        <p:nvSpPr>
+          <p:cNvPr id="3" name="Tartalom helye 2"/>
+          <p:cNvSpPr>
+            <a:spLocks noGrp="1"/>
+          </p:cNvSpPr>
+          <p:nvPr>
+            <p:ph idx="1"/>
+          </p:nvPr>
+        </p:nvSpPr>
+        <p:spPr/>
+        <p:txBody>
+          <a:bodyPr/>
+          <a:lstStyle/>
+          <a:p>
+            <a:r>
+              <a:rPr lang="hu-HU" dirty="0" smtClean="0"/>
+              <a:t>1978. második fele – </a:t>
+            </a:r>
+            <a:r>
+              <a:rPr lang="hu-HU" dirty="0" err="1" smtClean="0"/>
+              <a:t>Jef</a:t>
+            </a:r>
+            <a:r>
+              <a:rPr lang="hu-HU" dirty="0" smtClean="0"/>
+              <a:t> </a:t>
+            </a:r>
+            <a:r>
+              <a:rPr lang="hu-HU" dirty="0" err="1" smtClean="0"/>
+              <a:t>Raskin</a:t>
+            </a:r>
+            <a:endParaRPr lang="hu-HU" dirty="0" smtClean="0"/>
+          </a:p>
+          <a:p>
+            <a:r>
+              <a:rPr lang="hu-HU" dirty="0" smtClean="0"/>
+              <a:t>Macintosh projekt</a:t>
+            </a:r>
+          </a:p>
+          <a:p>
+            <a:pPr lvl="1"/>
+            <a:r>
+              <a:rPr lang="hu-HU" dirty="0" smtClean="0"/>
+              <a:t>Apple Lisa csapat</a:t>
+            </a:r>
+          </a:p>
+          <a:p>
+            <a:r>
+              <a:rPr lang="hu-HU" dirty="0" smtClean="0"/>
+              <a:t>1981. január – Steve </a:t>
+            </a:r>
+            <a:r>
+              <a:rPr lang="hu-HU" dirty="0" err="1" smtClean="0"/>
+              <a:t>Jobs</a:t>
+            </a:r>
+            <a:endParaRPr lang="hu-HU" dirty="0" smtClean="0"/>
+          </a:p>
+          <a:p>
+            <a:pPr lvl="1"/>
+            <a:r>
+              <a:rPr lang="hu-HU" dirty="0" smtClean="0"/>
+              <a:t>Apple Macintosh csapat</a:t>
+            </a:r>
+          </a:p>
+          <a:p>
+            <a:endParaRPr lang="hu-HU" dirty="0"/>
+          </a:p>
+        </p:txBody>
+      </p:sp>
+    </p:spTree>
+    <p:extLst>
+      <p:ext uri="{BB962C8B-B14F-4D97-AF65-F5344CB8AC3E}">
+        <p14:creationId xmlns:p14="http://schemas.microsoft.com/office/powerpoint/2010/main" val="2195239396"/>
+      </p:ext>
+    </p:extLst>
+  </p:cSld>
+  <p:clrMapOvr>
+    <a:masterClrMapping/>
+  </p:clrMapOvr>
+</p:sld>
+</file>
+
+<file path=ppt/slides/slide5.xml><?xml version="1.0" encoding="utf-8"?>
+<p:sld xmlns:a="http://schemas.openxmlformats.org/drawingml/2006/main" xmlns:r="http://schemas.openxmlformats.org/officeDocument/2006/relationships" xmlns:p="http://schemas.openxmlformats.org/presentationml/2006/main">
+  <p:cSld>
+    <p:spTree>
+      <p:nvGrpSpPr>
+        <p:cNvPr id="1" name=""/>
+        <p:cNvGrpSpPr/>
+        <p:nvPr/>
+      </p:nvGrpSpPr>
+      <p:grpSpPr>
+        <a:xfrm>
+          <a:off x="0" y="0"/>
+          <a:ext cx="0" cy="0"/>
+          <a:chOff x="0" y="0"/>
+          <a:chExt cx="0" cy="0"/>
+        </a:xfrm>
+      </p:grpSpPr>
+      <p:sp>
+        <p:nvSpPr>
+          <p:cNvPr id="2" name="Cím 1"/>
+          <p:cNvSpPr>
+            <a:spLocks noGrp="1"/>
+          </p:cNvSpPr>
+          <p:nvPr>
+            <p:ph type="title"/>
+          </p:nvPr>
+        </p:nvSpPr>
+        <p:spPr/>
+        <p:txBody>
+          <a:bodyPr/>
+          <a:lstStyle/>
+          <a:p>
+            <a:r>
+              <a:rPr lang="hu-HU" dirty="0" smtClean="0"/>
+              <a:t>Korai verziók</a:t>
+            </a:r>
+            <a:endParaRPr lang="hu-HU" dirty="0"/>
+          </a:p>
+        </p:txBody>
+      </p:sp>
+      <p:sp>
+        <p:nvSpPr>
+          <p:cNvPr id="3" name="Tartalom helye 2"/>
+          <p:cNvSpPr>
+            <a:spLocks noGrp="1"/>
+          </p:cNvSpPr>
+          <p:nvPr>
+            <p:ph idx="1"/>
+          </p:nvPr>
+        </p:nvSpPr>
+        <p:spPr/>
+        <p:txBody>
+          <a:bodyPr/>
+          <a:lstStyle/>
+          <a:p>
+            <a:endParaRPr lang="hu-HU"/>
+          </a:p>
+        </p:txBody>
+      </p:sp>
+    </p:spTree>
+    <p:extLst>
+      <p:ext uri="{BB962C8B-B14F-4D97-AF65-F5344CB8AC3E}">
+        <p14:creationId xmlns:p14="http://schemas.microsoft.com/office/powerpoint/2010/main" val="1352949382"/>
       </p:ext>
     </p:extLst>
   </p:cSld>

--- a/A macOS történelme.pptx
+++ b/A macOS történelme.pptx
@@ -5,7 +5,7 @@
     <p:sldMasterId id="2147483660" r:id="rId1"/>
   </p:sldMasterIdLst>
   <p:notesMasterIdLst>
-    <p:notesMasterId r:id="rId7"/>
+    <p:notesMasterId r:id="rId9"/>
   </p:notesMasterIdLst>
   <p:sldIdLst>
     <p:sldId id="256" r:id="rId2"/>
@@ -13,6 +13,8 @@
     <p:sldId id="258" r:id="rId4"/>
     <p:sldId id="259" r:id="rId5"/>
     <p:sldId id="260" r:id="rId6"/>
+    <p:sldId id="261" r:id="rId7"/>
+    <p:sldId id="262" r:id="rId8"/>
   </p:sldIdLst>
   <p:sldSz cx="12192000" cy="6858000"/>
   <p:notesSz cx="6858000" cy="9144000"/>
@@ -201,7 +203,7 @@
           <a:p>
             <a:fld id="{7071743A-4A65-4A5C-8849-F3BF1126D411}" type="datetimeFigureOut">
               <a:rPr lang="hu-HU" smtClean="0"/>
-              <a:t>2022.09.19.</a:t>
+              <a:t>2022.09.21.</a:t>
             </a:fld>
             <a:endParaRPr lang="hu-HU"/>
           </a:p>
@@ -657,6 +659,262 @@
 </p:notes>
 </file>
 
+<file path=ppt/notesSlides/notesSlide3.xml><?xml version="1.0" encoding="utf-8"?>
+<p:notes xmlns:a="http://schemas.openxmlformats.org/drawingml/2006/main" xmlns:r="http://schemas.openxmlformats.org/officeDocument/2006/relationships" xmlns:p="http://schemas.openxmlformats.org/presentationml/2006/main">
+  <p:cSld>
+    <p:spTree>
+      <p:nvGrpSpPr>
+        <p:cNvPr id="1" name=""/>
+        <p:cNvGrpSpPr/>
+        <p:nvPr/>
+      </p:nvGrpSpPr>
+      <p:grpSpPr>
+        <a:xfrm>
+          <a:off x="0" y="0"/>
+          <a:ext cx="0" cy="0"/>
+          <a:chOff x="0" y="0"/>
+          <a:chExt cx="0" cy="0"/>
+        </a:xfrm>
+      </p:grpSpPr>
+      <p:sp>
+        <p:nvSpPr>
+          <p:cNvPr id="2" name="Diakép helye 1"/>
+          <p:cNvSpPr>
+            <a:spLocks noGrp="1" noRot="1" noChangeAspect="1"/>
+          </p:cNvSpPr>
+          <p:nvPr>
+            <p:ph type="sldImg"/>
+          </p:nvPr>
+        </p:nvSpPr>
+        <p:spPr/>
+      </p:sp>
+      <p:sp>
+        <p:nvSpPr>
+          <p:cNvPr id="3" name="Jegyzetek helye 2"/>
+          <p:cNvSpPr>
+            <a:spLocks noGrp="1"/>
+          </p:cNvSpPr>
+          <p:nvPr>
+            <p:ph type="body" idx="1"/>
+          </p:nvPr>
+        </p:nvSpPr>
+        <p:spPr/>
+        <p:txBody>
+          <a:bodyPr/>
+          <a:lstStyle/>
+          <a:p>
+            <a:pPr marL="228600" indent="-228600">
+              <a:buAutoNum type="arabicPeriod"/>
+            </a:pPr>
+            <a:r>
+              <a:rPr lang="hu-HU" dirty="0" smtClean="0"/>
+              <a:t>kép:</a:t>
+            </a:r>
+            <a:r>
+              <a:rPr lang="hu-HU" baseline="0" dirty="0" smtClean="0"/>
+              <a:t> Első </a:t>
+            </a:r>
+            <a:r>
+              <a:rPr lang="hu-HU" baseline="0" dirty="0" err="1" smtClean="0"/>
+              <a:t>macOS</a:t>
+            </a:r>
+            <a:r>
+              <a:rPr lang="hu-HU" baseline="0" dirty="0" smtClean="0"/>
+              <a:t> (Mac System Software) – 1984</a:t>
+            </a:r>
+          </a:p>
+          <a:p>
+            <a:pPr marL="228600" indent="-228600">
+              <a:buAutoNum type="arabicPeriod"/>
+            </a:pPr>
+            <a:r>
+              <a:rPr lang="hu-HU" baseline="0" dirty="0" smtClean="0"/>
+              <a:t>Kép:</a:t>
+            </a:r>
+            <a:endParaRPr lang="hu-HU" dirty="0"/>
+          </a:p>
+        </p:txBody>
+      </p:sp>
+      <p:sp>
+        <p:nvSpPr>
+          <p:cNvPr id="4" name="Dia számának helye 3"/>
+          <p:cNvSpPr>
+            <a:spLocks noGrp="1"/>
+          </p:cNvSpPr>
+          <p:nvPr>
+            <p:ph type="sldNum" sz="quarter" idx="10"/>
+          </p:nvPr>
+        </p:nvSpPr>
+        <p:spPr/>
+        <p:txBody>
+          <a:bodyPr/>
+          <a:lstStyle/>
+          <a:p>
+            <a:fld id="{BF1152D3-58DC-4B2C-890B-F0F9ED2941BC}" type="slidenum">
+              <a:rPr lang="hu-HU" smtClean="0"/>
+              <a:t>5</a:t>
+            </a:fld>
+            <a:endParaRPr lang="hu-HU"/>
+          </a:p>
+        </p:txBody>
+      </p:sp>
+    </p:spTree>
+    <p:extLst>
+      <p:ext uri="{BB962C8B-B14F-4D97-AF65-F5344CB8AC3E}">
+        <p14:creationId xmlns:p14="http://schemas.microsoft.com/office/powerpoint/2010/main" val="303924806"/>
+      </p:ext>
+    </p:extLst>
+  </p:cSld>
+  <p:clrMapOvr>
+    <a:masterClrMapping/>
+  </p:clrMapOvr>
+</p:notes>
+</file>
+
+<file path=ppt/notesSlides/notesSlide4.xml><?xml version="1.0" encoding="utf-8"?>
+<p:notes xmlns:a="http://schemas.openxmlformats.org/drawingml/2006/main" xmlns:r="http://schemas.openxmlformats.org/officeDocument/2006/relationships" xmlns:p="http://schemas.openxmlformats.org/presentationml/2006/main">
+  <p:cSld>
+    <p:spTree>
+      <p:nvGrpSpPr>
+        <p:cNvPr id="1" name=""/>
+        <p:cNvGrpSpPr/>
+        <p:nvPr/>
+      </p:nvGrpSpPr>
+      <p:grpSpPr>
+        <a:xfrm>
+          <a:off x="0" y="0"/>
+          <a:ext cx="0" cy="0"/>
+          <a:chOff x="0" y="0"/>
+          <a:chExt cx="0" cy="0"/>
+        </a:xfrm>
+      </p:grpSpPr>
+      <p:sp>
+        <p:nvSpPr>
+          <p:cNvPr id="2" name="Diakép helye 1"/>
+          <p:cNvSpPr>
+            <a:spLocks noGrp="1" noRot="1" noChangeAspect="1"/>
+          </p:cNvSpPr>
+          <p:nvPr>
+            <p:ph type="sldImg"/>
+          </p:nvPr>
+        </p:nvSpPr>
+        <p:spPr/>
+      </p:sp>
+      <p:sp>
+        <p:nvSpPr>
+          <p:cNvPr id="3" name="Jegyzetek helye 2"/>
+          <p:cNvSpPr>
+            <a:spLocks noGrp="1"/>
+          </p:cNvSpPr>
+          <p:nvPr>
+            <p:ph type="body" idx="1"/>
+          </p:nvPr>
+        </p:nvSpPr>
+        <p:spPr/>
+        <p:txBody>
+          <a:bodyPr/>
+          <a:lstStyle/>
+          <a:p>
+            <a:r>
+              <a:rPr lang="hu-HU" dirty="0" smtClean="0"/>
+              <a:t>Kódneve volt </a:t>
+            </a:r>
+            <a:r>
+              <a:rPr lang="hu-HU" dirty="0" err="1" smtClean="0"/>
+              <a:t>Rhapsody</a:t>
+            </a:r>
+            <a:r>
+              <a:rPr lang="hu-HU" dirty="0" smtClean="0"/>
+              <a:t> majd átnevezték végleges</a:t>
+            </a:r>
+            <a:r>
+              <a:rPr lang="hu-HU" baseline="0" dirty="0" smtClean="0"/>
+              <a:t> nevére</a:t>
+            </a:r>
+          </a:p>
+          <a:p>
+            <a:r>
+              <a:rPr lang="hu-HU" baseline="0" dirty="0" smtClean="0"/>
+              <a:t>Steve </a:t>
+            </a:r>
+            <a:r>
+              <a:rPr lang="hu-HU" baseline="0" dirty="0" err="1" smtClean="0"/>
+              <a:t>Jobs</a:t>
+            </a:r>
+            <a:r>
+              <a:rPr lang="hu-HU" baseline="0" dirty="0" smtClean="0"/>
+              <a:t> visszatérése utáni első projektje, mivel ő virágoztatta fel a Classic Mac OS-t is</a:t>
+            </a:r>
+          </a:p>
+          <a:p>
+            <a:r>
+              <a:rPr lang="hu-HU" dirty="0" smtClean="0"/>
+              <a:t>Támogatás</a:t>
+            </a:r>
+            <a:r>
+              <a:rPr lang="hu-HU" baseline="0" dirty="0" smtClean="0"/>
+              <a:t> megszűnt, mivel a </a:t>
+            </a:r>
+            <a:r>
+              <a:rPr lang="hu-HU" baseline="0" dirty="0" err="1" smtClean="0"/>
+              <a:t>MacOS</a:t>
+            </a:r>
+            <a:r>
+              <a:rPr lang="hu-HU" baseline="0" dirty="0" smtClean="0"/>
+              <a:t> Big </a:t>
+            </a:r>
+            <a:r>
+              <a:rPr lang="hu-HU" baseline="0" dirty="0" err="1" smtClean="0"/>
+              <a:t>Sur</a:t>
+            </a:r>
+            <a:r>
+              <a:rPr lang="hu-HU" baseline="0" dirty="0" smtClean="0"/>
+              <a:t> (11) megjelenésével verziószám váltás történt, így többet már nem Mac OS X, hanem csak </a:t>
+            </a:r>
+            <a:r>
+              <a:rPr lang="hu-HU" baseline="0" dirty="0" err="1" smtClean="0"/>
+              <a:t>macOS</a:t>
+            </a:r>
+            <a:endParaRPr lang="hu-HU" baseline="0" dirty="0" smtClean="0"/>
+          </a:p>
+        </p:txBody>
+      </p:sp>
+      <p:sp>
+        <p:nvSpPr>
+          <p:cNvPr id="4" name="Dia számának helye 3"/>
+          <p:cNvSpPr>
+            <a:spLocks noGrp="1"/>
+          </p:cNvSpPr>
+          <p:nvPr>
+            <p:ph type="sldNum" sz="quarter" idx="10"/>
+          </p:nvPr>
+        </p:nvSpPr>
+        <p:spPr/>
+        <p:txBody>
+          <a:bodyPr/>
+          <a:lstStyle/>
+          <a:p>
+            <a:fld id="{BF1152D3-58DC-4B2C-890B-F0F9ED2941BC}" type="slidenum">
+              <a:rPr lang="hu-HU" smtClean="0"/>
+              <a:t>6</a:t>
+            </a:fld>
+            <a:endParaRPr lang="hu-HU"/>
+          </a:p>
+        </p:txBody>
+      </p:sp>
+    </p:spTree>
+    <p:extLst>
+      <p:ext uri="{BB962C8B-B14F-4D97-AF65-F5344CB8AC3E}">
+        <p14:creationId xmlns:p14="http://schemas.microsoft.com/office/powerpoint/2010/main" val="1211502864"/>
+      </p:ext>
+    </p:extLst>
+  </p:cSld>
+  <p:clrMapOvr>
+    <a:masterClrMapping/>
+  </p:clrMapOvr>
+</p:notes>
+</file>
+
 <file path=ppt/slideLayouts/slideLayout1.xml><?xml version="1.0" encoding="utf-8"?>
 <p:sldLayout xmlns:a="http://schemas.openxmlformats.org/drawingml/2006/main" xmlns:r="http://schemas.openxmlformats.org/officeDocument/2006/relationships" xmlns:p="http://schemas.openxmlformats.org/presentationml/2006/main" type="title" preserve="1">
   <p:cSld name="Címdia">
@@ -1840,7 +2098,7 @@
           <a:p>
             <a:fld id="{5BC883BC-5C02-4F1C-956D-749985DFD583}" type="datetimeFigureOut">
               <a:rPr lang="hu-HU" smtClean="0"/>
-              <a:t>2022.09.19.</a:t>
+              <a:t>2022.09.21.</a:t>
             </a:fld>
             <a:endParaRPr lang="hu-HU"/>
           </a:p>
@@ -2820,7 +3078,7 @@
           <a:p>
             <a:fld id="{5BC883BC-5C02-4F1C-956D-749985DFD583}" type="datetimeFigureOut">
               <a:rPr lang="hu-HU" smtClean="0"/>
-              <a:t>2022.09.19.</a:t>
+              <a:t>2022.09.21.</a:t>
             </a:fld>
             <a:endParaRPr lang="hu-HU"/>
           </a:p>
@@ -3954,7 +4212,7 @@
           <a:p>
             <a:fld id="{5BC883BC-5C02-4F1C-956D-749985DFD583}" type="datetimeFigureOut">
               <a:rPr lang="hu-HU" smtClean="0"/>
-              <a:t>2022.09.19.</a:t>
+              <a:t>2022.09.21.</a:t>
             </a:fld>
             <a:endParaRPr lang="hu-HU"/>
           </a:p>
@@ -4987,7 +5245,7 @@
           <a:p>
             <a:fld id="{5BC883BC-5C02-4F1C-956D-749985DFD583}" type="datetimeFigureOut">
               <a:rPr lang="hu-HU" smtClean="0"/>
-              <a:t>2022.09.19.</a:t>
+              <a:t>2022.09.21.</a:t>
             </a:fld>
             <a:endParaRPr lang="hu-HU"/>
           </a:p>
@@ -5647,7 +5905,7 @@
           <a:p>
             <a:fld id="{5BC883BC-5C02-4F1C-956D-749985DFD583}" type="datetimeFigureOut">
               <a:rPr lang="hu-HU" smtClean="0"/>
-              <a:t>2022.09.19.</a:t>
+              <a:t>2022.09.21.</a:t>
             </a:fld>
             <a:endParaRPr lang="hu-HU"/>
           </a:p>
@@ -6508,7 +6766,7 @@
           <a:p>
             <a:fld id="{5BC883BC-5C02-4F1C-956D-749985DFD583}" type="datetimeFigureOut">
               <a:rPr lang="hu-HU" smtClean="0"/>
-              <a:t>2022.09.19.</a:t>
+              <a:t>2022.09.21.</a:t>
             </a:fld>
             <a:endParaRPr lang="hu-HU"/>
           </a:p>
@@ -6698,7 +6956,7 @@
           <a:p>
             <a:fld id="{5BC883BC-5C02-4F1C-956D-749985DFD583}" type="datetimeFigureOut">
               <a:rPr lang="hu-HU" smtClean="0"/>
-              <a:t>2022.09.19.</a:t>
+              <a:t>2022.09.21.</a:t>
             </a:fld>
             <a:endParaRPr lang="hu-HU"/>
           </a:p>
@@ -7670,7 +7928,7 @@
           <a:p>
             <a:fld id="{5BC883BC-5C02-4F1C-956D-749985DFD583}" type="datetimeFigureOut">
               <a:rPr lang="hu-HU" smtClean="0"/>
-              <a:t>2022.09.19.</a:t>
+              <a:t>2022.09.21.</a:t>
             </a:fld>
             <a:endParaRPr lang="hu-HU"/>
           </a:p>
@@ -8976,7 +9234,7 @@
           <a:p>
             <a:fld id="{5BC883BC-5C02-4F1C-956D-749985DFD583}" type="datetimeFigureOut">
               <a:rPr lang="hu-HU" smtClean="0"/>
-              <a:t>2022.09.19.</a:t>
+              <a:t>2022.09.21.</a:t>
             </a:fld>
             <a:endParaRPr lang="hu-HU"/>
           </a:p>
@@ -9248,7 +9506,7 @@
           <a:p>
             <a:fld id="{5BC883BC-5C02-4F1C-956D-749985DFD583}" type="datetimeFigureOut">
               <a:rPr lang="hu-HU" smtClean="0"/>
-              <a:t>2022.09.19.</a:t>
+              <a:t>2022.09.21.</a:t>
             </a:fld>
             <a:endParaRPr lang="hu-HU"/>
           </a:p>
@@ -9658,7 +9916,7 @@
           <a:p>
             <a:fld id="{5BC883BC-5C02-4F1C-956D-749985DFD583}" type="datetimeFigureOut">
               <a:rPr lang="hu-HU" smtClean="0"/>
-              <a:t>2022.09.19.</a:t>
+              <a:t>2022.09.21.</a:t>
             </a:fld>
             <a:endParaRPr lang="hu-HU"/>
           </a:p>
@@ -9785,7 +10043,7 @@
           <a:p>
             <a:fld id="{5BC883BC-5C02-4F1C-956D-749985DFD583}" type="datetimeFigureOut">
               <a:rPr lang="hu-HU" smtClean="0"/>
-              <a:t>2022.09.19.</a:t>
+              <a:t>2022.09.21.</a:t>
             </a:fld>
             <a:endParaRPr lang="hu-HU"/>
           </a:p>
@@ -9880,7 +10138,7 @@
           <a:p>
             <a:fld id="{5BC883BC-5C02-4F1C-956D-749985DFD583}" type="datetimeFigureOut">
               <a:rPr lang="hu-HU" smtClean="0"/>
-              <a:t>2022.09.19.</a:t>
+              <a:t>2022.09.21.</a:t>
             </a:fld>
             <a:endParaRPr lang="hu-HU"/>
           </a:p>
@@ -10961,7 +11219,7 @@
           <a:p>
             <a:fld id="{5BC883BC-5C02-4F1C-956D-749985DFD583}" type="datetimeFigureOut">
               <a:rPr lang="hu-HU" smtClean="0"/>
-              <a:t>2022.09.19.</a:t>
+              <a:t>2022.09.21.</a:t>
             </a:fld>
             <a:endParaRPr lang="hu-HU"/>
           </a:p>
@@ -12069,7 +12327,7 @@
           <a:p>
             <a:fld id="{5BC883BC-5C02-4F1C-956D-749985DFD583}" type="datetimeFigureOut">
               <a:rPr lang="hu-HU" smtClean="0"/>
-              <a:t>2022.09.19.</a:t>
+              <a:t>2022.09.21.</a:t>
             </a:fld>
             <a:endParaRPr lang="hu-HU"/>
           </a:p>
@@ -13075,7 +13333,7 @@
           <a:p>
             <a:fld id="{5BC883BC-5C02-4F1C-956D-749985DFD583}" type="datetimeFigureOut">
               <a:rPr lang="hu-HU" smtClean="0"/>
-              <a:t>2022.09.19.</a:t>
+              <a:t>2022.09.21.</a:t>
             </a:fld>
             <a:endParaRPr lang="hu-HU"/>
           </a:p>
@@ -13734,6 +13992,13 @@
   <p:clrMapOvr>
     <a:masterClrMapping/>
   </p:clrMapOvr>
+  <p:timing>
+    <p:tnLst>
+      <p:par>
+        <p:cTn id="1" dur="indefinite" restart="never" nodeType="tmRoot"/>
+      </p:par>
+    </p:tnLst>
+  </p:timing>
 </p:sld>
 </file>
 
@@ -13832,7 +14097,11 @@
             </a:pPr>
             <a:r>
               <a:rPr lang="hu-HU" dirty="0" smtClean="0"/>
-              <a:t>Mac OS X</a:t>
+              <a:t>Mac OS </a:t>
+            </a:r>
+            <a:r>
+              <a:rPr lang="hu-HU" dirty="0" smtClean="0"/>
+              <a:t>X</a:t>
             </a:r>
           </a:p>
           <a:p>
@@ -13842,12 +14111,28 @@
               </a:buClr>
             </a:pPr>
             <a:r>
+              <a:rPr lang="hu-HU" dirty="0" smtClean="0"/>
+              <a:t>Mac OS X nagyobb verziói</a:t>
+            </a:r>
+            <a:endParaRPr lang="hu-HU" dirty="0"/>
+          </a:p>
+          <a:p>
+            <a:pPr>
+              <a:buClr>
+                <a:schemeClr val="bg1"/>
+              </a:buClr>
+            </a:pPr>
+            <a:r>
               <a:rPr lang="hu-HU" dirty="0" err="1" smtClean="0"/>
               <a:t>macOS</a:t>
             </a:r>
             <a:r>
               <a:rPr lang="hu-HU" dirty="0" smtClean="0"/>
-              <a:t> 11+</a:t>
+              <a:t> </a:t>
+            </a:r>
+            <a:r>
+              <a:rPr lang="hu-HU" dirty="0" smtClean="0"/>
+              <a:t>11+</a:t>
             </a:r>
             <a:endParaRPr lang="hu-HU" dirty="0"/>
           </a:p>
@@ -13863,6 +14148,13 @@
   <p:clrMapOvr>
     <a:masterClrMapping/>
   </p:clrMapOvr>
+  <p:timing>
+    <p:tnLst>
+      <p:par>
+        <p:cTn id="1" dur="indefinite" restart="never" nodeType="tmRoot"/>
+      </p:par>
+    </p:tnLst>
+  </p:timing>
 </p:sld>
 </file>
 
@@ -13981,68 +14273,35 @@
           </a:p>
         </p:txBody>
       </p:sp>
-      <p:sp>
-        <p:nvSpPr>
-          <p:cNvPr id="4" name="Szövegdoboz 3"/>
-          <p:cNvSpPr txBox="1"/>
+      <p:pic>
+        <p:nvPicPr>
+          <p:cNvPr id="5" name="Kép 4"/>
+          <p:cNvPicPr>
+            <a:picLocks noChangeAspect="1"/>
+          </p:cNvPicPr>
           <p:nvPr/>
-        </p:nvSpPr>
+        </p:nvPicPr>
+        <p:blipFill rotWithShape="1">
+          <a:blip r:embed="rId3">
+            <a:extLst>
+              <a:ext uri="{28A0092B-C50C-407E-A947-70E740481C1C}">
+                <a14:useLocalDpi xmlns:a14="http://schemas.microsoft.com/office/drawing/2010/main" val="0"/>
+              </a:ext>
+            </a:extLst>
+          </a:blip>
+          <a:srcRect l="29801" t="7796" r="30042" b="7443"/>
+          <a:stretch/>
+        </p:blipFill>
         <p:spPr>
-          <a:xfrm rot="2010555">
-            <a:off x="6380955" y="3562313"/>
-            <a:ext cx="5706976" cy="938719"/>
+          <a:xfrm>
+            <a:off x="8490855" y="1888175"/>
+            <a:ext cx="3289465" cy="4286993"/>
           </a:xfrm>
           <a:prstGeom prst="rect">
             <a:avLst/>
           </a:prstGeom>
-          <a:noFill/>
         </p:spPr>
-        <p:txBody>
-          <a:bodyPr wrap="square" rtlCol="0">
-            <a:spAutoFit/>
-          </a:bodyPr>
-          <a:lstStyle/>
-          <a:p>
-            <a:r>
-              <a:rPr lang="hu-HU" sz="5500" dirty="0" err="1" smtClean="0">
-                <a:solidFill>
-                  <a:schemeClr val="bg1"/>
-                </a:solidFill>
-              </a:rPr>
-              <a:t>Insert</a:t>
-            </a:r>
-            <a:r>
-              <a:rPr lang="hu-HU" sz="5500" dirty="0" smtClean="0">
-                <a:solidFill>
-                  <a:schemeClr val="bg1"/>
-                </a:solidFill>
-              </a:rPr>
-              <a:t> </a:t>
-            </a:r>
-            <a:r>
-              <a:rPr lang="hu-HU" sz="5500" dirty="0" err="1" smtClean="0">
-                <a:solidFill>
-                  <a:schemeClr val="bg1"/>
-                </a:solidFill>
-              </a:rPr>
-              <a:t>logo</a:t>
-            </a:r>
-            <a:r>
-              <a:rPr lang="hu-HU" sz="5500" dirty="0" smtClean="0">
-                <a:solidFill>
-                  <a:schemeClr val="bg1"/>
-                </a:solidFill>
-              </a:rPr>
-              <a:t> here</a:t>
-            </a:r>
-            <a:endParaRPr lang="hu-HU" sz="5500" dirty="0">
-              <a:solidFill>
-                <a:schemeClr val="bg1"/>
-              </a:solidFill>
-            </a:endParaRPr>
-          </a:p>
-        </p:txBody>
-      </p:sp>
+      </p:pic>
     </p:spTree>
     <p:extLst>
       <p:ext uri="{BB962C8B-B14F-4D97-AF65-F5344CB8AC3E}">
@@ -14053,6 +14312,315 @@
   <p:clrMapOvr>
     <a:masterClrMapping/>
   </p:clrMapOvr>
+  <p:timing>
+    <p:tnLst>
+      <p:par>
+        <p:cTn id="1" dur="indefinite" restart="never" nodeType="tmRoot">
+          <p:childTnLst>
+            <p:seq concurrent="1" nextAc="seek">
+              <p:cTn id="2" dur="indefinite" nodeType="mainSeq">
+                <p:childTnLst>
+                  <p:par>
+                    <p:cTn id="3" fill="hold">
+                      <p:stCondLst>
+                        <p:cond delay="indefinite"/>
+                      </p:stCondLst>
+                      <p:childTnLst>
+                        <p:par>
+                          <p:cTn id="4" fill="hold">
+                            <p:stCondLst>
+                              <p:cond delay="0"/>
+                            </p:stCondLst>
+                            <p:childTnLst>
+                              <p:par>
+                                <p:cTn id="5" presetID="1" presetClass="entr" presetSubtype="0" fill="hold" grpId="0" nodeType="clickEffect">
+                                  <p:stCondLst>
+                                    <p:cond delay="0"/>
+                                  </p:stCondLst>
+                                  <p:childTnLst>
+                                    <p:set>
+                                      <p:cBhvr>
+                                        <p:cTn id="6" dur="1" fill="hold">
+                                          <p:stCondLst>
+                                            <p:cond delay="0"/>
+                                          </p:stCondLst>
+                                        </p:cTn>
+                                        <p:tgtEl>
+                                          <p:spTgt spid="3">
+                                            <p:txEl>
+                                              <p:pRg st="0" end="0"/>
+                                            </p:txEl>
+                                          </p:spTgt>
+                                        </p:tgtEl>
+                                        <p:attrNameLst>
+                                          <p:attrName>style.visibility</p:attrName>
+                                        </p:attrNameLst>
+                                      </p:cBhvr>
+                                      <p:to>
+                                        <p:strVal val="visible"/>
+                                      </p:to>
+                                    </p:set>
+                                  </p:childTnLst>
+                                </p:cTn>
+                              </p:par>
+                            </p:childTnLst>
+                          </p:cTn>
+                        </p:par>
+                      </p:childTnLst>
+                    </p:cTn>
+                  </p:par>
+                  <p:par>
+                    <p:cTn id="7" fill="hold">
+                      <p:stCondLst>
+                        <p:cond delay="indefinite"/>
+                      </p:stCondLst>
+                      <p:childTnLst>
+                        <p:par>
+                          <p:cTn id="8" fill="hold">
+                            <p:stCondLst>
+                              <p:cond delay="0"/>
+                            </p:stCondLst>
+                            <p:childTnLst>
+                              <p:par>
+                                <p:cTn id="9" presetID="1" presetClass="entr" presetSubtype="0" fill="hold" grpId="0" nodeType="clickEffect">
+                                  <p:stCondLst>
+                                    <p:cond delay="0"/>
+                                  </p:stCondLst>
+                                  <p:childTnLst>
+                                    <p:set>
+                                      <p:cBhvr>
+                                        <p:cTn id="10" dur="1" fill="hold">
+                                          <p:stCondLst>
+                                            <p:cond delay="0"/>
+                                          </p:stCondLst>
+                                        </p:cTn>
+                                        <p:tgtEl>
+                                          <p:spTgt spid="3">
+                                            <p:txEl>
+                                              <p:pRg st="1" end="1"/>
+                                            </p:txEl>
+                                          </p:spTgt>
+                                        </p:tgtEl>
+                                        <p:attrNameLst>
+                                          <p:attrName>style.visibility</p:attrName>
+                                        </p:attrNameLst>
+                                      </p:cBhvr>
+                                      <p:to>
+                                        <p:strVal val="visible"/>
+                                      </p:to>
+                                    </p:set>
+                                  </p:childTnLst>
+                                </p:cTn>
+                              </p:par>
+                            </p:childTnLst>
+                          </p:cTn>
+                        </p:par>
+                      </p:childTnLst>
+                    </p:cTn>
+                  </p:par>
+                  <p:par>
+                    <p:cTn id="11" fill="hold">
+                      <p:stCondLst>
+                        <p:cond delay="indefinite"/>
+                      </p:stCondLst>
+                      <p:childTnLst>
+                        <p:par>
+                          <p:cTn id="12" fill="hold">
+                            <p:stCondLst>
+                              <p:cond delay="0"/>
+                            </p:stCondLst>
+                            <p:childTnLst>
+                              <p:par>
+                                <p:cTn id="13" presetID="1" presetClass="entr" presetSubtype="0" fill="hold" grpId="0" nodeType="clickEffect">
+                                  <p:stCondLst>
+                                    <p:cond delay="0"/>
+                                  </p:stCondLst>
+                                  <p:childTnLst>
+                                    <p:set>
+                                      <p:cBhvr>
+                                        <p:cTn id="14" dur="1" fill="hold">
+                                          <p:stCondLst>
+                                            <p:cond delay="0"/>
+                                          </p:stCondLst>
+                                        </p:cTn>
+                                        <p:tgtEl>
+                                          <p:spTgt spid="3">
+                                            <p:txEl>
+                                              <p:pRg st="2" end="2"/>
+                                            </p:txEl>
+                                          </p:spTgt>
+                                        </p:tgtEl>
+                                        <p:attrNameLst>
+                                          <p:attrName>style.visibility</p:attrName>
+                                        </p:attrNameLst>
+                                      </p:cBhvr>
+                                      <p:to>
+                                        <p:strVal val="visible"/>
+                                      </p:to>
+                                    </p:set>
+                                  </p:childTnLst>
+                                </p:cTn>
+                              </p:par>
+                            </p:childTnLst>
+                          </p:cTn>
+                        </p:par>
+                      </p:childTnLst>
+                    </p:cTn>
+                  </p:par>
+                  <p:par>
+                    <p:cTn id="15" fill="hold">
+                      <p:stCondLst>
+                        <p:cond delay="indefinite"/>
+                      </p:stCondLst>
+                      <p:childTnLst>
+                        <p:par>
+                          <p:cTn id="16" fill="hold">
+                            <p:stCondLst>
+                              <p:cond delay="0"/>
+                            </p:stCondLst>
+                            <p:childTnLst>
+                              <p:par>
+                                <p:cTn id="17" presetID="1" presetClass="entr" presetSubtype="0" fill="hold" grpId="0" nodeType="clickEffect">
+                                  <p:stCondLst>
+                                    <p:cond delay="0"/>
+                                  </p:stCondLst>
+                                  <p:childTnLst>
+                                    <p:set>
+                                      <p:cBhvr>
+                                        <p:cTn id="18" dur="1" fill="hold">
+                                          <p:stCondLst>
+                                            <p:cond delay="0"/>
+                                          </p:stCondLst>
+                                        </p:cTn>
+                                        <p:tgtEl>
+                                          <p:spTgt spid="3">
+                                            <p:txEl>
+                                              <p:pRg st="3" end="3"/>
+                                            </p:txEl>
+                                          </p:spTgt>
+                                        </p:tgtEl>
+                                        <p:attrNameLst>
+                                          <p:attrName>style.visibility</p:attrName>
+                                        </p:attrNameLst>
+                                      </p:cBhvr>
+                                      <p:to>
+                                        <p:strVal val="visible"/>
+                                      </p:to>
+                                    </p:set>
+                                  </p:childTnLst>
+                                </p:cTn>
+                              </p:par>
+                            </p:childTnLst>
+                          </p:cTn>
+                        </p:par>
+                      </p:childTnLst>
+                    </p:cTn>
+                  </p:par>
+                  <p:par>
+                    <p:cTn id="19" fill="hold">
+                      <p:stCondLst>
+                        <p:cond delay="indefinite"/>
+                      </p:stCondLst>
+                      <p:childTnLst>
+                        <p:par>
+                          <p:cTn id="20" fill="hold">
+                            <p:stCondLst>
+                              <p:cond delay="0"/>
+                            </p:stCondLst>
+                            <p:childTnLst>
+                              <p:par>
+                                <p:cTn id="21" presetID="1" presetClass="entr" presetSubtype="0" fill="hold" grpId="0" nodeType="clickEffect">
+                                  <p:stCondLst>
+                                    <p:cond delay="0"/>
+                                  </p:stCondLst>
+                                  <p:childTnLst>
+                                    <p:set>
+                                      <p:cBhvr>
+                                        <p:cTn id="22" dur="1" fill="hold">
+                                          <p:stCondLst>
+                                            <p:cond delay="0"/>
+                                          </p:stCondLst>
+                                        </p:cTn>
+                                        <p:tgtEl>
+                                          <p:spTgt spid="3">
+                                            <p:txEl>
+                                              <p:pRg st="4" end="4"/>
+                                            </p:txEl>
+                                          </p:spTgt>
+                                        </p:tgtEl>
+                                        <p:attrNameLst>
+                                          <p:attrName>style.visibility</p:attrName>
+                                        </p:attrNameLst>
+                                      </p:cBhvr>
+                                      <p:to>
+                                        <p:strVal val="visible"/>
+                                      </p:to>
+                                    </p:set>
+                                  </p:childTnLst>
+                                </p:cTn>
+                              </p:par>
+                              <p:par>
+                                <p:cTn id="23" presetID="1" presetClass="entr" presetSubtype="0" fill="hold" grpId="0" nodeType="withEffect">
+                                  <p:stCondLst>
+                                    <p:cond delay="0"/>
+                                  </p:stCondLst>
+                                  <p:childTnLst>
+                                    <p:set>
+                                      <p:cBhvr>
+                                        <p:cTn id="24" dur="1" fill="hold">
+                                          <p:stCondLst>
+                                            <p:cond delay="0"/>
+                                          </p:stCondLst>
+                                        </p:cTn>
+                                        <p:tgtEl>
+                                          <p:spTgt spid="3">
+                                            <p:txEl>
+                                              <p:pRg st="5" end="5"/>
+                                            </p:txEl>
+                                          </p:spTgt>
+                                        </p:tgtEl>
+                                        <p:attrNameLst>
+                                          <p:attrName>style.visibility</p:attrName>
+                                        </p:attrNameLst>
+                                      </p:cBhvr>
+                                      <p:to>
+                                        <p:strVal val="visible"/>
+                                      </p:to>
+                                    </p:set>
+                                  </p:childTnLst>
+                                </p:cTn>
+                              </p:par>
+                            </p:childTnLst>
+                          </p:cTn>
+                        </p:par>
+                      </p:childTnLst>
+                    </p:cTn>
+                  </p:par>
+                </p:childTnLst>
+              </p:cTn>
+              <p:prevCondLst>
+                <p:cond evt="onPrev" delay="0">
+                  <p:tgtEl>
+                    <p:sldTgt/>
+                  </p:tgtEl>
+                </p:cond>
+              </p:prevCondLst>
+              <p:nextCondLst>
+                <p:cond evt="onNext" delay="0">
+                  <p:tgtEl>
+                    <p:sldTgt/>
+                  </p:tgtEl>
+                </p:cond>
+              </p:nextCondLst>
+            </p:seq>
+          </p:childTnLst>
+        </p:cTn>
+      </p:par>
+    </p:tnLst>
+    <p:bldLst>
+      <p:bldP spid="3" grpId="0" build="p"/>
+    </p:bldLst>
+  </p:timing>
 </p:sld>
 </file>
 
@@ -14175,6 +14743,248 @@
   <p:clrMapOvr>
     <a:masterClrMapping/>
   </p:clrMapOvr>
+  <p:timing>
+    <p:tnLst>
+      <p:par>
+        <p:cTn id="1" dur="indefinite" restart="never" nodeType="tmRoot">
+          <p:childTnLst>
+            <p:seq concurrent="1" nextAc="seek">
+              <p:cTn id="2" dur="indefinite" nodeType="mainSeq">
+                <p:childTnLst>
+                  <p:par>
+                    <p:cTn id="3" fill="hold">
+                      <p:stCondLst>
+                        <p:cond delay="indefinite"/>
+                      </p:stCondLst>
+                      <p:childTnLst>
+                        <p:par>
+                          <p:cTn id="4" fill="hold">
+                            <p:stCondLst>
+                              <p:cond delay="0"/>
+                            </p:stCondLst>
+                            <p:childTnLst>
+                              <p:par>
+                                <p:cTn id="5" presetID="1" presetClass="entr" presetSubtype="0" fill="hold" grpId="0" nodeType="clickEffect">
+                                  <p:stCondLst>
+                                    <p:cond delay="0"/>
+                                  </p:stCondLst>
+                                  <p:childTnLst>
+                                    <p:set>
+                                      <p:cBhvr>
+                                        <p:cTn id="6" dur="1" fill="hold">
+                                          <p:stCondLst>
+                                            <p:cond delay="0"/>
+                                          </p:stCondLst>
+                                        </p:cTn>
+                                        <p:tgtEl>
+                                          <p:spTgt spid="3">
+                                            <p:txEl>
+                                              <p:pRg st="0" end="0"/>
+                                            </p:txEl>
+                                          </p:spTgt>
+                                        </p:tgtEl>
+                                        <p:attrNameLst>
+                                          <p:attrName>style.visibility</p:attrName>
+                                        </p:attrNameLst>
+                                      </p:cBhvr>
+                                      <p:to>
+                                        <p:strVal val="visible"/>
+                                      </p:to>
+                                    </p:set>
+                                  </p:childTnLst>
+                                </p:cTn>
+                              </p:par>
+                            </p:childTnLst>
+                          </p:cTn>
+                        </p:par>
+                      </p:childTnLst>
+                    </p:cTn>
+                  </p:par>
+                  <p:par>
+                    <p:cTn id="7" fill="hold">
+                      <p:stCondLst>
+                        <p:cond delay="indefinite"/>
+                      </p:stCondLst>
+                      <p:childTnLst>
+                        <p:par>
+                          <p:cTn id="8" fill="hold">
+                            <p:stCondLst>
+                              <p:cond delay="0"/>
+                            </p:stCondLst>
+                            <p:childTnLst>
+                              <p:par>
+                                <p:cTn id="9" presetID="1" presetClass="entr" presetSubtype="0" fill="hold" grpId="0" nodeType="clickEffect">
+                                  <p:stCondLst>
+                                    <p:cond delay="0"/>
+                                  </p:stCondLst>
+                                  <p:childTnLst>
+                                    <p:set>
+                                      <p:cBhvr>
+                                        <p:cTn id="10" dur="1" fill="hold">
+                                          <p:stCondLst>
+                                            <p:cond delay="0"/>
+                                          </p:stCondLst>
+                                        </p:cTn>
+                                        <p:tgtEl>
+                                          <p:spTgt spid="3">
+                                            <p:txEl>
+                                              <p:pRg st="1" end="1"/>
+                                            </p:txEl>
+                                          </p:spTgt>
+                                        </p:tgtEl>
+                                        <p:attrNameLst>
+                                          <p:attrName>style.visibility</p:attrName>
+                                        </p:attrNameLst>
+                                      </p:cBhvr>
+                                      <p:to>
+                                        <p:strVal val="visible"/>
+                                      </p:to>
+                                    </p:set>
+                                  </p:childTnLst>
+                                </p:cTn>
+                              </p:par>
+                              <p:par>
+                                <p:cTn id="11" presetID="1" presetClass="entr" presetSubtype="0" fill="hold" grpId="0" nodeType="withEffect">
+                                  <p:stCondLst>
+                                    <p:cond delay="0"/>
+                                  </p:stCondLst>
+                                  <p:childTnLst>
+                                    <p:set>
+                                      <p:cBhvr>
+                                        <p:cTn id="12" dur="1" fill="hold">
+                                          <p:stCondLst>
+                                            <p:cond delay="0"/>
+                                          </p:stCondLst>
+                                        </p:cTn>
+                                        <p:tgtEl>
+                                          <p:spTgt spid="3">
+                                            <p:txEl>
+                                              <p:pRg st="2" end="2"/>
+                                            </p:txEl>
+                                          </p:spTgt>
+                                        </p:tgtEl>
+                                        <p:attrNameLst>
+                                          <p:attrName>style.visibility</p:attrName>
+                                        </p:attrNameLst>
+                                      </p:cBhvr>
+                                      <p:to>
+                                        <p:strVal val="visible"/>
+                                      </p:to>
+                                    </p:set>
+                                  </p:childTnLst>
+                                </p:cTn>
+                              </p:par>
+                            </p:childTnLst>
+                          </p:cTn>
+                        </p:par>
+                      </p:childTnLst>
+                    </p:cTn>
+                  </p:par>
+                  <p:par>
+                    <p:cTn id="13" fill="hold">
+                      <p:stCondLst>
+                        <p:cond delay="indefinite"/>
+                      </p:stCondLst>
+                      <p:childTnLst>
+                        <p:par>
+                          <p:cTn id="14" fill="hold">
+                            <p:stCondLst>
+                              <p:cond delay="0"/>
+                            </p:stCondLst>
+                            <p:childTnLst>
+                              <p:par>
+                                <p:cTn id="15" presetID="1" presetClass="entr" presetSubtype="0" fill="hold" grpId="0" nodeType="clickEffect">
+                                  <p:stCondLst>
+                                    <p:cond delay="0"/>
+                                  </p:stCondLst>
+                                  <p:childTnLst>
+                                    <p:set>
+                                      <p:cBhvr>
+                                        <p:cTn id="16" dur="1" fill="hold">
+                                          <p:stCondLst>
+                                            <p:cond delay="0"/>
+                                          </p:stCondLst>
+                                        </p:cTn>
+                                        <p:tgtEl>
+                                          <p:spTgt spid="3">
+                                            <p:txEl>
+                                              <p:pRg st="3" end="3"/>
+                                            </p:txEl>
+                                          </p:spTgt>
+                                        </p:tgtEl>
+                                        <p:attrNameLst>
+                                          <p:attrName>style.visibility</p:attrName>
+                                        </p:attrNameLst>
+                                      </p:cBhvr>
+                                      <p:to>
+                                        <p:strVal val="visible"/>
+                                      </p:to>
+                                    </p:set>
+                                  </p:childTnLst>
+                                </p:cTn>
+                              </p:par>
+                              <p:par>
+                                <p:cTn id="17" presetID="1" presetClass="entr" presetSubtype="0" fill="hold" grpId="0" nodeType="withEffect">
+                                  <p:stCondLst>
+                                    <p:cond delay="0"/>
+                                  </p:stCondLst>
+                                  <p:childTnLst>
+                                    <p:set>
+                                      <p:cBhvr>
+                                        <p:cTn id="18" dur="1" fill="hold">
+                                          <p:stCondLst>
+                                            <p:cond delay="0"/>
+                                          </p:stCondLst>
+                                        </p:cTn>
+                                        <p:tgtEl>
+                                          <p:spTgt spid="3">
+                                            <p:txEl>
+                                              <p:pRg st="4" end="4"/>
+                                            </p:txEl>
+                                          </p:spTgt>
+                                        </p:tgtEl>
+                                        <p:attrNameLst>
+                                          <p:attrName>style.visibility</p:attrName>
+                                        </p:attrNameLst>
+                                      </p:cBhvr>
+                                      <p:to>
+                                        <p:strVal val="visible"/>
+                                      </p:to>
+                                    </p:set>
+                                  </p:childTnLst>
+                                </p:cTn>
+                              </p:par>
+                            </p:childTnLst>
+                          </p:cTn>
+                        </p:par>
+                      </p:childTnLst>
+                    </p:cTn>
+                  </p:par>
+                </p:childTnLst>
+              </p:cTn>
+              <p:prevCondLst>
+                <p:cond evt="onPrev" delay="0">
+                  <p:tgtEl>
+                    <p:sldTgt/>
+                  </p:tgtEl>
+                </p:cond>
+              </p:prevCondLst>
+              <p:nextCondLst>
+                <p:cond evt="onNext" delay="0">
+                  <p:tgtEl>
+                    <p:sldTgt/>
+                  </p:tgtEl>
+                </p:cond>
+              </p:nextCondLst>
+            </p:seq>
+          </p:childTnLst>
+        </p:cTn>
+      </p:par>
+    </p:tnLst>
+    <p:bldLst>
+      <p:bldP spid="3" grpId="0" build="p"/>
+    </p:bldLst>
+  </p:timing>
 </p:sld>
 </file>
 
@@ -14218,6 +15028,367 @@
           </a:p>
         </p:txBody>
       </p:sp>
+      <p:pic>
+        <p:nvPicPr>
+          <p:cNvPr id="4" name="Tartalom helye 3"/>
+          <p:cNvPicPr>
+            <a:picLocks noGrp="1" noChangeAspect="1"/>
+          </p:cNvPicPr>
+          <p:nvPr>
+            <p:ph idx="1"/>
+          </p:nvPr>
+        </p:nvPicPr>
+        <p:blipFill>
+          <a:blip r:embed="rId3">
+            <a:extLst>
+              <a:ext uri="{28A0092B-C50C-407E-A947-70E740481C1C}">
+                <a14:useLocalDpi xmlns:a14="http://schemas.microsoft.com/office/drawing/2010/main" val="0"/>
+              </a:ext>
+            </a:extLst>
+          </a:blip>
+          <a:stretch>
+            <a:fillRect/>
+          </a:stretch>
+        </p:blipFill>
+        <p:spPr>
+          <a:xfrm>
+            <a:off x="447818" y="1858961"/>
+            <a:ext cx="6886116" cy="4599710"/>
+          </a:xfrm>
+        </p:spPr>
+      </p:pic>
+      <p:pic>
+        <p:nvPicPr>
+          <p:cNvPr id="6" name="Kép 5"/>
+          <p:cNvPicPr>
+            <a:picLocks noChangeAspect="1"/>
+          </p:cNvPicPr>
+          <p:nvPr/>
+        </p:nvPicPr>
+        <p:blipFill>
+          <a:blip r:embed="rId4">
+            <a:extLst>
+              <a:ext uri="{28A0092B-C50C-407E-A947-70E740481C1C}">
+                <a14:useLocalDpi xmlns:a14="http://schemas.microsoft.com/office/drawing/2010/main" val="0"/>
+              </a:ext>
+            </a:extLst>
+          </a:blip>
+          <a:stretch>
+            <a:fillRect/>
+          </a:stretch>
+        </p:blipFill>
+        <p:spPr>
+          <a:xfrm>
+            <a:off x="5739846" y="1858961"/>
+            <a:ext cx="6132946" cy="4599710"/>
+          </a:xfrm>
+          <a:prstGeom prst="rect">
+            <a:avLst/>
+          </a:prstGeom>
+        </p:spPr>
+      </p:pic>
+      <p:pic>
+        <p:nvPicPr>
+          <p:cNvPr id="7" name="Kép 6"/>
+          <p:cNvPicPr>
+            <a:picLocks noChangeAspect="1"/>
+          </p:cNvPicPr>
+          <p:nvPr/>
+        </p:nvPicPr>
+        <p:blipFill>
+          <a:blip r:embed="rId5">
+            <a:extLst>
+              <a:ext uri="{28A0092B-C50C-407E-A947-70E740481C1C}">
+                <a14:useLocalDpi xmlns:a14="http://schemas.microsoft.com/office/drawing/2010/main" val="0"/>
+              </a:ext>
+            </a:extLst>
+          </a:blip>
+          <a:stretch>
+            <a:fillRect/>
+          </a:stretch>
+        </p:blipFill>
+        <p:spPr>
+          <a:xfrm>
+            <a:off x="3136982" y="1740158"/>
+            <a:ext cx="6046644" cy="4837315"/>
+          </a:xfrm>
+          <a:prstGeom prst="rect">
+            <a:avLst/>
+          </a:prstGeom>
+        </p:spPr>
+      </p:pic>
+    </p:spTree>
+    <p:extLst>
+      <p:ext uri="{BB962C8B-B14F-4D97-AF65-F5344CB8AC3E}">
+        <p14:creationId xmlns:p14="http://schemas.microsoft.com/office/powerpoint/2010/main" val="1352949382"/>
+      </p:ext>
+    </p:extLst>
+  </p:cSld>
+  <p:clrMapOvr>
+    <a:masterClrMapping/>
+  </p:clrMapOvr>
+  <p:timing>
+    <p:tnLst>
+      <p:par>
+        <p:cTn id="1" dur="indefinite" restart="never" nodeType="tmRoot">
+          <p:childTnLst>
+            <p:seq concurrent="1" nextAc="seek">
+              <p:cTn id="2" dur="indefinite" nodeType="mainSeq">
+                <p:childTnLst>
+                  <p:par>
+                    <p:cTn id="3" fill="hold">
+                      <p:stCondLst>
+                        <p:cond delay="indefinite"/>
+                      </p:stCondLst>
+                      <p:childTnLst>
+                        <p:par>
+                          <p:cTn id="4" fill="hold">
+                            <p:stCondLst>
+                              <p:cond delay="0"/>
+                            </p:stCondLst>
+                            <p:childTnLst>
+                              <p:par>
+                                <p:cTn id="5" presetID="1" presetClass="entr" presetSubtype="0" fill="hold" nodeType="clickEffect">
+                                  <p:stCondLst>
+                                    <p:cond delay="0"/>
+                                  </p:stCondLst>
+                                  <p:childTnLst>
+                                    <p:set>
+                                      <p:cBhvr>
+                                        <p:cTn id="6" dur="1" fill="hold">
+                                          <p:stCondLst>
+                                            <p:cond delay="0"/>
+                                          </p:stCondLst>
+                                        </p:cTn>
+                                        <p:tgtEl>
+                                          <p:spTgt spid="4"/>
+                                        </p:tgtEl>
+                                        <p:attrNameLst>
+                                          <p:attrName>style.visibility</p:attrName>
+                                        </p:attrNameLst>
+                                      </p:cBhvr>
+                                      <p:to>
+                                        <p:strVal val="visible"/>
+                                      </p:to>
+                                    </p:set>
+                                  </p:childTnLst>
+                                </p:cTn>
+                              </p:par>
+                            </p:childTnLst>
+                          </p:cTn>
+                        </p:par>
+                      </p:childTnLst>
+                    </p:cTn>
+                  </p:par>
+                  <p:par>
+                    <p:cTn id="7" fill="hold">
+                      <p:stCondLst>
+                        <p:cond delay="indefinite"/>
+                      </p:stCondLst>
+                      <p:childTnLst>
+                        <p:par>
+                          <p:cTn id="8" fill="hold">
+                            <p:stCondLst>
+                              <p:cond delay="0"/>
+                            </p:stCondLst>
+                            <p:childTnLst>
+                              <p:par>
+                                <p:cTn id="9" presetID="1" presetClass="exit" presetSubtype="0" fill="hold" nodeType="clickEffect">
+                                  <p:stCondLst>
+                                    <p:cond delay="0"/>
+                                  </p:stCondLst>
+                                  <p:childTnLst>
+                                    <p:set>
+                                      <p:cBhvr>
+                                        <p:cTn id="10" dur="1" fill="hold">
+                                          <p:stCondLst>
+                                            <p:cond delay="0"/>
+                                          </p:stCondLst>
+                                        </p:cTn>
+                                        <p:tgtEl>
+                                          <p:spTgt spid="4"/>
+                                        </p:tgtEl>
+                                        <p:attrNameLst>
+                                          <p:attrName>style.visibility</p:attrName>
+                                        </p:attrNameLst>
+                                      </p:cBhvr>
+                                      <p:to>
+                                        <p:strVal val="hidden"/>
+                                      </p:to>
+                                    </p:set>
+                                  </p:childTnLst>
+                                </p:cTn>
+                              </p:par>
+                              <p:par>
+                                <p:cTn id="11" presetID="1" presetClass="entr" presetSubtype="0" fill="hold" nodeType="withEffect">
+                                  <p:stCondLst>
+                                    <p:cond delay="0"/>
+                                  </p:stCondLst>
+                                  <p:childTnLst>
+                                    <p:set>
+                                      <p:cBhvr>
+                                        <p:cTn id="12" dur="1" fill="hold">
+                                          <p:stCondLst>
+                                            <p:cond delay="0"/>
+                                          </p:stCondLst>
+                                        </p:cTn>
+                                        <p:tgtEl>
+                                          <p:spTgt spid="6"/>
+                                        </p:tgtEl>
+                                        <p:attrNameLst>
+                                          <p:attrName>style.visibility</p:attrName>
+                                        </p:attrNameLst>
+                                      </p:cBhvr>
+                                      <p:to>
+                                        <p:strVal val="visible"/>
+                                      </p:to>
+                                    </p:set>
+                                  </p:childTnLst>
+                                </p:cTn>
+                              </p:par>
+                            </p:childTnLst>
+                          </p:cTn>
+                        </p:par>
+                      </p:childTnLst>
+                    </p:cTn>
+                  </p:par>
+                  <p:par>
+                    <p:cTn id="13" fill="hold">
+                      <p:stCondLst>
+                        <p:cond delay="indefinite"/>
+                      </p:stCondLst>
+                      <p:childTnLst>
+                        <p:par>
+                          <p:cTn id="14" fill="hold">
+                            <p:stCondLst>
+                              <p:cond delay="0"/>
+                            </p:stCondLst>
+                            <p:childTnLst>
+                              <p:par>
+                                <p:cTn id="15" presetID="1" presetClass="exit" presetSubtype="0" fill="hold" nodeType="clickEffect">
+                                  <p:stCondLst>
+                                    <p:cond delay="0"/>
+                                  </p:stCondLst>
+                                  <p:childTnLst>
+                                    <p:set>
+                                      <p:cBhvr>
+                                        <p:cTn id="16" dur="1" fill="hold">
+                                          <p:stCondLst>
+                                            <p:cond delay="0"/>
+                                          </p:stCondLst>
+                                        </p:cTn>
+                                        <p:tgtEl>
+                                          <p:spTgt spid="6"/>
+                                        </p:tgtEl>
+                                        <p:attrNameLst>
+                                          <p:attrName>style.visibility</p:attrName>
+                                        </p:attrNameLst>
+                                      </p:cBhvr>
+                                      <p:to>
+                                        <p:strVal val="hidden"/>
+                                      </p:to>
+                                    </p:set>
+                                  </p:childTnLst>
+                                </p:cTn>
+                              </p:par>
+                              <p:par>
+                                <p:cTn id="17" presetID="1" presetClass="entr" presetSubtype="0" fill="hold" nodeType="withEffect">
+                                  <p:stCondLst>
+                                    <p:cond delay="0"/>
+                                  </p:stCondLst>
+                                  <p:childTnLst>
+                                    <p:set>
+                                      <p:cBhvr>
+                                        <p:cTn id="18" dur="1" fill="hold">
+                                          <p:stCondLst>
+                                            <p:cond delay="0"/>
+                                          </p:stCondLst>
+                                        </p:cTn>
+                                        <p:tgtEl>
+                                          <p:spTgt spid="7"/>
+                                        </p:tgtEl>
+                                        <p:attrNameLst>
+                                          <p:attrName>style.visibility</p:attrName>
+                                        </p:attrNameLst>
+                                      </p:cBhvr>
+                                      <p:to>
+                                        <p:strVal val="visible"/>
+                                      </p:to>
+                                    </p:set>
+                                  </p:childTnLst>
+                                </p:cTn>
+                              </p:par>
+                            </p:childTnLst>
+                          </p:cTn>
+                        </p:par>
+                      </p:childTnLst>
+                    </p:cTn>
+                  </p:par>
+                </p:childTnLst>
+              </p:cTn>
+              <p:prevCondLst>
+                <p:cond evt="onPrev" delay="0">
+                  <p:tgtEl>
+                    <p:sldTgt/>
+                  </p:tgtEl>
+                </p:cond>
+              </p:prevCondLst>
+              <p:nextCondLst>
+                <p:cond evt="onNext" delay="0">
+                  <p:tgtEl>
+                    <p:sldTgt/>
+                  </p:tgtEl>
+                </p:cond>
+              </p:nextCondLst>
+            </p:seq>
+          </p:childTnLst>
+        </p:cTn>
+      </p:par>
+    </p:tnLst>
+  </p:timing>
+</p:sld>
+</file>
+
+<file path=ppt/slides/slide6.xml><?xml version="1.0" encoding="utf-8"?>
+<p:sld xmlns:a="http://schemas.openxmlformats.org/drawingml/2006/main" xmlns:r="http://schemas.openxmlformats.org/officeDocument/2006/relationships" xmlns:p="http://schemas.openxmlformats.org/presentationml/2006/main">
+  <p:cSld>
+    <p:spTree>
+      <p:nvGrpSpPr>
+        <p:cNvPr id="1" name=""/>
+        <p:cNvGrpSpPr/>
+        <p:nvPr/>
+      </p:nvGrpSpPr>
+      <p:grpSpPr>
+        <a:xfrm>
+          <a:off x="0" y="0"/>
+          <a:ext cx="0" cy="0"/>
+          <a:chOff x="0" y="0"/>
+          <a:chExt cx="0" cy="0"/>
+        </a:xfrm>
+      </p:grpSpPr>
+      <p:sp>
+        <p:nvSpPr>
+          <p:cNvPr id="2" name="Cím 1"/>
+          <p:cNvSpPr>
+            <a:spLocks noGrp="1"/>
+          </p:cNvSpPr>
+          <p:nvPr>
+            <p:ph type="title"/>
+          </p:nvPr>
+        </p:nvSpPr>
+        <p:spPr/>
+        <p:txBody>
+          <a:bodyPr/>
+          <a:lstStyle/>
+          <a:p>
+            <a:r>
+              <a:rPr lang="hu-HU" dirty="0" smtClean="0"/>
+              <a:t>Mac OS X</a:t>
+            </a:r>
+            <a:endParaRPr lang="hu-HU" dirty="0"/>
+          </a:p>
+        </p:txBody>
+      </p:sp>
       <p:sp>
         <p:nvSpPr>
           <p:cNvPr id="3" name="Tartalom helye 2"/>
@@ -14233,20 +15404,873 @@
           <a:bodyPr/>
           <a:lstStyle/>
           <a:p>
-            <a:endParaRPr lang="hu-HU"/>
+            <a:r>
+              <a:rPr lang="hu-HU" dirty="0" smtClean="0"/>
+              <a:t>2001. március 24.</a:t>
+            </a:r>
+          </a:p>
+          <a:p>
+            <a:r>
+              <a:rPr lang="hu-HU" dirty="0" smtClean="0"/>
+              <a:t>2. leghasználtabb OS</a:t>
+            </a:r>
+          </a:p>
+          <a:p>
+            <a:r>
+              <a:rPr lang="hu-HU" dirty="0" smtClean="0"/>
+              <a:t>„</a:t>
+            </a:r>
+            <a:r>
+              <a:rPr lang="hu-HU" dirty="0" err="1" smtClean="0"/>
+              <a:t>Rhapsody</a:t>
+            </a:r>
+            <a:r>
+              <a:rPr lang="hu-HU" dirty="0" smtClean="0"/>
+              <a:t>”</a:t>
+            </a:r>
+          </a:p>
+          <a:p>
+            <a:r>
+              <a:rPr lang="hu-HU" dirty="0" smtClean="0"/>
+              <a:t>1999 – Steve </a:t>
+            </a:r>
+            <a:r>
+              <a:rPr lang="hu-HU" dirty="0" err="1" smtClean="0"/>
+              <a:t>Jobs</a:t>
+            </a:r>
+            <a:r>
+              <a:rPr lang="hu-HU" dirty="0" smtClean="0"/>
+              <a:t> visszatér</a:t>
+            </a:r>
+          </a:p>
+          <a:p>
+            <a:r>
+              <a:rPr lang="hu-HU" dirty="0" smtClean="0"/>
+              <a:t>Támogatás megszűnt</a:t>
+            </a:r>
+          </a:p>
+          <a:p>
+            <a:r>
+              <a:rPr lang="hu-HU" dirty="0" smtClean="0"/>
+              <a:t>G3 iBook – 2013-mas Mac Pro </a:t>
+            </a:r>
           </a:p>
         </p:txBody>
       </p:sp>
+      <p:pic>
+        <p:nvPicPr>
+          <p:cNvPr id="4" name="Kép 3"/>
+          <p:cNvPicPr>
+            <a:picLocks noChangeAspect="1"/>
+          </p:cNvPicPr>
+          <p:nvPr/>
+        </p:nvPicPr>
+        <p:blipFill>
+          <a:blip r:embed="rId3">
+            <a:extLst>
+              <a:ext uri="{28A0092B-C50C-407E-A947-70E740481C1C}">
+                <a14:useLocalDpi xmlns:a14="http://schemas.microsoft.com/office/drawing/2010/main" val="0"/>
+              </a:ext>
+            </a:extLst>
+          </a:blip>
+          <a:stretch>
+            <a:fillRect/>
+          </a:stretch>
+        </p:blipFill>
+        <p:spPr>
+          <a:xfrm>
+            <a:off x="8018141" y="2104347"/>
+            <a:ext cx="3854650" cy="3854650"/>
+          </a:xfrm>
+          <a:prstGeom prst="rect">
+            <a:avLst/>
+          </a:prstGeom>
+        </p:spPr>
+      </p:pic>
     </p:spTree>
     <p:extLst>
       <p:ext uri="{BB962C8B-B14F-4D97-AF65-F5344CB8AC3E}">
-        <p14:creationId xmlns:p14="http://schemas.microsoft.com/office/powerpoint/2010/main" val="1352949382"/>
+        <p14:creationId xmlns:p14="http://schemas.microsoft.com/office/powerpoint/2010/main" val="2628219517"/>
       </p:ext>
     </p:extLst>
   </p:cSld>
   <p:clrMapOvr>
     <a:masterClrMapping/>
   </p:clrMapOvr>
+  <p:timing>
+    <p:tnLst>
+      <p:par>
+        <p:cTn id="1" dur="indefinite" restart="never" nodeType="tmRoot">
+          <p:childTnLst>
+            <p:seq concurrent="1" nextAc="seek">
+              <p:cTn id="2" dur="indefinite" nodeType="mainSeq">
+                <p:childTnLst>
+                  <p:par>
+                    <p:cTn id="3" fill="hold">
+                      <p:stCondLst>
+                        <p:cond delay="indefinite"/>
+                      </p:stCondLst>
+                      <p:childTnLst>
+                        <p:par>
+                          <p:cTn id="4" fill="hold">
+                            <p:stCondLst>
+                              <p:cond delay="0"/>
+                            </p:stCondLst>
+                            <p:childTnLst>
+                              <p:par>
+                                <p:cTn id="5" presetID="1" presetClass="entr" presetSubtype="0" fill="hold" grpId="0" nodeType="clickEffect">
+                                  <p:stCondLst>
+                                    <p:cond delay="0"/>
+                                  </p:stCondLst>
+                                  <p:childTnLst>
+                                    <p:set>
+                                      <p:cBhvr>
+                                        <p:cTn id="6" dur="1" fill="hold">
+                                          <p:stCondLst>
+                                            <p:cond delay="0"/>
+                                          </p:stCondLst>
+                                        </p:cTn>
+                                        <p:tgtEl>
+                                          <p:spTgt spid="3">
+                                            <p:txEl>
+                                              <p:pRg st="0" end="0"/>
+                                            </p:txEl>
+                                          </p:spTgt>
+                                        </p:tgtEl>
+                                        <p:attrNameLst>
+                                          <p:attrName>style.visibility</p:attrName>
+                                        </p:attrNameLst>
+                                      </p:cBhvr>
+                                      <p:to>
+                                        <p:strVal val="visible"/>
+                                      </p:to>
+                                    </p:set>
+                                  </p:childTnLst>
+                                </p:cTn>
+                              </p:par>
+                            </p:childTnLst>
+                          </p:cTn>
+                        </p:par>
+                      </p:childTnLst>
+                    </p:cTn>
+                  </p:par>
+                  <p:par>
+                    <p:cTn id="7" fill="hold">
+                      <p:stCondLst>
+                        <p:cond delay="indefinite"/>
+                      </p:stCondLst>
+                      <p:childTnLst>
+                        <p:par>
+                          <p:cTn id="8" fill="hold">
+                            <p:stCondLst>
+                              <p:cond delay="0"/>
+                            </p:stCondLst>
+                            <p:childTnLst>
+                              <p:par>
+                                <p:cTn id="9" presetID="1" presetClass="entr" presetSubtype="0" fill="hold" grpId="0" nodeType="clickEffect">
+                                  <p:stCondLst>
+                                    <p:cond delay="0"/>
+                                  </p:stCondLst>
+                                  <p:childTnLst>
+                                    <p:set>
+                                      <p:cBhvr>
+                                        <p:cTn id="10" dur="1" fill="hold">
+                                          <p:stCondLst>
+                                            <p:cond delay="0"/>
+                                          </p:stCondLst>
+                                        </p:cTn>
+                                        <p:tgtEl>
+                                          <p:spTgt spid="3">
+                                            <p:txEl>
+                                              <p:pRg st="1" end="1"/>
+                                            </p:txEl>
+                                          </p:spTgt>
+                                        </p:tgtEl>
+                                        <p:attrNameLst>
+                                          <p:attrName>style.visibility</p:attrName>
+                                        </p:attrNameLst>
+                                      </p:cBhvr>
+                                      <p:to>
+                                        <p:strVal val="visible"/>
+                                      </p:to>
+                                    </p:set>
+                                  </p:childTnLst>
+                                </p:cTn>
+                              </p:par>
+                            </p:childTnLst>
+                          </p:cTn>
+                        </p:par>
+                      </p:childTnLst>
+                    </p:cTn>
+                  </p:par>
+                  <p:par>
+                    <p:cTn id="11" fill="hold">
+                      <p:stCondLst>
+                        <p:cond delay="indefinite"/>
+                      </p:stCondLst>
+                      <p:childTnLst>
+                        <p:par>
+                          <p:cTn id="12" fill="hold">
+                            <p:stCondLst>
+                              <p:cond delay="0"/>
+                            </p:stCondLst>
+                            <p:childTnLst>
+                              <p:par>
+                                <p:cTn id="13" presetID="1" presetClass="entr" presetSubtype="0" fill="hold" grpId="0" nodeType="clickEffect">
+                                  <p:stCondLst>
+                                    <p:cond delay="0"/>
+                                  </p:stCondLst>
+                                  <p:childTnLst>
+                                    <p:set>
+                                      <p:cBhvr>
+                                        <p:cTn id="14" dur="1" fill="hold">
+                                          <p:stCondLst>
+                                            <p:cond delay="0"/>
+                                          </p:stCondLst>
+                                        </p:cTn>
+                                        <p:tgtEl>
+                                          <p:spTgt spid="3">
+                                            <p:txEl>
+                                              <p:pRg st="2" end="2"/>
+                                            </p:txEl>
+                                          </p:spTgt>
+                                        </p:tgtEl>
+                                        <p:attrNameLst>
+                                          <p:attrName>style.visibility</p:attrName>
+                                        </p:attrNameLst>
+                                      </p:cBhvr>
+                                      <p:to>
+                                        <p:strVal val="visible"/>
+                                      </p:to>
+                                    </p:set>
+                                  </p:childTnLst>
+                                </p:cTn>
+                              </p:par>
+                            </p:childTnLst>
+                          </p:cTn>
+                        </p:par>
+                      </p:childTnLst>
+                    </p:cTn>
+                  </p:par>
+                  <p:par>
+                    <p:cTn id="15" fill="hold">
+                      <p:stCondLst>
+                        <p:cond delay="indefinite"/>
+                      </p:stCondLst>
+                      <p:childTnLst>
+                        <p:par>
+                          <p:cTn id="16" fill="hold">
+                            <p:stCondLst>
+                              <p:cond delay="0"/>
+                            </p:stCondLst>
+                            <p:childTnLst>
+                              <p:par>
+                                <p:cTn id="17" presetID="1" presetClass="entr" presetSubtype="0" fill="hold" grpId="0" nodeType="clickEffect">
+                                  <p:stCondLst>
+                                    <p:cond delay="0"/>
+                                  </p:stCondLst>
+                                  <p:childTnLst>
+                                    <p:set>
+                                      <p:cBhvr>
+                                        <p:cTn id="18" dur="1" fill="hold">
+                                          <p:stCondLst>
+                                            <p:cond delay="0"/>
+                                          </p:stCondLst>
+                                        </p:cTn>
+                                        <p:tgtEl>
+                                          <p:spTgt spid="3">
+                                            <p:txEl>
+                                              <p:pRg st="3" end="3"/>
+                                            </p:txEl>
+                                          </p:spTgt>
+                                        </p:tgtEl>
+                                        <p:attrNameLst>
+                                          <p:attrName>style.visibility</p:attrName>
+                                        </p:attrNameLst>
+                                      </p:cBhvr>
+                                      <p:to>
+                                        <p:strVal val="visible"/>
+                                      </p:to>
+                                    </p:set>
+                                  </p:childTnLst>
+                                </p:cTn>
+                              </p:par>
+                            </p:childTnLst>
+                          </p:cTn>
+                        </p:par>
+                      </p:childTnLst>
+                    </p:cTn>
+                  </p:par>
+                  <p:par>
+                    <p:cTn id="19" fill="hold">
+                      <p:stCondLst>
+                        <p:cond delay="indefinite"/>
+                      </p:stCondLst>
+                      <p:childTnLst>
+                        <p:par>
+                          <p:cTn id="20" fill="hold">
+                            <p:stCondLst>
+                              <p:cond delay="0"/>
+                            </p:stCondLst>
+                            <p:childTnLst>
+                              <p:par>
+                                <p:cTn id="21" presetID="1" presetClass="entr" presetSubtype="0" fill="hold" grpId="0" nodeType="clickEffect">
+                                  <p:stCondLst>
+                                    <p:cond delay="0"/>
+                                  </p:stCondLst>
+                                  <p:childTnLst>
+                                    <p:set>
+                                      <p:cBhvr>
+                                        <p:cTn id="22" dur="1" fill="hold">
+                                          <p:stCondLst>
+                                            <p:cond delay="0"/>
+                                          </p:stCondLst>
+                                        </p:cTn>
+                                        <p:tgtEl>
+                                          <p:spTgt spid="3">
+                                            <p:txEl>
+                                              <p:pRg st="4" end="4"/>
+                                            </p:txEl>
+                                          </p:spTgt>
+                                        </p:tgtEl>
+                                        <p:attrNameLst>
+                                          <p:attrName>style.visibility</p:attrName>
+                                        </p:attrNameLst>
+                                      </p:cBhvr>
+                                      <p:to>
+                                        <p:strVal val="visible"/>
+                                      </p:to>
+                                    </p:set>
+                                  </p:childTnLst>
+                                </p:cTn>
+                              </p:par>
+                            </p:childTnLst>
+                          </p:cTn>
+                        </p:par>
+                      </p:childTnLst>
+                    </p:cTn>
+                  </p:par>
+                  <p:par>
+                    <p:cTn id="23" fill="hold">
+                      <p:stCondLst>
+                        <p:cond delay="indefinite"/>
+                      </p:stCondLst>
+                      <p:childTnLst>
+                        <p:par>
+                          <p:cTn id="24" fill="hold">
+                            <p:stCondLst>
+                              <p:cond delay="0"/>
+                            </p:stCondLst>
+                            <p:childTnLst>
+                              <p:par>
+                                <p:cTn id="25" presetID="1" presetClass="entr" presetSubtype="0" fill="hold" grpId="0" nodeType="clickEffect">
+                                  <p:stCondLst>
+                                    <p:cond delay="0"/>
+                                  </p:stCondLst>
+                                  <p:childTnLst>
+                                    <p:set>
+                                      <p:cBhvr>
+                                        <p:cTn id="26" dur="1" fill="hold">
+                                          <p:stCondLst>
+                                            <p:cond delay="0"/>
+                                          </p:stCondLst>
+                                        </p:cTn>
+                                        <p:tgtEl>
+                                          <p:spTgt spid="3">
+                                            <p:txEl>
+                                              <p:pRg st="5" end="5"/>
+                                            </p:txEl>
+                                          </p:spTgt>
+                                        </p:tgtEl>
+                                        <p:attrNameLst>
+                                          <p:attrName>style.visibility</p:attrName>
+                                        </p:attrNameLst>
+                                      </p:cBhvr>
+                                      <p:to>
+                                        <p:strVal val="visible"/>
+                                      </p:to>
+                                    </p:set>
+                                  </p:childTnLst>
+                                </p:cTn>
+                              </p:par>
+                            </p:childTnLst>
+                          </p:cTn>
+                        </p:par>
+                      </p:childTnLst>
+                    </p:cTn>
+                  </p:par>
+                </p:childTnLst>
+              </p:cTn>
+              <p:prevCondLst>
+                <p:cond evt="onPrev" delay="0">
+                  <p:tgtEl>
+                    <p:sldTgt/>
+                  </p:tgtEl>
+                </p:cond>
+              </p:prevCondLst>
+              <p:nextCondLst>
+                <p:cond evt="onNext" delay="0">
+                  <p:tgtEl>
+                    <p:sldTgt/>
+                  </p:tgtEl>
+                </p:cond>
+              </p:nextCondLst>
+            </p:seq>
+          </p:childTnLst>
+        </p:cTn>
+      </p:par>
+    </p:tnLst>
+    <p:bldLst>
+      <p:bldP spid="3" grpId="0" build="p"/>
+    </p:bldLst>
+  </p:timing>
+</p:sld>
+</file>
+
+<file path=ppt/slides/slide7.xml><?xml version="1.0" encoding="utf-8"?>
+<p:sld xmlns:a="http://schemas.openxmlformats.org/drawingml/2006/main" xmlns:r="http://schemas.openxmlformats.org/officeDocument/2006/relationships" xmlns:p="http://schemas.openxmlformats.org/presentationml/2006/main">
+  <p:cSld>
+    <p:spTree>
+      <p:nvGrpSpPr>
+        <p:cNvPr id="1" name=""/>
+        <p:cNvGrpSpPr/>
+        <p:nvPr/>
+      </p:nvGrpSpPr>
+      <p:grpSpPr>
+        <a:xfrm>
+          <a:off x="0" y="0"/>
+          <a:ext cx="0" cy="0"/>
+          <a:chOff x="0" y="0"/>
+          <a:chExt cx="0" cy="0"/>
+        </a:xfrm>
+      </p:grpSpPr>
+      <p:sp>
+        <p:nvSpPr>
+          <p:cNvPr id="2" name="Cím 1"/>
+          <p:cNvSpPr>
+            <a:spLocks noGrp="1"/>
+          </p:cNvSpPr>
+          <p:nvPr>
+            <p:ph type="title"/>
+          </p:nvPr>
+        </p:nvSpPr>
+        <p:spPr/>
+        <p:txBody>
+          <a:bodyPr/>
+          <a:lstStyle/>
+          <a:p>
+            <a:r>
+              <a:rPr lang="hu-HU" dirty="0" smtClean="0"/>
+              <a:t>Mac OS X nagyobb verziói</a:t>
+            </a:r>
+            <a:endParaRPr lang="hu-HU" dirty="0"/>
+          </a:p>
+        </p:txBody>
+      </p:sp>
+      <p:sp>
+        <p:nvSpPr>
+          <p:cNvPr id="3" name="Tartalom helye 2"/>
+          <p:cNvSpPr>
+            <a:spLocks noGrp="1"/>
+          </p:cNvSpPr>
+          <p:nvPr>
+            <p:ph idx="1"/>
+          </p:nvPr>
+        </p:nvSpPr>
+        <p:spPr/>
+        <p:txBody>
+          <a:bodyPr/>
+          <a:lstStyle/>
+          <a:p>
+            <a:r>
+              <a:rPr lang="hu-HU" dirty="0" smtClean="0"/>
+              <a:t>10.5 – Leopard</a:t>
+            </a:r>
+          </a:p>
+          <a:p>
+            <a:r>
+              <a:rPr lang="hu-HU" dirty="0" smtClean="0"/>
+              <a:t>10.10 – Yosemite</a:t>
+            </a:r>
+          </a:p>
+          <a:p>
+            <a:r>
+              <a:rPr lang="hu-HU" dirty="0" smtClean="0"/>
+              <a:t>10.11 – El </a:t>
+            </a:r>
+            <a:r>
+              <a:rPr lang="hu-HU" dirty="0" err="1" smtClean="0"/>
+              <a:t>Capitan</a:t>
+            </a:r>
+            <a:endParaRPr lang="hu-HU" dirty="0" smtClean="0"/>
+          </a:p>
+          <a:p>
+            <a:r>
+              <a:rPr lang="hu-HU" dirty="0" smtClean="0"/>
+              <a:t>10.12 – Sierra</a:t>
+            </a:r>
+          </a:p>
+          <a:p>
+            <a:r>
+              <a:rPr lang="hu-HU" dirty="0" smtClean="0"/>
+              <a:t>10.14 – </a:t>
+            </a:r>
+            <a:r>
+              <a:rPr lang="hu-HU" dirty="0" err="1" smtClean="0"/>
+              <a:t>Mojave</a:t>
+            </a:r>
+            <a:endParaRPr lang="hu-HU" dirty="0" smtClean="0"/>
+          </a:p>
+          <a:p>
+            <a:r>
+              <a:rPr lang="hu-HU" dirty="0" smtClean="0"/>
+              <a:t>10.15 - </a:t>
+            </a:r>
+            <a:r>
+              <a:rPr lang="hu-HU" dirty="0" err="1" smtClean="0"/>
+              <a:t>Catalina</a:t>
+            </a:r>
+            <a:endParaRPr lang="hu-HU" dirty="0"/>
+          </a:p>
+        </p:txBody>
+      </p:sp>
+    </p:spTree>
+    <p:extLst>
+      <p:ext uri="{BB962C8B-B14F-4D97-AF65-F5344CB8AC3E}">
+        <p14:creationId xmlns:p14="http://schemas.microsoft.com/office/powerpoint/2010/main" val="1284751628"/>
+      </p:ext>
+    </p:extLst>
+  </p:cSld>
+  <p:clrMapOvr>
+    <a:masterClrMapping/>
+  </p:clrMapOvr>
+  <p:timing>
+    <p:tnLst>
+      <p:par>
+        <p:cTn id="1" dur="indefinite" restart="never" nodeType="tmRoot">
+          <p:childTnLst>
+            <p:seq concurrent="1" nextAc="seek">
+              <p:cTn id="2" dur="indefinite" nodeType="mainSeq">
+                <p:childTnLst>
+                  <p:par>
+                    <p:cTn id="3" fill="hold">
+                      <p:stCondLst>
+                        <p:cond delay="indefinite"/>
+                      </p:stCondLst>
+                      <p:childTnLst>
+                        <p:par>
+                          <p:cTn id="4" fill="hold">
+                            <p:stCondLst>
+                              <p:cond delay="0"/>
+                            </p:stCondLst>
+                            <p:childTnLst>
+                              <p:par>
+                                <p:cTn id="5" presetID="1" presetClass="entr" presetSubtype="0" fill="hold" grpId="0" nodeType="clickEffect">
+                                  <p:stCondLst>
+                                    <p:cond delay="0"/>
+                                  </p:stCondLst>
+                                  <p:childTnLst>
+                                    <p:set>
+                                      <p:cBhvr>
+                                        <p:cTn id="6" dur="1" fill="hold">
+                                          <p:stCondLst>
+                                            <p:cond delay="0"/>
+                                          </p:stCondLst>
+                                        </p:cTn>
+                                        <p:tgtEl>
+                                          <p:spTgt spid="3">
+                                            <p:txEl>
+                                              <p:pRg st="0" end="0"/>
+                                            </p:txEl>
+                                          </p:spTgt>
+                                        </p:tgtEl>
+                                        <p:attrNameLst>
+                                          <p:attrName>style.visibility</p:attrName>
+                                        </p:attrNameLst>
+                                      </p:cBhvr>
+                                      <p:to>
+                                        <p:strVal val="visible"/>
+                                      </p:to>
+                                    </p:set>
+                                  </p:childTnLst>
+                                </p:cTn>
+                              </p:par>
+                            </p:childTnLst>
+                          </p:cTn>
+                        </p:par>
+                      </p:childTnLst>
+                    </p:cTn>
+                  </p:par>
+                  <p:par>
+                    <p:cTn id="7" fill="hold">
+                      <p:stCondLst>
+                        <p:cond delay="indefinite"/>
+                      </p:stCondLst>
+                      <p:childTnLst>
+                        <p:par>
+                          <p:cTn id="8" fill="hold">
+                            <p:stCondLst>
+                              <p:cond delay="0"/>
+                            </p:stCondLst>
+                            <p:childTnLst>
+                              <p:par>
+                                <p:cTn id="9" presetID="1" presetClass="entr" presetSubtype="0" fill="hold" grpId="0" nodeType="clickEffect">
+                                  <p:stCondLst>
+                                    <p:cond delay="0"/>
+                                  </p:stCondLst>
+                                  <p:childTnLst>
+                                    <p:set>
+                                      <p:cBhvr>
+                                        <p:cTn id="10" dur="1" fill="hold">
+                                          <p:stCondLst>
+                                            <p:cond delay="0"/>
+                                          </p:stCondLst>
+                                        </p:cTn>
+                                        <p:tgtEl>
+                                          <p:spTgt spid="3">
+                                            <p:txEl>
+                                              <p:pRg st="1" end="1"/>
+                                            </p:txEl>
+                                          </p:spTgt>
+                                        </p:tgtEl>
+                                        <p:attrNameLst>
+                                          <p:attrName>style.visibility</p:attrName>
+                                        </p:attrNameLst>
+                                      </p:cBhvr>
+                                      <p:to>
+                                        <p:strVal val="visible"/>
+                                      </p:to>
+                                    </p:set>
+                                  </p:childTnLst>
+                                </p:cTn>
+                              </p:par>
+                            </p:childTnLst>
+                          </p:cTn>
+                        </p:par>
+                      </p:childTnLst>
+                    </p:cTn>
+                  </p:par>
+                  <p:par>
+                    <p:cTn id="11" fill="hold">
+                      <p:stCondLst>
+                        <p:cond delay="indefinite"/>
+                      </p:stCondLst>
+                      <p:childTnLst>
+                        <p:par>
+                          <p:cTn id="12" fill="hold">
+                            <p:stCondLst>
+                              <p:cond delay="0"/>
+                            </p:stCondLst>
+                            <p:childTnLst>
+                              <p:par>
+                                <p:cTn id="13" presetID="1" presetClass="entr" presetSubtype="0" fill="hold" grpId="0" nodeType="clickEffect">
+                                  <p:stCondLst>
+                                    <p:cond delay="0"/>
+                                  </p:stCondLst>
+                                  <p:childTnLst>
+                                    <p:set>
+                                      <p:cBhvr>
+                                        <p:cTn id="14" dur="1" fill="hold">
+                                          <p:stCondLst>
+                                            <p:cond delay="0"/>
+                                          </p:stCondLst>
+                                        </p:cTn>
+                                        <p:tgtEl>
+                                          <p:spTgt spid="3">
+                                            <p:txEl>
+                                              <p:pRg st="2" end="2"/>
+                                            </p:txEl>
+                                          </p:spTgt>
+                                        </p:tgtEl>
+                                        <p:attrNameLst>
+                                          <p:attrName>style.visibility</p:attrName>
+                                        </p:attrNameLst>
+                                      </p:cBhvr>
+                                      <p:to>
+                                        <p:strVal val="visible"/>
+                                      </p:to>
+                                    </p:set>
+                                  </p:childTnLst>
+                                </p:cTn>
+                              </p:par>
+                            </p:childTnLst>
+                          </p:cTn>
+                        </p:par>
+                      </p:childTnLst>
+                    </p:cTn>
+                  </p:par>
+                  <p:par>
+                    <p:cTn id="15" fill="hold">
+                      <p:stCondLst>
+                        <p:cond delay="indefinite"/>
+                      </p:stCondLst>
+                      <p:childTnLst>
+                        <p:par>
+                          <p:cTn id="16" fill="hold">
+                            <p:stCondLst>
+                              <p:cond delay="0"/>
+                            </p:stCondLst>
+                            <p:childTnLst>
+                              <p:par>
+                                <p:cTn id="17" presetID="1" presetClass="entr" presetSubtype="0" fill="hold" grpId="0" nodeType="clickEffect">
+                                  <p:stCondLst>
+                                    <p:cond delay="0"/>
+                                  </p:stCondLst>
+                                  <p:childTnLst>
+                                    <p:set>
+                                      <p:cBhvr>
+                                        <p:cTn id="18" dur="1" fill="hold">
+                                          <p:stCondLst>
+                                            <p:cond delay="0"/>
+                                          </p:stCondLst>
+                                        </p:cTn>
+                                        <p:tgtEl>
+                                          <p:spTgt spid="3">
+                                            <p:txEl>
+                                              <p:pRg st="3" end="3"/>
+                                            </p:txEl>
+                                          </p:spTgt>
+                                        </p:tgtEl>
+                                        <p:attrNameLst>
+                                          <p:attrName>style.visibility</p:attrName>
+                                        </p:attrNameLst>
+                                      </p:cBhvr>
+                                      <p:to>
+                                        <p:strVal val="visible"/>
+                                      </p:to>
+                                    </p:set>
+                                  </p:childTnLst>
+                                </p:cTn>
+                              </p:par>
+                            </p:childTnLst>
+                          </p:cTn>
+                        </p:par>
+                      </p:childTnLst>
+                    </p:cTn>
+                  </p:par>
+                  <p:par>
+                    <p:cTn id="19" fill="hold">
+                      <p:stCondLst>
+                        <p:cond delay="indefinite"/>
+                      </p:stCondLst>
+                      <p:childTnLst>
+                        <p:par>
+                          <p:cTn id="20" fill="hold">
+                            <p:stCondLst>
+                              <p:cond delay="0"/>
+                            </p:stCondLst>
+                            <p:childTnLst>
+                              <p:par>
+                                <p:cTn id="21" presetID="1" presetClass="entr" presetSubtype="0" fill="hold" grpId="0" nodeType="clickEffect">
+                                  <p:stCondLst>
+                                    <p:cond delay="0"/>
+                                  </p:stCondLst>
+                                  <p:childTnLst>
+                                    <p:set>
+                                      <p:cBhvr>
+                                        <p:cTn id="22" dur="1" fill="hold">
+                                          <p:stCondLst>
+                                            <p:cond delay="0"/>
+                                          </p:stCondLst>
+                                        </p:cTn>
+                                        <p:tgtEl>
+                                          <p:spTgt spid="3">
+                                            <p:txEl>
+                                              <p:pRg st="4" end="4"/>
+                                            </p:txEl>
+                                          </p:spTgt>
+                                        </p:tgtEl>
+                                        <p:attrNameLst>
+                                          <p:attrName>style.visibility</p:attrName>
+                                        </p:attrNameLst>
+                                      </p:cBhvr>
+                                      <p:to>
+                                        <p:strVal val="visible"/>
+                                      </p:to>
+                                    </p:set>
+                                  </p:childTnLst>
+                                </p:cTn>
+                              </p:par>
+                            </p:childTnLst>
+                          </p:cTn>
+                        </p:par>
+                      </p:childTnLst>
+                    </p:cTn>
+                  </p:par>
+                  <p:par>
+                    <p:cTn id="23" fill="hold">
+                      <p:stCondLst>
+                        <p:cond delay="indefinite"/>
+                      </p:stCondLst>
+                      <p:childTnLst>
+                        <p:par>
+                          <p:cTn id="24" fill="hold">
+                            <p:stCondLst>
+                              <p:cond delay="0"/>
+                            </p:stCondLst>
+                            <p:childTnLst>
+                              <p:par>
+                                <p:cTn id="25" presetID="1" presetClass="entr" presetSubtype="0" fill="hold" grpId="0" nodeType="clickEffect">
+                                  <p:stCondLst>
+                                    <p:cond delay="0"/>
+                                  </p:stCondLst>
+                                  <p:childTnLst>
+                                    <p:set>
+                                      <p:cBhvr>
+                                        <p:cTn id="26" dur="1" fill="hold">
+                                          <p:stCondLst>
+                                            <p:cond delay="0"/>
+                                          </p:stCondLst>
+                                        </p:cTn>
+                                        <p:tgtEl>
+                                          <p:spTgt spid="3">
+                                            <p:txEl>
+                                              <p:pRg st="5" end="5"/>
+                                            </p:txEl>
+                                          </p:spTgt>
+                                        </p:tgtEl>
+                                        <p:attrNameLst>
+                                          <p:attrName>style.visibility</p:attrName>
+                                        </p:attrNameLst>
+                                      </p:cBhvr>
+                                      <p:to>
+                                        <p:strVal val="visible"/>
+                                      </p:to>
+                                    </p:set>
+                                  </p:childTnLst>
+                                </p:cTn>
+                              </p:par>
+                            </p:childTnLst>
+                          </p:cTn>
+                        </p:par>
+                      </p:childTnLst>
+                    </p:cTn>
+                  </p:par>
+                </p:childTnLst>
+              </p:cTn>
+              <p:prevCondLst>
+                <p:cond evt="onPrev" delay="0">
+                  <p:tgtEl>
+                    <p:sldTgt/>
+                  </p:tgtEl>
+                </p:cond>
+              </p:prevCondLst>
+              <p:nextCondLst>
+                <p:cond evt="onNext" delay="0">
+                  <p:tgtEl>
+                    <p:sldTgt/>
+                  </p:tgtEl>
+                </p:cond>
+              </p:nextCondLst>
+            </p:seq>
+          </p:childTnLst>
+        </p:cTn>
+      </p:par>
+    </p:tnLst>
+    <p:bldLst>
+      <p:bldP spid="3" grpId="0" build="p"/>
+    </p:bldLst>
+  </p:timing>
 </p:sld>
 </file>
 

--- a/A macOS történelme.pptx
+++ b/A macOS történelme.pptx
@@ -5,7 +5,7 @@
     <p:sldMasterId id="2147483660" r:id="rId1"/>
   </p:sldMasterIdLst>
   <p:notesMasterIdLst>
-    <p:notesMasterId r:id="rId9"/>
+    <p:notesMasterId r:id="rId12"/>
   </p:notesMasterIdLst>
   <p:sldIdLst>
     <p:sldId id="256" r:id="rId2"/>
@@ -15,6 +15,9 @@
     <p:sldId id="260" r:id="rId6"/>
     <p:sldId id="261" r:id="rId7"/>
     <p:sldId id="262" r:id="rId8"/>
+    <p:sldId id="263" r:id="rId9"/>
+    <p:sldId id="264" r:id="rId10"/>
+    <p:sldId id="266" r:id="rId11"/>
   </p:sldIdLst>
   <p:sldSz cx="12192000" cy="6858000"/>
   <p:notesSz cx="6858000" cy="9144000"/>
@@ -121,6 +124,195 @@
 </p:presentation>
 </file>
 
+<file path=ppt/revisionInfo.xml><?xml version="1.0" encoding="utf-8"?>
+<p1510:revInfo xmlns:a="http://schemas.openxmlformats.org/drawingml/2006/main" xmlns:r="http://schemas.openxmlformats.org/officeDocument/2006/relationships" xmlns:p1510="http://schemas.microsoft.com/office/powerpoint/2015/10/main">
+  <p1510:revLst>
+    <p1510:client id="{140B0030-C136-47C0-A80D-D51B4F07E6EF}" v="20" dt="2022-09-21T20:20:44.693"/>
+  </p1510:revLst>
+</p1510:revInfo>
+</file>
+
+<file path=ppt/changesInfos/changesInfo1.xml><?xml version="1.0" encoding="utf-8"?>
+<pc:chgInfo xmlns:a="http://schemas.openxmlformats.org/drawingml/2006/main" xmlns:r="http://schemas.openxmlformats.org/officeDocument/2006/relationships" xmlns:ac="http://schemas.microsoft.com/office/drawing/2013/main/command" xmlns:pc="http://schemas.microsoft.com/office/powerpoint/2013/main/command">
+  <pc:docChgLst>
+    <pc:chgData name="Krizsák Kornél Károly" userId="28d622d3-3f2c-48a1-94f6-3cfc6dcd8711" providerId="ADAL" clId="{140B0030-C136-47C0-A80D-D51B4F07E6EF}"/>
+    <pc:docChg chg="undo redo custSel addSld delSld modSld">
+      <pc:chgData name="Krizsák Kornél Károly" userId="28d622d3-3f2c-48a1-94f6-3cfc6dcd8711" providerId="ADAL" clId="{140B0030-C136-47C0-A80D-D51B4F07E6EF}" dt="2022-09-21T20:20:44.693" v="715"/>
+      <pc:docMkLst>
+        <pc:docMk/>
+      </pc:docMkLst>
+      <pc:sldChg chg="modSp mod">
+        <pc:chgData name="Krizsák Kornél Károly" userId="28d622d3-3f2c-48a1-94f6-3cfc6dcd8711" providerId="ADAL" clId="{140B0030-C136-47C0-A80D-D51B4F07E6EF}" dt="2022-09-21T20:06:20.326" v="401" actId="20577"/>
+        <pc:sldMkLst>
+          <pc:docMk/>
+          <pc:sldMk cId="2053750729" sldId="257"/>
+        </pc:sldMkLst>
+        <pc:spChg chg="mod">
+          <ac:chgData name="Krizsák Kornél Károly" userId="28d622d3-3f2c-48a1-94f6-3cfc6dcd8711" providerId="ADAL" clId="{140B0030-C136-47C0-A80D-D51B4F07E6EF}" dt="2022-09-21T20:06:20.326" v="401" actId="20577"/>
+          <ac:spMkLst>
+            <pc:docMk/>
+            <pc:sldMk cId="2053750729" sldId="257"/>
+            <ac:spMk id="3" creationId="{00000000-0000-0000-0000-000000000000}"/>
+          </ac:spMkLst>
+        </pc:spChg>
+      </pc:sldChg>
+      <pc:sldChg chg="modAnim">
+        <pc:chgData name="Krizsák Kornél Károly" userId="28d622d3-3f2c-48a1-94f6-3cfc6dcd8711" providerId="ADAL" clId="{140B0030-C136-47C0-A80D-D51B4F07E6EF}" dt="2022-09-21T20:14:28.568" v="703"/>
+        <pc:sldMkLst>
+          <pc:docMk/>
+          <pc:sldMk cId="3149645962" sldId="258"/>
+        </pc:sldMkLst>
+      </pc:sldChg>
+      <pc:sldChg chg="modNotesTx">
+        <pc:chgData name="Krizsák Kornél Károly" userId="28d622d3-3f2c-48a1-94f6-3cfc6dcd8711" providerId="ADAL" clId="{140B0030-C136-47C0-A80D-D51B4F07E6EF}" dt="2022-09-21T20:13:54.396" v="700" actId="20577"/>
+        <pc:sldMkLst>
+          <pc:docMk/>
+          <pc:sldMk cId="1352949382" sldId="260"/>
+        </pc:sldMkLst>
+      </pc:sldChg>
+      <pc:sldChg chg="modSp mod modAnim">
+        <pc:chgData name="Krizsák Kornél Károly" userId="28d622d3-3f2c-48a1-94f6-3cfc6dcd8711" providerId="ADAL" clId="{140B0030-C136-47C0-A80D-D51B4F07E6EF}" dt="2022-09-21T20:14:50.318" v="705"/>
+        <pc:sldMkLst>
+          <pc:docMk/>
+          <pc:sldMk cId="2628219517" sldId="261"/>
+        </pc:sldMkLst>
+        <pc:picChg chg="mod">
+          <ac:chgData name="Krizsák Kornél Károly" userId="28d622d3-3f2c-48a1-94f6-3cfc6dcd8711" providerId="ADAL" clId="{140B0030-C136-47C0-A80D-D51B4F07E6EF}" dt="2022-09-21T18:55:11.223" v="1" actId="1076"/>
+          <ac:picMkLst>
+            <pc:docMk/>
+            <pc:sldMk cId="2628219517" sldId="261"/>
+            <ac:picMk id="4" creationId="{00000000-0000-0000-0000-000000000000}"/>
+          </ac:picMkLst>
+        </pc:picChg>
+      </pc:sldChg>
+      <pc:sldChg chg="addSp delSp modSp mod modAnim">
+        <pc:chgData name="Krizsák Kornél Károly" userId="28d622d3-3f2c-48a1-94f6-3cfc6dcd8711" providerId="ADAL" clId="{140B0030-C136-47C0-A80D-D51B4F07E6EF}" dt="2022-09-21T20:19:10.169" v="714"/>
+        <pc:sldMkLst>
+          <pc:docMk/>
+          <pc:sldMk cId="1284751628" sldId="262"/>
+        </pc:sldMkLst>
+        <pc:picChg chg="add del mod">
+          <ac:chgData name="Krizsák Kornél Károly" userId="28d622d3-3f2c-48a1-94f6-3cfc6dcd8711" providerId="ADAL" clId="{140B0030-C136-47C0-A80D-D51B4F07E6EF}" dt="2022-09-21T18:56:24.409" v="6" actId="478"/>
+          <ac:picMkLst>
+            <pc:docMk/>
+            <pc:sldMk cId="1284751628" sldId="262"/>
+            <ac:picMk id="5" creationId="{7CAE8646-C552-B3F5-7062-4F51D81A51A4}"/>
+          </ac:picMkLst>
+        </pc:picChg>
+        <pc:picChg chg="add mod">
+          <ac:chgData name="Krizsák Kornél Károly" userId="28d622d3-3f2c-48a1-94f6-3cfc6dcd8711" providerId="ADAL" clId="{140B0030-C136-47C0-A80D-D51B4F07E6EF}" dt="2022-09-21T20:15:44.946" v="706" actId="1076"/>
+          <ac:picMkLst>
+            <pc:docMk/>
+            <pc:sldMk cId="1284751628" sldId="262"/>
+            <ac:picMk id="7" creationId="{D360F9B3-E436-C2BE-3F4C-3AF243ABE1B1}"/>
+          </ac:picMkLst>
+        </pc:picChg>
+        <pc:picChg chg="add mod modCrop">
+          <ac:chgData name="Krizsák Kornél Károly" userId="28d622d3-3f2c-48a1-94f6-3cfc6dcd8711" providerId="ADAL" clId="{140B0030-C136-47C0-A80D-D51B4F07E6EF}" dt="2022-09-21T19:02:51.777" v="65" actId="1076"/>
+          <ac:picMkLst>
+            <pc:docMk/>
+            <pc:sldMk cId="1284751628" sldId="262"/>
+            <ac:picMk id="9" creationId="{747BCD1C-E31D-339C-46C1-C297E591A64D}"/>
+          </ac:picMkLst>
+        </pc:picChg>
+        <pc:picChg chg="add mod">
+          <ac:chgData name="Krizsák Kornél Károly" userId="28d622d3-3f2c-48a1-94f6-3cfc6dcd8711" providerId="ADAL" clId="{140B0030-C136-47C0-A80D-D51B4F07E6EF}" dt="2022-09-21T19:02:39.533" v="61" actId="1076"/>
+          <ac:picMkLst>
+            <pc:docMk/>
+            <pc:sldMk cId="1284751628" sldId="262"/>
+            <ac:picMk id="11" creationId="{DB199DCC-ECB2-B7D0-7A5F-4A90EF2D3373}"/>
+          </ac:picMkLst>
+        </pc:picChg>
+        <pc:picChg chg="add mod">
+          <ac:chgData name="Krizsák Kornél Károly" userId="28d622d3-3f2c-48a1-94f6-3cfc6dcd8711" providerId="ADAL" clId="{140B0030-C136-47C0-A80D-D51B4F07E6EF}" dt="2022-09-21T19:02:47.611" v="63" actId="1076"/>
+          <ac:picMkLst>
+            <pc:docMk/>
+            <pc:sldMk cId="1284751628" sldId="262"/>
+            <ac:picMk id="13" creationId="{AAE227DA-287D-B6D8-475D-E0CA5B40C100}"/>
+          </ac:picMkLst>
+        </pc:picChg>
+      </pc:sldChg>
+      <pc:sldChg chg="modSp new mod modAnim">
+        <pc:chgData name="Krizsák Kornél Károly" userId="28d622d3-3f2c-48a1-94f6-3cfc6dcd8711" providerId="ADAL" clId="{140B0030-C136-47C0-A80D-D51B4F07E6EF}" dt="2022-09-21T20:20:44.693" v="715"/>
+        <pc:sldMkLst>
+          <pc:docMk/>
+          <pc:sldMk cId="3728669627" sldId="263"/>
+        </pc:sldMkLst>
+        <pc:spChg chg="mod">
+          <ac:chgData name="Krizsák Kornél Károly" userId="28d622d3-3f2c-48a1-94f6-3cfc6dcd8711" providerId="ADAL" clId="{140B0030-C136-47C0-A80D-D51B4F07E6EF}" dt="2022-09-21T19:05:21.488" v="122" actId="20577"/>
+          <ac:spMkLst>
+            <pc:docMk/>
+            <pc:sldMk cId="3728669627" sldId="263"/>
+            <ac:spMk id="2" creationId="{047FB984-889E-8743-6B8F-63DFD4A90408}"/>
+          </ac:spMkLst>
+        </pc:spChg>
+        <pc:spChg chg="mod">
+          <ac:chgData name="Krizsák Kornél Károly" userId="28d622d3-3f2c-48a1-94f6-3cfc6dcd8711" providerId="ADAL" clId="{140B0030-C136-47C0-A80D-D51B4F07E6EF}" dt="2022-09-21T19:56:52.837" v="374" actId="20577"/>
+          <ac:spMkLst>
+            <pc:docMk/>
+            <pc:sldMk cId="3728669627" sldId="263"/>
+            <ac:spMk id="3" creationId="{DFD09C67-617A-04AC-7A92-A4C268F55F25}"/>
+          </ac:spMkLst>
+        </pc:spChg>
+      </pc:sldChg>
+      <pc:sldChg chg="modSp new mod">
+        <pc:chgData name="Krizsák Kornél Károly" userId="28d622d3-3f2c-48a1-94f6-3cfc6dcd8711" providerId="ADAL" clId="{140B0030-C136-47C0-A80D-D51B4F07E6EF}" dt="2022-09-21T20:11:27.243" v="594" actId="207"/>
+        <pc:sldMkLst>
+          <pc:docMk/>
+          <pc:sldMk cId="1681187561" sldId="264"/>
+        </pc:sldMkLst>
+        <pc:spChg chg="mod">
+          <ac:chgData name="Krizsák Kornél Károly" userId="28d622d3-3f2c-48a1-94f6-3cfc6dcd8711" providerId="ADAL" clId="{140B0030-C136-47C0-A80D-D51B4F07E6EF}" dt="2022-09-21T20:06:27.996" v="410" actId="20577"/>
+          <ac:spMkLst>
+            <pc:docMk/>
+            <pc:sldMk cId="1681187561" sldId="264"/>
+            <ac:spMk id="2" creationId="{54B482EA-E591-D921-AC74-02BAE8465EEA}"/>
+          </ac:spMkLst>
+        </pc:spChg>
+        <pc:spChg chg="mod">
+          <ac:chgData name="Krizsák Kornél Károly" userId="28d622d3-3f2c-48a1-94f6-3cfc6dcd8711" providerId="ADAL" clId="{140B0030-C136-47C0-A80D-D51B4F07E6EF}" dt="2022-09-21T20:11:27.243" v="594" actId="207"/>
+          <ac:spMkLst>
+            <pc:docMk/>
+            <pc:sldMk cId="1681187561" sldId="264"/>
+            <ac:spMk id="3" creationId="{86BB617C-ADCC-E2FE-9ABE-1D59E8262126}"/>
+          </ac:spMkLst>
+        </pc:spChg>
+      </pc:sldChg>
+      <pc:sldChg chg="new del">
+        <pc:chgData name="Krizsák Kornél Károly" userId="28d622d3-3f2c-48a1-94f6-3cfc6dcd8711" providerId="ADAL" clId="{140B0030-C136-47C0-A80D-D51B4F07E6EF}" dt="2022-09-21T20:11:58.751" v="598" actId="47"/>
+        <pc:sldMkLst>
+          <pc:docMk/>
+          <pc:sldMk cId="73996271" sldId="265"/>
+        </pc:sldMkLst>
+      </pc:sldChg>
+      <pc:sldChg chg="modSp new mod">
+        <pc:chgData name="Krizsák Kornél Károly" userId="28d622d3-3f2c-48a1-94f6-3cfc6dcd8711" providerId="ADAL" clId="{140B0030-C136-47C0-A80D-D51B4F07E6EF}" dt="2022-09-21T20:12:28.654" v="651" actId="108"/>
+        <pc:sldMkLst>
+          <pc:docMk/>
+          <pc:sldMk cId="1280351893" sldId="266"/>
+        </pc:sldMkLst>
+        <pc:spChg chg="mod">
+          <ac:chgData name="Krizsák Kornél Károly" userId="28d622d3-3f2c-48a1-94f6-3cfc6dcd8711" providerId="ADAL" clId="{140B0030-C136-47C0-A80D-D51B4F07E6EF}" dt="2022-09-21T20:12:03.425" v="619" actId="20577"/>
+          <ac:spMkLst>
+            <pc:docMk/>
+            <pc:sldMk cId="1280351893" sldId="266"/>
+            <ac:spMk id="2" creationId="{3490460C-B5BF-C29A-885B-8C0F9BB395BF}"/>
+          </ac:spMkLst>
+        </pc:spChg>
+        <pc:spChg chg="mod">
+          <ac:chgData name="Krizsák Kornél Károly" userId="28d622d3-3f2c-48a1-94f6-3cfc6dcd8711" providerId="ADAL" clId="{140B0030-C136-47C0-A80D-D51B4F07E6EF}" dt="2022-09-21T20:12:28.654" v="651" actId="108"/>
+          <ac:spMkLst>
+            <pc:docMk/>
+            <pc:sldMk cId="1280351893" sldId="266"/>
+            <ac:spMk id="3" creationId="{0546899B-EBA4-6C66-43FE-2586C1ADA226}"/>
+          </ac:spMkLst>
+        </pc:spChg>
+      </pc:sldChg>
+    </pc:docChg>
+  </pc:docChgLst>
+</pc:chgInfo>
+</file>
+
 <file path=ppt/notesMasters/notesMaster1.xml><?xml version="1.0" encoding="utf-8"?>
 <p:notesMaster xmlns:a="http://schemas.openxmlformats.org/drawingml/2006/main" xmlns:r="http://schemas.openxmlformats.org/officeDocument/2006/relationships" xmlns:p="http://schemas.openxmlformats.org/presentationml/2006/main">
   <p:cSld>
@@ -203,7 +395,7 @@
           <a:p>
             <a:fld id="{7071743A-4A65-4A5C-8849-F3BF1126D411}" type="datetimeFigureOut">
               <a:rPr lang="hu-HU" smtClean="0"/>
-              <a:t>2022.09.21.</a:t>
+              <a:t>2022. 09. 21.</a:t>
             </a:fld>
             <a:endParaRPr lang="hu-HU"/>
           </a:p>
@@ -267,38 +459,37 @@
           <a:p>
             <a:pPr lvl="0"/>
             <a:r>
-              <a:rPr lang="hu-HU" smtClean="0"/>
+              <a:rPr lang="hu-HU"/>
               <a:t>Mintaszöveg szerkesztése</a:t>
             </a:r>
           </a:p>
           <a:p>
             <a:pPr lvl="1"/>
             <a:r>
-              <a:rPr lang="hu-HU" smtClean="0"/>
+              <a:rPr lang="hu-HU"/>
               <a:t>Második szint</a:t>
             </a:r>
           </a:p>
           <a:p>
             <a:pPr lvl="2"/>
             <a:r>
-              <a:rPr lang="hu-HU" smtClean="0"/>
+              <a:rPr lang="hu-HU"/>
               <a:t>Harmadik szint</a:t>
             </a:r>
           </a:p>
           <a:p>
             <a:pPr lvl="3"/>
             <a:r>
-              <a:rPr lang="hu-HU" smtClean="0"/>
+              <a:rPr lang="hu-HU"/>
               <a:t>Negyedik szint</a:t>
             </a:r>
           </a:p>
           <a:p>
             <a:pPr lvl="4"/>
             <a:r>
-              <a:rPr lang="hu-HU" smtClean="0"/>
+              <a:rPr lang="hu-HU"/>
               <a:t>Ötödik szint</a:t>
             </a:r>
-            <a:endParaRPr lang="hu-HU"/>
           </a:p>
         </p:txBody>
       </p:sp>
@@ -600,23 +791,23 @@
           <a:lstStyle/>
           <a:p>
             <a:r>
-              <a:rPr lang="hu-HU" dirty="0" err="1" smtClean="0"/>
+              <a:rPr lang="hu-HU" dirty="0" err="1"/>
               <a:t>Fun</a:t>
             </a:r>
             <a:r>
-              <a:rPr lang="hu-HU" dirty="0" smtClean="0"/>
+              <a:rPr lang="hu-HU" dirty="0"/>
               <a:t> </a:t>
             </a:r>
             <a:r>
-              <a:rPr lang="hu-HU" dirty="0" err="1" smtClean="0"/>
+              <a:rPr lang="hu-HU" dirty="0" err="1"/>
               <a:t>fact</a:t>
             </a:r>
             <a:r>
-              <a:rPr lang="hu-HU" dirty="0" smtClean="0"/>
+              <a:rPr lang="hu-HU" dirty="0"/>
               <a:t>:</a:t>
             </a:r>
             <a:r>
-              <a:rPr lang="hu-HU" baseline="0" dirty="0" smtClean="0"/>
+              <a:rPr lang="hu-HU" baseline="0" dirty="0"/>
               <a:t> - Első sikeres: Előtte volt több kisebb rendszer is : Lisa OS, Amiga OS</a:t>
             </a:r>
             <a:endParaRPr lang="hu-HU" dirty="0"/>
@@ -707,19 +898,19 @@
               <a:buAutoNum type="arabicPeriod"/>
             </a:pPr>
             <a:r>
-              <a:rPr lang="hu-HU" dirty="0" smtClean="0"/>
+              <a:rPr lang="hu-HU" dirty="0"/>
               <a:t>kép:</a:t>
             </a:r>
             <a:r>
-              <a:rPr lang="hu-HU" baseline="0" dirty="0" smtClean="0"/>
+              <a:rPr lang="hu-HU" baseline="0" dirty="0"/>
               <a:t> Első </a:t>
             </a:r>
             <a:r>
-              <a:rPr lang="hu-HU" baseline="0" dirty="0" err="1" smtClean="0"/>
+              <a:rPr lang="hu-HU" baseline="0" dirty="0" err="1"/>
               <a:t>macOS</a:t>
             </a:r>
             <a:r>
-              <a:rPr lang="hu-HU" baseline="0" dirty="0" smtClean="0"/>
+              <a:rPr lang="hu-HU" baseline="0" dirty="0"/>
               <a:t> (Mac System Software) – 1984</a:t>
             </a:r>
           </a:p>
@@ -728,8 +919,17 @@
               <a:buAutoNum type="arabicPeriod"/>
             </a:pPr>
             <a:r>
-              <a:rPr lang="hu-HU" baseline="0" dirty="0" smtClean="0"/>
-              <a:t>Kép:</a:t>
+              <a:rPr lang="hu-HU" baseline="0" dirty="0"/>
+              <a:t>Kép: Mac OS 9</a:t>
+            </a:r>
+          </a:p>
+          <a:p>
+            <a:pPr marL="228600" indent="-228600">
+              <a:buAutoNum type="arabicPeriod"/>
+            </a:pPr>
+            <a:r>
+              <a:rPr lang="hu-HU" baseline="0" dirty="0"/>
+              <a:t>Kép: Mac OS X első kiadás</a:t>
             </a:r>
             <a:endParaRPr lang="hu-HU" dirty="0"/>
           </a:p>
@@ -816,66 +1016,66 @@
           <a:lstStyle/>
           <a:p>
             <a:r>
-              <a:rPr lang="hu-HU" dirty="0" smtClean="0"/>
+              <a:rPr lang="hu-HU" dirty="0"/>
               <a:t>Kódneve volt </a:t>
             </a:r>
             <a:r>
-              <a:rPr lang="hu-HU" dirty="0" err="1" smtClean="0"/>
+              <a:rPr lang="hu-HU" dirty="0" err="1"/>
               <a:t>Rhapsody</a:t>
             </a:r>
             <a:r>
-              <a:rPr lang="hu-HU" dirty="0" smtClean="0"/>
+              <a:rPr lang="hu-HU" dirty="0"/>
               <a:t> majd átnevezték végleges</a:t>
             </a:r>
             <a:r>
-              <a:rPr lang="hu-HU" baseline="0" dirty="0" smtClean="0"/>
+              <a:rPr lang="hu-HU" baseline="0" dirty="0"/>
               <a:t> nevére</a:t>
             </a:r>
           </a:p>
           <a:p>
             <a:r>
-              <a:rPr lang="hu-HU" baseline="0" dirty="0" smtClean="0"/>
+              <a:rPr lang="hu-HU" baseline="0" dirty="0"/>
               <a:t>Steve </a:t>
             </a:r>
             <a:r>
-              <a:rPr lang="hu-HU" baseline="0" dirty="0" err="1" smtClean="0"/>
+              <a:rPr lang="hu-HU" baseline="0" dirty="0" err="1"/>
               <a:t>Jobs</a:t>
             </a:r>
             <a:r>
-              <a:rPr lang="hu-HU" baseline="0" dirty="0" smtClean="0"/>
+              <a:rPr lang="hu-HU" baseline="0" dirty="0"/>
               <a:t> visszatérése utáni első projektje, mivel ő virágoztatta fel a Classic Mac OS-t is</a:t>
             </a:r>
           </a:p>
           <a:p>
             <a:r>
-              <a:rPr lang="hu-HU" dirty="0" smtClean="0"/>
+              <a:rPr lang="hu-HU" dirty="0"/>
               <a:t>Támogatás</a:t>
             </a:r>
             <a:r>
-              <a:rPr lang="hu-HU" baseline="0" dirty="0" smtClean="0"/>
+              <a:rPr lang="hu-HU" baseline="0" dirty="0"/>
               <a:t> megszűnt, mivel a </a:t>
             </a:r>
             <a:r>
-              <a:rPr lang="hu-HU" baseline="0" dirty="0" err="1" smtClean="0"/>
+              <a:rPr lang="hu-HU" baseline="0" dirty="0" err="1"/>
               <a:t>MacOS</a:t>
             </a:r>
             <a:r>
-              <a:rPr lang="hu-HU" baseline="0" dirty="0" smtClean="0"/>
+              <a:rPr lang="hu-HU" baseline="0" dirty="0"/>
               <a:t> Big </a:t>
             </a:r>
             <a:r>
-              <a:rPr lang="hu-HU" baseline="0" dirty="0" err="1" smtClean="0"/>
+              <a:rPr lang="hu-HU" baseline="0" dirty="0" err="1"/>
               <a:t>Sur</a:t>
             </a:r>
             <a:r>
-              <a:rPr lang="hu-HU" baseline="0" dirty="0" smtClean="0"/>
+              <a:rPr lang="hu-HU" baseline="0" dirty="0"/>
               <a:t> (11) megjelenésével verziószám váltás történt, így többet már nem Mac OS X, hanem csak </a:t>
             </a:r>
             <a:r>
-              <a:rPr lang="hu-HU" baseline="0" dirty="0" err="1" smtClean="0"/>
+              <a:rPr lang="hu-HU" baseline="0" dirty="0" err="1"/>
               <a:t>macOS</a:t>
             </a:r>
-            <a:endParaRPr lang="hu-HU" baseline="0" dirty="0" smtClean="0"/>
+            <a:endParaRPr lang="hu-HU" baseline="0" dirty="0"/>
           </a:p>
         </p:txBody>
       </p:sp>
@@ -906,6 +1106,90 @@
     <p:extLst>
       <p:ext uri="{BB962C8B-B14F-4D97-AF65-F5344CB8AC3E}">
         <p14:creationId xmlns:p14="http://schemas.microsoft.com/office/powerpoint/2010/main" val="1211502864"/>
+      </p:ext>
+    </p:extLst>
+  </p:cSld>
+  <p:clrMapOvr>
+    <a:masterClrMapping/>
+  </p:clrMapOvr>
+</p:notes>
+</file>
+
+<file path=ppt/notesSlides/notesSlide5.xml><?xml version="1.0" encoding="utf-8"?>
+<p:notes xmlns:a="http://schemas.openxmlformats.org/drawingml/2006/main" xmlns:r="http://schemas.openxmlformats.org/officeDocument/2006/relationships" xmlns:p="http://schemas.openxmlformats.org/presentationml/2006/main">
+  <p:cSld>
+    <p:spTree>
+      <p:nvGrpSpPr>
+        <p:cNvPr id="1" name=""/>
+        <p:cNvGrpSpPr/>
+        <p:nvPr/>
+      </p:nvGrpSpPr>
+      <p:grpSpPr>
+        <a:xfrm>
+          <a:off x="0" y="0"/>
+          <a:ext cx="0" cy="0"/>
+          <a:chOff x="0" y="0"/>
+          <a:chExt cx="0" cy="0"/>
+        </a:xfrm>
+      </p:grpSpPr>
+      <p:sp>
+        <p:nvSpPr>
+          <p:cNvPr id="2" name="Diakép helye 1"/>
+          <p:cNvSpPr>
+            <a:spLocks noGrp="1" noRot="1" noChangeAspect="1"/>
+          </p:cNvSpPr>
+          <p:nvPr>
+            <p:ph type="sldImg"/>
+          </p:nvPr>
+        </p:nvSpPr>
+        <p:spPr/>
+      </p:sp>
+      <p:sp>
+        <p:nvSpPr>
+          <p:cNvPr id="3" name="Jegyzetek helye 2"/>
+          <p:cNvSpPr>
+            <a:spLocks noGrp="1"/>
+          </p:cNvSpPr>
+          <p:nvPr>
+            <p:ph type="body" idx="1"/>
+          </p:nvPr>
+        </p:nvSpPr>
+        <p:spPr/>
+        <p:txBody>
+          <a:bodyPr/>
+          <a:lstStyle/>
+          <a:p>
+            <a:endParaRPr lang="hu-HU" dirty="0"/>
+          </a:p>
+        </p:txBody>
+      </p:sp>
+      <p:sp>
+        <p:nvSpPr>
+          <p:cNvPr id="4" name="Dia számának helye 3"/>
+          <p:cNvSpPr>
+            <a:spLocks noGrp="1"/>
+          </p:cNvSpPr>
+          <p:nvPr>
+            <p:ph type="sldNum" sz="quarter" idx="5"/>
+          </p:nvPr>
+        </p:nvSpPr>
+        <p:spPr/>
+        <p:txBody>
+          <a:bodyPr/>
+          <a:lstStyle/>
+          <a:p>
+            <a:fld id="{BF1152D3-58DC-4B2C-890B-F0F9ED2941BC}" type="slidenum">
+              <a:rPr lang="hu-HU" smtClean="0"/>
+              <a:t>7</a:t>
+            </a:fld>
+            <a:endParaRPr lang="hu-HU"/>
+          </a:p>
+        </p:txBody>
+      </p:sp>
+    </p:spTree>
+    <p:extLst>
+      <p:ext uri="{BB962C8B-B14F-4D97-AF65-F5344CB8AC3E}">
+        <p14:creationId xmlns:p14="http://schemas.microsoft.com/office/powerpoint/2010/main" val="483606956"/>
       </p:ext>
     </p:extLst>
   </p:cSld>
@@ -987,7 +1271,7 @@
           </a:lstStyle>
           <a:p>
             <a:r>
-              <a:rPr lang="hu-HU" dirty="0" smtClean="0"/>
+              <a:rPr lang="hu-HU" dirty="0"/>
               <a:t>Mintacím szerkesztése</a:t>
             </a:r>
             <a:endParaRPr lang="en-US" dirty="0"/>
@@ -1107,7 +1391,7 @@
           </a:lstStyle>
           <a:p>
             <a:r>
-              <a:rPr lang="hu-HU" smtClean="0"/>
+              <a:rPr lang="hu-HU"/>
               <a:t>Kattintson ide az alcím mintájának szerkesztéséhez</a:t>
             </a:r>
             <a:endParaRPr lang="en-US" dirty="0"/>
@@ -1921,7 +2205,7 @@
           </a:lstStyle>
           <a:p>
             <a:r>
-              <a:rPr lang="hu-HU" smtClean="0"/>
+              <a:rPr lang="hu-HU"/>
               <a:t>Mintacím szerkesztése</a:t>
             </a:r>
             <a:endParaRPr lang="en-US" dirty="0"/>
@@ -2000,7 +2284,7 @@
           </a:lstStyle>
           <a:p>
             <a:r>
-              <a:rPr lang="hu-HU" smtClean="0"/>
+              <a:rPr lang="hu-HU"/>
               <a:t>Kép beszúrásához kattintson az ikonra</a:t>
             </a:r>
             <a:endParaRPr lang="en-US" dirty="0"/>
@@ -2075,7 +2359,7 @@
           <a:p>
             <a:pPr lvl="0"/>
             <a:r>
-              <a:rPr lang="hu-HU" smtClean="0"/>
+              <a:rPr lang="hu-HU"/>
               <a:t>Mintaszöveg szerkesztése</a:t>
             </a:r>
           </a:p>
@@ -2098,7 +2382,7 @@
           <a:p>
             <a:fld id="{5BC883BC-5C02-4F1C-956D-749985DFD583}" type="datetimeFigureOut">
               <a:rPr lang="hu-HU" smtClean="0"/>
-              <a:t>2022.09.21.</a:t>
+              <a:t>2022. 09. 21.</a:t>
             </a:fld>
             <a:endParaRPr lang="hu-HU"/>
           </a:p>
@@ -2987,7 +3271,7 @@
           </a:lstStyle>
           <a:p>
             <a:r>
-              <a:rPr lang="hu-HU" smtClean="0"/>
+              <a:rPr lang="hu-HU"/>
               <a:t>Mintacím szerkesztése</a:t>
             </a:r>
             <a:endParaRPr lang="en-US" dirty="0"/>
@@ -3055,7 +3339,7 @@
           <a:p>
             <a:pPr lvl="0"/>
             <a:r>
-              <a:rPr lang="hu-HU" smtClean="0"/>
+              <a:rPr lang="hu-HU"/>
               <a:t>Mintaszöveg szerkesztése</a:t>
             </a:r>
           </a:p>
@@ -3078,7 +3362,7 @@
           <a:p>
             <a:fld id="{5BC883BC-5C02-4F1C-956D-749985DFD583}" type="datetimeFigureOut">
               <a:rPr lang="hu-HU" smtClean="0"/>
-              <a:t>2022.09.21.</a:t>
+              <a:t>2022. 09. 21.</a:t>
             </a:fld>
             <a:endParaRPr lang="hu-HU"/>
           </a:p>
@@ -4045,7 +4329,7 @@
           </a:lstStyle>
           <a:p>
             <a:r>
-              <a:rPr lang="hu-HU" smtClean="0"/>
+              <a:rPr lang="hu-HU"/>
               <a:t>Mintacím szerkesztése</a:t>
             </a:r>
             <a:endParaRPr lang="en-US" dirty="0"/>
@@ -4122,7 +4406,7 @@
           <a:p>
             <a:pPr lvl="0"/>
             <a:r>
-              <a:rPr lang="hu-HU" smtClean="0"/>
+              <a:rPr lang="hu-HU"/>
               <a:t>Mintaszöveg szerkesztése</a:t>
             </a:r>
           </a:p>
@@ -4189,7 +4473,7 @@
           <a:p>
             <a:pPr lvl="0"/>
             <a:r>
-              <a:rPr lang="hu-HU" smtClean="0"/>
+              <a:rPr lang="hu-HU"/>
               <a:t>Mintaszöveg szerkesztése</a:t>
             </a:r>
           </a:p>
@@ -4212,7 +4496,7 @@
           <a:p>
             <a:fld id="{5BC883BC-5C02-4F1C-956D-749985DFD583}" type="datetimeFigureOut">
               <a:rPr lang="hu-HU" smtClean="0"/>
-              <a:t>2022.09.21.</a:t>
+              <a:t>2022. 09. 21.</a:t>
             </a:fld>
             <a:endParaRPr lang="hu-HU"/>
           </a:p>
@@ -5101,7 +5385,7 @@
           </a:lstStyle>
           <a:p>
             <a:r>
-              <a:rPr lang="hu-HU" smtClean="0"/>
+              <a:rPr lang="hu-HU"/>
               <a:t>Mintacím szerkesztése</a:t>
             </a:r>
             <a:endParaRPr lang="en-US" dirty="0"/>
@@ -5222,7 +5506,7 @@
           <a:p>
             <a:pPr lvl="0"/>
             <a:r>
-              <a:rPr lang="hu-HU" smtClean="0"/>
+              <a:rPr lang="hu-HU"/>
               <a:t>Mintaszöveg szerkesztése</a:t>
             </a:r>
           </a:p>
@@ -5245,7 +5529,7 @@
           <a:p>
             <a:fld id="{5BC883BC-5C02-4F1C-956D-749985DFD583}" type="datetimeFigureOut">
               <a:rPr lang="hu-HU" smtClean="0"/>
-              <a:t>2022.09.21.</a:t>
+              <a:t>2022. 09. 21.</a:t>
             </a:fld>
             <a:endParaRPr lang="hu-HU"/>
           </a:p>
@@ -5384,7 +5668,7 @@
           </a:lstStyle>
           <a:p>
             <a:r>
-              <a:rPr lang="hu-HU" smtClean="0"/>
+              <a:rPr lang="hu-HU"/>
               <a:t>Mintacím szerkesztése</a:t>
             </a:r>
             <a:endParaRPr lang="en-US" dirty="0"/>
@@ -5459,7 +5743,7 @@
           <a:p>
             <a:pPr lvl="0"/>
             <a:r>
-              <a:rPr lang="hu-HU" smtClean="0"/>
+              <a:rPr lang="hu-HU"/>
               <a:t>Mintaszöveg szerkesztése</a:t>
             </a:r>
           </a:p>
@@ -5526,7 +5810,7 @@
           <a:p>
             <a:pPr lvl="0"/>
             <a:r>
-              <a:rPr lang="hu-HU" smtClean="0"/>
+              <a:rPr lang="hu-HU"/>
               <a:t>Mintaszöveg szerkesztése</a:t>
             </a:r>
           </a:p>
@@ -5600,7 +5884,7 @@
           <a:p>
             <a:pPr lvl="0"/>
             <a:r>
-              <a:rPr lang="hu-HU" smtClean="0"/>
+              <a:rPr lang="hu-HU"/>
               <a:t>Mintaszöveg szerkesztése</a:t>
             </a:r>
           </a:p>
@@ -5667,7 +5951,7 @@
           <a:p>
             <a:pPr lvl="0"/>
             <a:r>
-              <a:rPr lang="hu-HU" smtClean="0"/>
+              <a:rPr lang="hu-HU"/>
               <a:t>Mintaszöveg szerkesztése</a:t>
             </a:r>
           </a:p>
@@ -5741,7 +6025,7 @@
           <a:p>
             <a:pPr lvl="0"/>
             <a:r>
-              <a:rPr lang="hu-HU" smtClean="0"/>
+              <a:rPr lang="hu-HU"/>
               <a:t>Mintaszöveg szerkesztése</a:t>
             </a:r>
           </a:p>
@@ -5808,7 +6092,7 @@
           <a:p>
             <a:pPr lvl="0"/>
             <a:r>
-              <a:rPr lang="hu-HU" smtClean="0"/>
+              <a:rPr lang="hu-HU"/>
               <a:t>Mintaszöveg szerkesztése</a:t>
             </a:r>
           </a:p>
@@ -5905,7 +6189,7 @@
           <a:p>
             <a:fld id="{5BC883BC-5C02-4F1C-956D-749985DFD583}" type="datetimeFigureOut">
               <a:rPr lang="hu-HU" smtClean="0"/>
-              <a:t>2022.09.21.</a:t>
+              <a:t>2022. 09. 21.</a:t>
             </a:fld>
             <a:endParaRPr lang="hu-HU"/>
           </a:p>
@@ -6008,7 +6292,7 @@
           </a:lstStyle>
           <a:p>
             <a:r>
-              <a:rPr lang="hu-HU" smtClean="0"/>
+              <a:rPr lang="hu-HU"/>
               <a:t>Mintacím szerkesztése</a:t>
             </a:r>
             <a:endParaRPr lang="en-US" dirty="0"/>
@@ -6083,7 +6367,7 @@
           <a:p>
             <a:pPr lvl="0"/>
             <a:r>
-              <a:rPr lang="hu-HU" smtClean="0"/>
+              <a:rPr lang="hu-HU"/>
               <a:t>Mintaszöveg szerkesztése</a:t>
             </a:r>
           </a:p>
@@ -6161,7 +6445,7 @@
           </a:lstStyle>
           <a:p>
             <a:r>
-              <a:rPr lang="hu-HU" smtClean="0"/>
+              <a:rPr lang="hu-HU"/>
               <a:t>Kép beszúrásához kattintson az ikonra</a:t>
             </a:r>
             <a:endParaRPr lang="en-US" dirty="0"/>
@@ -6229,7 +6513,7 @@
           <a:p>
             <a:pPr lvl="0"/>
             <a:r>
-              <a:rPr lang="hu-HU" smtClean="0"/>
+              <a:rPr lang="hu-HU"/>
               <a:t>Mintaszöveg szerkesztése</a:t>
             </a:r>
           </a:p>
@@ -6303,7 +6587,7 @@
           <a:p>
             <a:pPr lvl="0"/>
             <a:r>
-              <a:rPr lang="hu-HU" smtClean="0"/>
+              <a:rPr lang="hu-HU"/>
               <a:t>Mintaszöveg szerkesztése</a:t>
             </a:r>
           </a:p>
@@ -6381,7 +6665,7 @@
           </a:lstStyle>
           <a:p>
             <a:r>
-              <a:rPr lang="hu-HU" smtClean="0"/>
+              <a:rPr lang="hu-HU"/>
               <a:t>Kép beszúrásához kattintson az ikonra</a:t>
             </a:r>
             <a:endParaRPr lang="en-US" dirty="0"/>
@@ -6449,7 +6733,7 @@
           <a:p>
             <a:pPr lvl="0"/>
             <a:r>
-              <a:rPr lang="hu-HU" smtClean="0"/>
+              <a:rPr lang="hu-HU"/>
               <a:t>Mintaszöveg szerkesztése</a:t>
             </a:r>
           </a:p>
@@ -6523,7 +6807,7 @@
           <a:p>
             <a:pPr lvl="0"/>
             <a:r>
-              <a:rPr lang="hu-HU" smtClean="0"/>
+              <a:rPr lang="hu-HU"/>
               <a:t>Mintaszöveg szerkesztése</a:t>
             </a:r>
           </a:p>
@@ -6601,7 +6885,7 @@
           </a:lstStyle>
           <a:p>
             <a:r>
-              <a:rPr lang="hu-HU" smtClean="0"/>
+              <a:rPr lang="hu-HU"/>
               <a:t>Kép beszúrásához kattintson az ikonra</a:t>
             </a:r>
             <a:endParaRPr lang="en-US" dirty="0"/>
@@ -6669,7 +6953,7 @@
           <a:p>
             <a:pPr lvl="0"/>
             <a:r>
-              <a:rPr lang="hu-HU" smtClean="0"/>
+              <a:rPr lang="hu-HU"/>
               <a:t>Mintaszöveg szerkesztése</a:t>
             </a:r>
           </a:p>
@@ -6766,7 +7050,7 @@
           <a:p>
             <a:fld id="{5BC883BC-5C02-4F1C-956D-749985DFD583}" type="datetimeFigureOut">
               <a:rPr lang="hu-HU" smtClean="0"/>
-              <a:t>2022.09.21.</a:t>
+              <a:t>2022. 09. 21.</a:t>
             </a:fld>
             <a:endParaRPr lang="hu-HU"/>
           </a:p>
@@ -6870,7 +7154,7 @@
           <a:lstStyle/>
           <a:p>
             <a:r>
-              <a:rPr lang="hu-HU" smtClean="0"/>
+              <a:rPr lang="hu-HU"/>
               <a:t>Mintacím szerkesztése</a:t>
             </a:r>
             <a:endParaRPr lang="en-US" dirty="0"/>
@@ -6899,35 +7183,35 @@
           <a:p>
             <a:pPr lvl="0"/>
             <a:r>
-              <a:rPr lang="hu-HU" smtClean="0"/>
+              <a:rPr lang="hu-HU"/>
               <a:t>Mintaszöveg szerkesztése</a:t>
             </a:r>
           </a:p>
           <a:p>
             <a:pPr lvl="1"/>
             <a:r>
-              <a:rPr lang="hu-HU" smtClean="0"/>
+              <a:rPr lang="hu-HU"/>
               <a:t>Második szint</a:t>
             </a:r>
           </a:p>
           <a:p>
             <a:pPr lvl="2"/>
             <a:r>
-              <a:rPr lang="hu-HU" smtClean="0"/>
+              <a:rPr lang="hu-HU"/>
               <a:t>Harmadik szint</a:t>
             </a:r>
           </a:p>
           <a:p>
             <a:pPr lvl="3"/>
             <a:r>
-              <a:rPr lang="hu-HU" smtClean="0"/>
+              <a:rPr lang="hu-HU"/>
               <a:t>Negyedik szint</a:t>
             </a:r>
           </a:p>
           <a:p>
             <a:pPr lvl="4"/>
             <a:r>
-              <a:rPr lang="hu-HU" smtClean="0"/>
+              <a:rPr lang="hu-HU"/>
               <a:t>Ötödik szint</a:t>
             </a:r>
             <a:endParaRPr lang="en-US" dirty="0"/>
@@ -6956,7 +7240,7 @@
           <a:p>
             <a:fld id="{5BC883BC-5C02-4F1C-956D-749985DFD583}" type="datetimeFigureOut">
               <a:rPr lang="hu-HU" smtClean="0"/>
-              <a:t>2022.09.21.</a:t>
+              <a:t>2022. 09. 21.</a:t>
             </a:fld>
             <a:endParaRPr lang="hu-HU"/>
           </a:p>
@@ -7842,7 +8126,7 @@
           <a:lstStyle/>
           <a:p>
             <a:r>
-              <a:rPr lang="hu-HU" smtClean="0"/>
+              <a:rPr lang="hu-HU"/>
               <a:t>Mintacím szerkesztése</a:t>
             </a:r>
             <a:endParaRPr lang="en-US" dirty="0"/>
@@ -7871,35 +8155,35 @@
           <a:p>
             <a:pPr lvl="0"/>
             <a:r>
-              <a:rPr lang="hu-HU" smtClean="0"/>
+              <a:rPr lang="hu-HU"/>
               <a:t>Mintaszöveg szerkesztése</a:t>
             </a:r>
           </a:p>
           <a:p>
             <a:pPr lvl="1"/>
             <a:r>
-              <a:rPr lang="hu-HU" smtClean="0"/>
+              <a:rPr lang="hu-HU"/>
               <a:t>Második szint</a:t>
             </a:r>
           </a:p>
           <a:p>
             <a:pPr lvl="2"/>
             <a:r>
-              <a:rPr lang="hu-HU" smtClean="0"/>
+              <a:rPr lang="hu-HU"/>
               <a:t>Harmadik szint</a:t>
             </a:r>
           </a:p>
           <a:p>
             <a:pPr lvl="3"/>
             <a:r>
-              <a:rPr lang="hu-HU" smtClean="0"/>
+              <a:rPr lang="hu-HU"/>
               <a:t>Negyedik szint</a:t>
             </a:r>
           </a:p>
           <a:p>
             <a:pPr lvl="4"/>
             <a:r>
-              <a:rPr lang="hu-HU" smtClean="0"/>
+              <a:rPr lang="hu-HU"/>
               <a:t>Ötödik szint</a:t>
             </a:r>
             <a:endParaRPr lang="en-US" dirty="0"/>
@@ -7928,7 +8212,7 @@
           <a:p>
             <a:fld id="{5BC883BC-5C02-4F1C-956D-749985DFD583}" type="datetimeFigureOut">
               <a:rPr lang="hu-HU" smtClean="0"/>
-              <a:t>2022.09.21.</a:t>
+              <a:t>2022. 09. 21.</a:t>
             </a:fld>
             <a:endParaRPr lang="hu-HU"/>
           </a:p>
@@ -8096,7 +8380,7 @@
           </a:lstStyle>
           <a:p>
             <a:r>
-              <a:rPr lang="hu-HU" dirty="0" smtClean="0"/>
+              <a:rPr lang="hu-HU" dirty="0"/>
               <a:t>Mintacím szerkesztése</a:t>
             </a:r>
             <a:endParaRPr lang="en-US" dirty="0"/>
@@ -8178,35 +8462,35 @@
           <a:p>
             <a:pPr lvl="0"/>
             <a:r>
-              <a:rPr lang="hu-HU" dirty="0" smtClean="0"/>
+              <a:rPr lang="hu-HU" dirty="0"/>
               <a:t>Mintaszöveg szerkesztése</a:t>
             </a:r>
           </a:p>
           <a:p>
             <a:pPr lvl="1"/>
             <a:r>
-              <a:rPr lang="hu-HU" dirty="0" smtClean="0"/>
+              <a:rPr lang="hu-HU" dirty="0"/>
               <a:t>Második szint</a:t>
             </a:r>
           </a:p>
           <a:p>
             <a:pPr lvl="2"/>
             <a:r>
-              <a:rPr lang="hu-HU" dirty="0" smtClean="0"/>
+              <a:rPr lang="hu-HU" dirty="0"/>
               <a:t>Harmadik szint</a:t>
             </a:r>
           </a:p>
           <a:p>
             <a:pPr lvl="3"/>
             <a:r>
-              <a:rPr lang="hu-HU" dirty="0" smtClean="0"/>
+              <a:rPr lang="hu-HU" dirty="0"/>
               <a:t>Negyedik szint</a:t>
             </a:r>
           </a:p>
           <a:p>
             <a:pPr lvl="4"/>
             <a:r>
-              <a:rPr lang="hu-HU" dirty="0" smtClean="0"/>
+              <a:rPr lang="hu-HU" dirty="0"/>
               <a:t>Ötödik szint</a:t>
             </a:r>
             <a:endParaRPr lang="en-US" dirty="0"/>
@@ -9090,7 +9374,7 @@
           </a:lstStyle>
           <a:p>
             <a:r>
-              <a:rPr lang="hu-HU" smtClean="0"/>
+              <a:rPr lang="hu-HU"/>
               <a:t>Mintacím szerkesztése</a:t>
             </a:r>
             <a:endParaRPr lang="en-US" dirty="0"/>
@@ -9211,7 +9495,7 @@
           <a:p>
             <a:pPr lvl="0"/>
             <a:r>
-              <a:rPr lang="hu-HU" smtClean="0"/>
+              <a:rPr lang="hu-HU"/>
               <a:t>Mintaszöveg szerkesztése</a:t>
             </a:r>
           </a:p>
@@ -9234,7 +9518,7 @@
           <a:p>
             <a:fld id="{5BC883BC-5C02-4F1C-956D-749985DFD583}" type="datetimeFigureOut">
               <a:rPr lang="hu-HU" smtClean="0"/>
-              <a:t>2022.09.21.</a:t>
+              <a:t>2022. 09. 21.</a:t>
             </a:fld>
             <a:endParaRPr lang="hu-HU"/>
           </a:p>
@@ -9364,7 +9648,7 @@
           <a:lstStyle/>
           <a:p>
             <a:r>
-              <a:rPr lang="hu-HU" smtClean="0"/>
+              <a:rPr lang="hu-HU"/>
               <a:t>Mintacím szerkesztése</a:t>
             </a:r>
             <a:endParaRPr lang="en-US" dirty="0"/>
@@ -9395,35 +9679,35 @@
           <a:p>
             <a:pPr lvl="0"/>
             <a:r>
-              <a:rPr lang="hu-HU" smtClean="0"/>
+              <a:rPr lang="hu-HU"/>
               <a:t>Mintaszöveg szerkesztése</a:t>
             </a:r>
           </a:p>
           <a:p>
             <a:pPr lvl="1"/>
             <a:r>
-              <a:rPr lang="hu-HU" smtClean="0"/>
+              <a:rPr lang="hu-HU"/>
               <a:t>Második szint</a:t>
             </a:r>
           </a:p>
           <a:p>
             <a:pPr lvl="2"/>
             <a:r>
-              <a:rPr lang="hu-HU" smtClean="0"/>
+              <a:rPr lang="hu-HU"/>
               <a:t>Harmadik szint</a:t>
             </a:r>
           </a:p>
           <a:p>
             <a:pPr lvl="3"/>
             <a:r>
-              <a:rPr lang="hu-HU" smtClean="0"/>
+              <a:rPr lang="hu-HU"/>
               <a:t>Negyedik szint</a:t>
             </a:r>
           </a:p>
           <a:p>
             <a:pPr lvl="4"/>
             <a:r>
-              <a:rPr lang="hu-HU" smtClean="0"/>
+              <a:rPr lang="hu-HU"/>
               <a:t>Ötödik szint</a:t>
             </a:r>
             <a:endParaRPr lang="en-US" dirty="0"/>
@@ -9454,35 +9738,35 @@
           <a:p>
             <a:pPr lvl="0"/>
             <a:r>
-              <a:rPr lang="hu-HU" smtClean="0"/>
+              <a:rPr lang="hu-HU"/>
               <a:t>Mintaszöveg szerkesztése</a:t>
             </a:r>
           </a:p>
           <a:p>
             <a:pPr lvl="1"/>
             <a:r>
-              <a:rPr lang="hu-HU" smtClean="0"/>
+              <a:rPr lang="hu-HU"/>
               <a:t>Második szint</a:t>
             </a:r>
           </a:p>
           <a:p>
             <a:pPr lvl="2"/>
             <a:r>
-              <a:rPr lang="hu-HU" smtClean="0"/>
+              <a:rPr lang="hu-HU"/>
               <a:t>Harmadik szint</a:t>
             </a:r>
           </a:p>
           <a:p>
             <a:pPr lvl="3"/>
             <a:r>
-              <a:rPr lang="hu-HU" smtClean="0"/>
+              <a:rPr lang="hu-HU"/>
               <a:t>Negyedik szint</a:t>
             </a:r>
           </a:p>
           <a:p>
             <a:pPr lvl="4"/>
             <a:r>
-              <a:rPr lang="hu-HU" smtClean="0"/>
+              <a:rPr lang="hu-HU"/>
               <a:t>Ötödik szint</a:t>
             </a:r>
             <a:endParaRPr lang="en-US" dirty="0"/>
@@ -9506,7 +9790,7 @@
           <a:p>
             <a:fld id="{5BC883BC-5C02-4F1C-956D-749985DFD583}" type="datetimeFigureOut">
               <a:rPr lang="hu-HU" smtClean="0"/>
-              <a:t>2022.09.21.</a:t>
+              <a:t>2022. 09. 21.</a:t>
             </a:fld>
             <a:endParaRPr lang="hu-HU"/>
           </a:p>
@@ -9604,7 +9888,7 @@
           </a:lstStyle>
           <a:p>
             <a:r>
-              <a:rPr lang="hu-HU" smtClean="0"/>
+              <a:rPr lang="hu-HU"/>
               <a:t>Mintacím szerkesztése</a:t>
             </a:r>
             <a:endParaRPr lang="en-US" dirty="0"/>
@@ -9676,7 +9960,7 @@
           <a:p>
             <a:pPr lvl="0"/>
             <a:r>
-              <a:rPr lang="hu-HU" smtClean="0"/>
+              <a:rPr lang="hu-HU"/>
               <a:t>Mintaszöveg szerkesztése</a:t>
             </a:r>
           </a:p>
@@ -9706,35 +9990,35 @@
           <a:p>
             <a:pPr lvl="0"/>
             <a:r>
-              <a:rPr lang="hu-HU" smtClean="0"/>
+              <a:rPr lang="hu-HU"/>
               <a:t>Mintaszöveg szerkesztése</a:t>
             </a:r>
           </a:p>
           <a:p>
             <a:pPr lvl="1"/>
             <a:r>
-              <a:rPr lang="hu-HU" smtClean="0"/>
+              <a:rPr lang="hu-HU"/>
               <a:t>Második szint</a:t>
             </a:r>
           </a:p>
           <a:p>
             <a:pPr lvl="2"/>
             <a:r>
-              <a:rPr lang="hu-HU" smtClean="0"/>
+              <a:rPr lang="hu-HU"/>
               <a:t>Harmadik szint</a:t>
             </a:r>
           </a:p>
           <a:p>
             <a:pPr lvl="3"/>
             <a:r>
-              <a:rPr lang="hu-HU" smtClean="0"/>
+              <a:rPr lang="hu-HU"/>
               <a:t>Negyedik szint</a:t>
             </a:r>
           </a:p>
           <a:p>
             <a:pPr lvl="4"/>
             <a:r>
-              <a:rPr lang="hu-HU" smtClean="0"/>
+              <a:rPr lang="hu-HU"/>
               <a:t>Ötödik szint</a:t>
             </a:r>
             <a:endParaRPr lang="en-US" dirty="0"/>
@@ -9806,7 +10090,7 @@
           <a:p>
             <a:pPr lvl="0"/>
             <a:r>
-              <a:rPr lang="hu-HU" smtClean="0"/>
+              <a:rPr lang="hu-HU"/>
               <a:t>Mintaszöveg szerkesztése</a:t>
             </a:r>
           </a:p>
@@ -9864,35 +10148,35 @@
           <a:p>
             <a:pPr lvl="0"/>
             <a:r>
-              <a:rPr lang="hu-HU" smtClean="0"/>
+              <a:rPr lang="hu-HU"/>
               <a:t>Mintaszöveg szerkesztése</a:t>
             </a:r>
           </a:p>
           <a:p>
             <a:pPr lvl="1"/>
             <a:r>
-              <a:rPr lang="hu-HU" smtClean="0"/>
+              <a:rPr lang="hu-HU"/>
               <a:t>Második szint</a:t>
             </a:r>
           </a:p>
           <a:p>
             <a:pPr lvl="2"/>
             <a:r>
-              <a:rPr lang="hu-HU" smtClean="0"/>
+              <a:rPr lang="hu-HU"/>
               <a:t>Harmadik szint</a:t>
             </a:r>
           </a:p>
           <a:p>
             <a:pPr lvl="3"/>
             <a:r>
-              <a:rPr lang="hu-HU" smtClean="0"/>
+              <a:rPr lang="hu-HU"/>
               <a:t>Negyedik szint</a:t>
             </a:r>
           </a:p>
           <a:p>
             <a:pPr lvl="4"/>
             <a:r>
-              <a:rPr lang="hu-HU" smtClean="0"/>
+              <a:rPr lang="hu-HU"/>
               <a:t>Ötödik szint</a:t>
             </a:r>
             <a:endParaRPr lang="en-US" dirty="0"/>
@@ -9916,7 +10200,7 @@
           <a:p>
             <a:fld id="{5BC883BC-5C02-4F1C-956D-749985DFD583}" type="datetimeFigureOut">
               <a:rPr lang="hu-HU" smtClean="0"/>
-              <a:t>2022.09.21.</a:t>
+              <a:t>2022. 09. 21.</a:t>
             </a:fld>
             <a:endParaRPr lang="hu-HU"/>
           </a:p>
@@ -10019,7 +10303,7 @@
           </a:lstStyle>
           <a:p>
             <a:r>
-              <a:rPr lang="hu-HU" smtClean="0"/>
+              <a:rPr lang="hu-HU"/>
               <a:t>Mintacím szerkesztése</a:t>
             </a:r>
             <a:endParaRPr lang="en-US" dirty="0"/>
@@ -10043,7 +10327,7 @@
           <a:p>
             <a:fld id="{5BC883BC-5C02-4F1C-956D-749985DFD583}" type="datetimeFigureOut">
               <a:rPr lang="hu-HU" smtClean="0"/>
-              <a:t>2022.09.21.</a:t>
+              <a:t>2022. 09. 21.</a:t>
             </a:fld>
             <a:endParaRPr lang="hu-HU"/>
           </a:p>
@@ -10138,7 +10422,7 @@
           <a:p>
             <a:fld id="{5BC883BC-5C02-4F1C-956D-749985DFD583}" type="datetimeFigureOut">
               <a:rPr lang="hu-HU" smtClean="0"/>
-              <a:t>2022.09.21.</a:t>
+              <a:t>2022. 09. 21.</a:t>
             </a:fld>
             <a:endParaRPr lang="hu-HU"/>
           </a:p>
@@ -11064,7 +11348,7 @@
           </a:lstStyle>
           <a:p>
             <a:r>
-              <a:rPr lang="hu-HU" smtClean="0"/>
+              <a:rPr lang="hu-HU"/>
               <a:t>Mintacím szerkesztése</a:t>
             </a:r>
             <a:endParaRPr lang="en-US" dirty="0"/>
@@ -11095,35 +11379,35 @@
           <a:p>
             <a:pPr lvl="0"/>
             <a:r>
-              <a:rPr lang="hu-HU" smtClean="0"/>
+              <a:rPr lang="hu-HU"/>
               <a:t>Mintaszöveg szerkesztése</a:t>
             </a:r>
           </a:p>
           <a:p>
             <a:pPr lvl="1"/>
             <a:r>
-              <a:rPr lang="hu-HU" smtClean="0"/>
+              <a:rPr lang="hu-HU"/>
               <a:t>Második szint</a:t>
             </a:r>
           </a:p>
           <a:p>
             <a:pPr lvl="2"/>
             <a:r>
-              <a:rPr lang="hu-HU" smtClean="0"/>
+              <a:rPr lang="hu-HU"/>
               <a:t>Harmadik szint</a:t>
             </a:r>
           </a:p>
           <a:p>
             <a:pPr lvl="3"/>
             <a:r>
-              <a:rPr lang="hu-HU" smtClean="0"/>
+              <a:rPr lang="hu-HU"/>
               <a:t>Negyedik szint</a:t>
             </a:r>
           </a:p>
           <a:p>
             <a:pPr lvl="4"/>
             <a:r>
-              <a:rPr lang="hu-HU" smtClean="0"/>
+              <a:rPr lang="hu-HU"/>
               <a:t>Ötödik szint</a:t>
             </a:r>
             <a:endParaRPr lang="en-US" dirty="0"/>
@@ -11196,7 +11480,7 @@
           <a:p>
             <a:pPr lvl="0"/>
             <a:r>
-              <a:rPr lang="hu-HU" smtClean="0"/>
+              <a:rPr lang="hu-HU"/>
               <a:t>Mintaszöveg szerkesztése</a:t>
             </a:r>
           </a:p>
@@ -11219,7 +11503,7 @@
           <a:p>
             <a:fld id="{5BC883BC-5C02-4F1C-956D-749985DFD583}" type="datetimeFigureOut">
               <a:rPr lang="hu-HU" smtClean="0"/>
-              <a:t>2022.09.21.</a:t>
+              <a:t>2022. 09. 21.</a:t>
             </a:fld>
             <a:endParaRPr lang="hu-HU"/>
           </a:p>
@@ -12147,7 +12431,7 @@
           </a:lstStyle>
           <a:p>
             <a:r>
-              <a:rPr lang="hu-HU" smtClean="0"/>
+              <a:rPr lang="hu-HU"/>
               <a:t>Mintacím szerkesztése</a:t>
             </a:r>
             <a:endParaRPr lang="en-US" dirty="0"/>
@@ -12229,7 +12513,7 @@
               <a:buNone/>
             </a:pPr>
             <a:r>
-              <a:rPr lang="hu-HU" smtClean="0"/>
+              <a:rPr lang="hu-HU"/>
               <a:t>Kép beszúrásához kattintson az ikonra</a:t>
             </a:r>
             <a:endParaRPr lang="en-US" dirty="0"/>
@@ -12304,7 +12588,7 @@
           <a:p>
             <a:pPr lvl="0"/>
             <a:r>
-              <a:rPr lang="hu-HU" smtClean="0"/>
+              <a:rPr lang="hu-HU"/>
               <a:t>Mintaszöveg szerkesztése</a:t>
             </a:r>
           </a:p>
@@ -12327,7 +12611,7 @@
           <a:p>
             <a:fld id="{5BC883BC-5C02-4F1C-956D-749985DFD583}" type="datetimeFigureOut">
               <a:rPr lang="hu-HU" smtClean="0"/>
-              <a:t>2022.09.21.</a:t>
+              <a:t>2022. 09. 21.</a:t>
             </a:fld>
             <a:endParaRPr lang="hu-HU"/>
           </a:p>
@@ -13231,7 +13515,7 @@
           <a:lstStyle/>
           <a:p>
             <a:r>
-              <a:rPr lang="hu-HU" smtClean="0"/>
+              <a:rPr lang="hu-HU"/>
               <a:t>Mintacím szerkesztése</a:t>
             </a:r>
             <a:endParaRPr lang="en-US" dirty="0"/>
@@ -13265,35 +13549,35 @@
           <a:p>
             <a:pPr lvl="0"/>
             <a:r>
-              <a:rPr lang="hu-HU" smtClean="0"/>
+              <a:rPr lang="hu-HU"/>
               <a:t>Mintaszöveg szerkesztése</a:t>
             </a:r>
           </a:p>
           <a:p>
             <a:pPr lvl="1"/>
             <a:r>
-              <a:rPr lang="hu-HU" smtClean="0"/>
+              <a:rPr lang="hu-HU"/>
               <a:t>Második szint</a:t>
             </a:r>
           </a:p>
           <a:p>
             <a:pPr lvl="2"/>
             <a:r>
-              <a:rPr lang="hu-HU" smtClean="0"/>
+              <a:rPr lang="hu-HU"/>
               <a:t>Harmadik szint</a:t>
             </a:r>
           </a:p>
           <a:p>
             <a:pPr lvl="3"/>
             <a:r>
-              <a:rPr lang="hu-HU" smtClean="0"/>
+              <a:rPr lang="hu-HU"/>
               <a:t>Negyedik szint</a:t>
             </a:r>
           </a:p>
           <a:p>
             <a:pPr lvl="4"/>
             <a:r>
-              <a:rPr lang="hu-HU" smtClean="0"/>
+              <a:rPr lang="hu-HU"/>
               <a:t>Ötödik szint</a:t>
             </a:r>
             <a:endParaRPr lang="en-US" dirty="0"/>
@@ -13333,7 +13617,7 @@
           <a:p>
             <a:fld id="{5BC883BC-5C02-4F1C-956D-749985DFD583}" type="datetimeFigureOut">
               <a:rPr lang="hu-HU" smtClean="0"/>
-              <a:t>2022.09.21.</a:t>
+              <a:t>2022. 09. 21.</a:t>
             </a:fld>
             <a:endParaRPr lang="hu-HU"/>
           </a:p>
@@ -13913,18 +14197,17 @@
           <a:lstStyle/>
           <a:p>
             <a:r>
-              <a:rPr lang="hu-HU" dirty="0" smtClean="0"/>
+              <a:rPr lang="hu-HU" dirty="0"/>
               <a:t>A </a:t>
             </a:r>
             <a:r>
-              <a:rPr lang="hu-HU" dirty="0" err="1" smtClean="0"/>
+              <a:rPr lang="hu-HU" dirty="0" err="1"/>
               <a:t>macOS</a:t>
             </a:r>
             <a:r>
-              <a:rPr lang="hu-HU" dirty="0" smtClean="0"/>
+              <a:rPr lang="hu-HU" dirty="0"/>
               <a:t> rövid történelme</a:t>
             </a:r>
-            <a:endParaRPr lang="hu-HU" dirty="0"/>
           </a:p>
         </p:txBody>
       </p:sp>
@@ -13951,7 +14234,7 @@
           <a:lstStyle/>
           <a:p>
             <a:r>
-              <a:rPr lang="hu-HU" dirty="0" smtClean="0">
+              <a:rPr lang="hu-HU" dirty="0">
                 <a:solidFill>
                   <a:schemeClr val="bg1"/>
                 </a:solidFill>
@@ -13959,7 +14242,7 @@
               <a:t>Készítette: </a:t>
             </a:r>
             <a:r>
-              <a:rPr lang="hu-HU" dirty="0" err="1" smtClean="0">
+              <a:rPr lang="hu-HU" dirty="0" err="1">
                 <a:solidFill>
                   <a:schemeClr val="bg1"/>
                 </a:solidFill>
@@ -13967,18 +14250,13 @@
               <a:t>Krizsák</a:t>
             </a:r>
             <a:r>
-              <a:rPr lang="hu-HU" dirty="0" smtClean="0">
+              <a:rPr lang="hu-HU" dirty="0">
                 <a:solidFill>
                   <a:schemeClr val="bg1"/>
                 </a:solidFill>
               </a:rPr>
               <a:t> Kornél 10.A</a:t>
             </a:r>
-            <a:endParaRPr lang="hu-HU" dirty="0">
-              <a:solidFill>
-                <a:schemeClr val="bg1"/>
-              </a:solidFill>
-            </a:endParaRPr>
           </a:p>
         </p:txBody>
       </p:sp>
@@ -13992,13 +14270,101 @@
   <p:clrMapOvr>
     <a:masterClrMapping/>
   </p:clrMapOvr>
-  <p:timing>
-    <p:tnLst>
-      <p:par>
-        <p:cTn id="1" dur="indefinite" restart="never" nodeType="tmRoot"/>
-      </p:par>
-    </p:tnLst>
-  </p:timing>
+</p:sld>
+</file>
+
+<file path=ppt/slides/slide10.xml><?xml version="1.0" encoding="utf-8"?>
+<p:sld xmlns:a="http://schemas.openxmlformats.org/drawingml/2006/main" xmlns:r="http://schemas.openxmlformats.org/officeDocument/2006/relationships" xmlns:p="http://schemas.openxmlformats.org/presentationml/2006/main">
+  <p:cSld>
+    <p:spTree>
+      <p:nvGrpSpPr>
+        <p:cNvPr id="1" name=""/>
+        <p:cNvGrpSpPr/>
+        <p:nvPr/>
+      </p:nvGrpSpPr>
+      <p:grpSpPr>
+        <a:xfrm>
+          <a:off x="0" y="0"/>
+          <a:ext cx="0" cy="0"/>
+          <a:chOff x="0" y="0"/>
+          <a:chExt cx="0" cy="0"/>
+        </a:xfrm>
+      </p:grpSpPr>
+      <p:sp>
+        <p:nvSpPr>
+          <p:cNvPr id="2" name="Cím 1">
+            <a:extLst>
+              <a:ext uri="{FF2B5EF4-FFF2-40B4-BE49-F238E27FC236}">
+                <a16:creationId xmlns:a16="http://schemas.microsoft.com/office/drawing/2014/main" id="{3490460C-B5BF-C29A-885B-8C0F9BB395BF}"/>
+              </a:ext>
+            </a:extLst>
+          </p:cNvPr>
+          <p:cNvSpPr>
+            <a:spLocks noGrp="1"/>
+          </p:cNvSpPr>
+          <p:nvPr>
+            <p:ph type="ctrTitle"/>
+          </p:nvPr>
+        </p:nvSpPr>
+        <p:spPr>
+          <a:xfrm>
+            <a:off x="0" y="3186957"/>
+            <a:ext cx="8825658" cy="2677648"/>
+          </a:xfrm>
+        </p:spPr>
+        <p:txBody>
+          <a:bodyPr/>
+          <a:lstStyle/>
+          <a:p>
+            <a:r>
+              <a:rPr lang="hu-HU" dirty="0"/>
+              <a:t>Köszönöm a figyelmet!</a:t>
+            </a:r>
+          </a:p>
+        </p:txBody>
+      </p:sp>
+      <p:sp>
+        <p:nvSpPr>
+          <p:cNvPr id="3" name="Alcím 2">
+            <a:extLst>
+              <a:ext uri="{FF2B5EF4-FFF2-40B4-BE49-F238E27FC236}">
+                <a16:creationId xmlns:a16="http://schemas.microsoft.com/office/drawing/2014/main" id="{0546899B-EBA4-6C66-43FE-2586C1ADA226}"/>
+              </a:ext>
+            </a:extLst>
+          </p:cNvPr>
+          <p:cNvSpPr>
+            <a:spLocks noGrp="1"/>
+          </p:cNvSpPr>
+          <p:nvPr>
+            <p:ph type="subTitle" idx="1"/>
+          </p:nvPr>
+        </p:nvSpPr>
+        <p:spPr/>
+        <p:txBody>
+          <a:bodyPr/>
+          <a:lstStyle/>
+          <a:p>
+            <a:r>
+              <a:rPr lang="hu-HU" dirty="0">
+                <a:solidFill>
+                  <a:schemeClr val="bg1"/>
+                </a:solidFill>
+              </a:rPr>
+              <a:t>Készítette: Krizsák Kornél 10.a</a:t>
+            </a:r>
+          </a:p>
+        </p:txBody>
+      </p:sp>
+    </p:spTree>
+    <p:extLst>
+      <p:ext uri="{BB962C8B-B14F-4D97-AF65-F5344CB8AC3E}">
+        <p14:creationId xmlns:p14="http://schemas.microsoft.com/office/powerpoint/2010/main" val="1280351893"/>
+      </p:ext>
+    </p:extLst>
+  </p:cSld>
+  <p:clrMapOvr>
+    <a:masterClrMapping/>
+  </p:clrMapOvr>
 </p:sld>
 </file>
 
@@ -14035,10 +14401,9 @@
           <a:lstStyle/>
           <a:p>
             <a:r>
-              <a:rPr lang="hu-HU" dirty="0" smtClean="0"/>
+              <a:rPr lang="hu-HU" dirty="0"/>
               <a:t>Tartalom:</a:t>
             </a:r>
-            <a:endParaRPr lang="hu-HU" dirty="0"/>
           </a:p>
         </p:txBody>
       </p:sp>
@@ -14063,7 +14428,7 @@
               </a:buClr>
             </a:pPr>
             <a:r>
-              <a:rPr lang="hu-HU" dirty="0" smtClean="0"/>
+              <a:rPr lang="hu-HU" dirty="0"/>
               <a:t>Az alapok</a:t>
             </a:r>
           </a:p>
@@ -14074,7 +14439,7 @@
               </a:buClr>
             </a:pPr>
             <a:r>
-              <a:rPr lang="hu-HU" dirty="0" smtClean="0"/>
+              <a:rPr lang="hu-HU" dirty="0"/>
               <a:t>A fejlesztés kezdete</a:t>
             </a:r>
           </a:p>
@@ -14085,7 +14450,7 @@
               </a:buClr>
             </a:pPr>
             <a:r>
-              <a:rPr lang="hu-HU" dirty="0" smtClean="0"/>
+              <a:rPr lang="hu-HU" dirty="0"/>
               <a:t>Korai verziók</a:t>
             </a:r>
           </a:p>
@@ -14096,12 +14461,8 @@
               </a:buClr>
             </a:pPr>
             <a:r>
-              <a:rPr lang="hu-HU" dirty="0" smtClean="0"/>
-              <a:t>Mac OS </a:t>
-            </a:r>
-            <a:r>
-              <a:rPr lang="hu-HU" dirty="0" smtClean="0"/>
-              <a:t>X</a:t>
+              <a:rPr lang="hu-HU" dirty="0"/>
+              <a:t>Mac OS X</a:t>
             </a:r>
           </a:p>
           <a:p>
@@ -14111,10 +14472,9 @@
               </a:buClr>
             </a:pPr>
             <a:r>
-              <a:rPr lang="hu-HU" dirty="0" smtClean="0"/>
+              <a:rPr lang="hu-HU" dirty="0"/>
               <a:t>Mac OS X nagyobb verziói</a:t>
             </a:r>
-            <a:endParaRPr lang="hu-HU" dirty="0"/>
           </a:p>
           <a:p>
             <a:pPr>
@@ -14123,18 +14483,20 @@
               </a:buClr>
             </a:pPr>
             <a:r>
-              <a:rPr lang="hu-HU" dirty="0" err="1" smtClean="0"/>
-              <a:t>macOS</a:t>
-            </a:r>
-            <a:r>
-              <a:rPr lang="hu-HU" dirty="0" smtClean="0"/>
-              <a:t> </a:t>
-            </a:r>
-            <a:r>
-              <a:rPr lang="hu-HU" dirty="0" smtClean="0"/>
-              <a:t>11+</a:t>
-            </a:r>
-            <a:endParaRPr lang="hu-HU" dirty="0"/>
+              <a:rPr lang="hu-HU" dirty="0"/>
+              <a:t>Mac OS X utáni idők</a:t>
+            </a:r>
+          </a:p>
+          <a:p>
+            <a:pPr>
+              <a:buClr>
+                <a:schemeClr val="bg1"/>
+              </a:buClr>
+            </a:pPr>
+            <a:r>
+              <a:rPr lang="hu-HU" dirty="0"/>
+              <a:t>Források</a:t>
+            </a:r>
           </a:p>
         </p:txBody>
       </p:sp>
@@ -14148,13 +14510,6 @@
   <p:clrMapOvr>
     <a:masterClrMapping/>
   </p:clrMapOvr>
-  <p:timing>
-    <p:tnLst>
-      <p:par>
-        <p:cTn id="1" dur="indefinite" restart="never" nodeType="tmRoot"/>
-      </p:par>
-    </p:tnLst>
-  </p:timing>
 </p:sld>
 </file>
 
@@ -14191,10 +14546,9 @@
           <a:lstStyle/>
           <a:p>
             <a:r>
-              <a:rPr lang="hu-HU" dirty="0" smtClean="0"/>
+              <a:rPr lang="hu-HU" dirty="0"/>
               <a:t>Az alapok</a:t>
             </a:r>
-            <a:endParaRPr lang="hu-HU" dirty="0"/>
           </a:p>
         </p:txBody>
       </p:sp>
@@ -14214,62 +14568,62 @@
           <a:lstStyle/>
           <a:p>
             <a:r>
-              <a:rPr lang="hu-HU" dirty="0" smtClean="0"/>
+              <a:rPr lang="hu-HU" dirty="0"/>
               <a:t>Apple</a:t>
             </a:r>
           </a:p>
           <a:p>
             <a:r>
-              <a:rPr lang="hu-HU" dirty="0" smtClean="0"/>
+              <a:rPr lang="hu-HU" dirty="0"/>
               <a:t>Grafikus UI</a:t>
             </a:r>
           </a:p>
           <a:p>
             <a:r>
-              <a:rPr lang="hu-HU" dirty="0" smtClean="0"/>
+              <a:rPr lang="hu-HU" dirty="0"/>
               <a:t>Első sikeres</a:t>
             </a:r>
           </a:p>
           <a:p>
             <a:r>
-              <a:rPr lang="hu-HU" dirty="0" smtClean="0"/>
+              <a:rPr lang="hu-HU" dirty="0"/>
               <a:t>Macintosh, UNIX</a:t>
             </a:r>
           </a:p>
           <a:p>
             <a:r>
-              <a:rPr lang="hu-HU" dirty="0" smtClean="0"/>
+              <a:rPr lang="hu-HU" dirty="0"/>
               <a:t>„Védett” (</a:t>
             </a:r>
             <a:r>
-              <a:rPr lang="hu-HU" dirty="0" err="1" smtClean="0"/>
+              <a:rPr lang="hu-HU" dirty="0" err="1"/>
               <a:t>Proprietary</a:t>
             </a:r>
             <a:r>
-              <a:rPr lang="hu-HU" dirty="0" smtClean="0"/>
+              <a:rPr lang="hu-HU" dirty="0"/>
               <a:t>) forrású</a:t>
             </a:r>
           </a:p>
           <a:p>
             <a:pPr lvl="1"/>
             <a:r>
-              <a:rPr lang="hu-HU" dirty="0" smtClean="0"/>
+              <a:rPr lang="hu-HU" dirty="0"/>
               <a:t>Open-</a:t>
             </a:r>
             <a:r>
-              <a:rPr lang="hu-HU" dirty="0" err="1" smtClean="0"/>
+              <a:rPr lang="hu-HU" dirty="0" err="1"/>
               <a:t>source</a:t>
             </a:r>
             <a:r>
-              <a:rPr lang="hu-HU" dirty="0" smtClean="0"/>
+              <a:rPr lang="hu-HU" dirty="0"/>
               <a:t> részekkel</a:t>
             </a:r>
           </a:p>
           <a:p>
-            <a:endParaRPr lang="hu-HU" dirty="0" smtClean="0"/>
-          </a:p>
-          <a:p>
-            <a:endParaRPr lang="hu-HU" dirty="0" smtClean="0"/>
+            <a:endParaRPr lang="hu-HU" dirty="0"/>
+          </a:p>
+          <a:p>
+            <a:endParaRPr lang="hu-HU" dirty="0"/>
           </a:p>
         </p:txBody>
       </p:sp>
@@ -14590,6 +14944,33 @@
                                   </p:childTnLst>
                                 </p:cTn>
                               </p:par>
+                              <p:par>
+                                <p:cTn id="25" presetID="1" presetClass="entr" presetSubtype="0" fill="hold" nodeType="withEffect">
+                                  <p:stCondLst>
+                                    <p:cond delay="0"/>
+                                  </p:stCondLst>
+                                  <p:childTnLst>
+                                    <p:set>
+                                      <p:cBhvr>
+                                        <p:cTn id="26" dur="1" fill="hold">
+                                          <p:stCondLst>
+                                            <p:cond delay="0"/>
+                                          </p:stCondLst>
+                                        </p:cTn>
+                                        <p:tgtEl>
+                                          <p:spTgt spid="5"/>
+                                        </p:tgtEl>
+                                        <p:attrNameLst>
+                                          <p:attrName>style.visibility</p:attrName>
+                                        </p:attrNameLst>
+                                      </p:cBhvr>
+                                      <p:to>
+                                        <p:strVal val="visible"/>
+                                      </p:to>
+                                    </p:set>
+                                  </p:childTnLst>
+                                </p:cTn>
+                              </p:par>
                             </p:childTnLst>
                           </p:cTn>
                         </p:par>
@@ -14657,10 +15038,9 @@
           <a:lstStyle/>
           <a:p>
             <a:r>
-              <a:rPr lang="hu-HU" dirty="0" smtClean="0"/>
+              <a:rPr lang="hu-HU" dirty="0"/>
               <a:t>A fejlesztés kezdete</a:t>
             </a:r>
-            <a:endParaRPr lang="hu-HU" dirty="0"/>
           </a:p>
         </p:txBody>
       </p:sp>
@@ -14680,51 +15060,51 @@
           <a:lstStyle/>
           <a:p>
             <a:r>
-              <a:rPr lang="hu-HU" dirty="0" smtClean="0"/>
+              <a:rPr lang="hu-HU" dirty="0"/>
               <a:t>1978. második fele – </a:t>
             </a:r>
             <a:r>
-              <a:rPr lang="hu-HU" dirty="0" err="1" smtClean="0"/>
+              <a:rPr lang="hu-HU" dirty="0" err="1"/>
               <a:t>Jef</a:t>
             </a:r>
             <a:r>
-              <a:rPr lang="hu-HU" dirty="0" smtClean="0"/>
+              <a:rPr lang="hu-HU" dirty="0"/>
               <a:t> </a:t>
             </a:r>
             <a:r>
-              <a:rPr lang="hu-HU" dirty="0" err="1" smtClean="0"/>
+              <a:rPr lang="hu-HU" dirty="0" err="1"/>
               <a:t>Raskin</a:t>
             </a:r>
-            <a:endParaRPr lang="hu-HU" dirty="0" smtClean="0"/>
-          </a:p>
-          <a:p>
-            <a:r>
-              <a:rPr lang="hu-HU" dirty="0" smtClean="0"/>
+            <a:endParaRPr lang="hu-HU" dirty="0"/>
+          </a:p>
+          <a:p>
+            <a:r>
+              <a:rPr lang="hu-HU" dirty="0"/>
               <a:t>Macintosh projekt</a:t>
             </a:r>
           </a:p>
           <a:p>
             <a:pPr lvl="1"/>
             <a:r>
-              <a:rPr lang="hu-HU" dirty="0" smtClean="0"/>
+              <a:rPr lang="hu-HU" dirty="0"/>
               <a:t>Apple Lisa csapat</a:t>
             </a:r>
           </a:p>
           <a:p>
             <a:r>
-              <a:rPr lang="hu-HU" dirty="0" smtClean="0"/>
+              <a:rPr lang="hu-HU" dirty="0"/>
               <a:t>1981. január – Steve </a:t>
             </a:r>
             <a:r>
-              <a:rPr lang="hu-HU" dirty="0" err="1" smtClean="0"/>
+              <a:rPr lang="hu-HU" dirty="0" err="1"/>
               <a:t>Jobs</a:t>
             </a:r>
-            <a:endParaRPr lang="hu-HU" dirty="0" smtClean="0"/>
+            <a:endParaRPr lang="hu-HU" dirty="0"/>
           </a:p>
           <a:p>
             <a:pPr lvl="1"/>
             <a:r>
-              <a:rPr lang="hu-HU" dirty="0" smtClean="0"/>
+              <a:rPr lang="hu-HU" dirty="0"/>
               <a:t>Apple Macintosh csapat</a:t>
             </a:r>
           </a:p>
@@ -15021,10 +15401,9 @@
           <a:lstStyle/>
           <a:p>
             <a:r>
-              <a:rPr lang="hu-HU" dirty="0" smtClean="0"/>
+              <a:rPr lang="hu-HU" dirty="0"/>
               <a:t>Korai verziók</a:t>
             </a:r>
-            <a:endParaRPr lang="hu-HU" dirty="0"/>
           </a:p>
         </p:txBody>
       </p:sp>
@@ -15382,10 +15761,9 @@
           <a:lstStyle/>
           <a:p>
             <a:r>
-              <a:rPr lang="hu-HU" dirty="0" smtClean="0"/>
+              <a:rPr lang="hu-HU" dirty="0"/>
               <a:t>Mac OS X</a:t>
             </a:r>
-            <a:endParaRPr lang="hu-HU" dirty="0"/>
           </a:p>
         </p:txBody>
       </p:sp>
@@ -15405,53 +15783,53 @@
           <a:lstStyle/>
           <a:p>
             <a:r>
-              <a:rPr lang="hu-HU" dirty="0" smtClean="0"/>
+              <a:rPr lang="hu-HU" dirty="0"/>
               <a:t>2001. március 24.</a:t>
             </a:r>
           </a:p>
           <a:p>
             <a:r>
-              <a:rPr lang="hu-HU" dirty="0" smtClean="0"/>
+              <a:rPr lang="hu-HU" dirty="0"/>
               <a:t>2. leghasználtabb OS</a:t>
             </a:r>
           </a:p>
           <a:p>
             <a:r>
-              <a:rPr lang="hu-HU" dirty="0" smtClean="0"/>
+              <a:rPr lang="hu-HU" dirty="0"/>
               <a:t>„</a:t>
             </a:r>
             <a:r>
-              <a:rPr lang="hu-HU" dirty="0" err="1" smtClean="0"/>
+              <a:rPr lang="hu-HU" dirty="0" err="1"/>
               <a:t>Rhapsody</a:t>
             </a:r>
             <a:r>
-              <a:rPr lang="hu-HU" dirty="0" smtClean="0"/>
+              <a:rPr lang="hu-HU" dirty="0"/>
               <a:t>”</a:t>
             </a:r>
           </a:p>
           <a:p>
             <a:r>
-              <a:rPr lang="hu-HU" dirty="0" smtClean="0"/>
+              <a:rPr lang="hu-HU" dirty="0"/>
               <a:t>1999 – Steve </a:t>
             </a:r>
             <a:r>
-              <a:rPr lang="hu-HU" dirty="0" err="1" smtClean="0"/>
+              <a:rPr lang="hu-HU" dirty="0" err="1"/>
               <a:t>Jobs</a:t>
             </a:r>
             <a:r>
-              <a:rPr lang="hu-HU" dirty="0" smtClean="0"/>
+              <a:rPr lang="hu-HU" dirty="0"/>
               <a:t> visszatér</a:t>
             </a:r>
           </a:p>
           <a:p>
             <a:r>
-              <a:rPr lang="hu-HU" dirty="0" smtClean="0"/>
+              <a:rPr lang="hu-HU" dirty="0"/>
               <a:t>Támogatás megszűnt</a:t>
             </a:r>
           </a:p>
           <a:p>
             <a:r>
-              <a:rPr lang="hu-HU" dirty="0" smtClean="0"/>
+              <a:rPr lang="hu-HU" dirty="0"/>
               <a:t>G3 iBook – 2013-mas Mac Pro </a:t>
             </a:r>
           </a:p>
@@ -15479,7 +15857,7 @@
         </p:blipFill>
         <p:spPr>
           <a:xfrm>
-            <a:off x="8018141" y="2104347"/>
+            <a:off x="7889532" y="1925237"/>
             <a:ext cx="3854650" cy="3854650"/>
           </a:xfrm>
           <a:prstGeom prst="rect">
@@ -15491,6 +15869,1330 @@
     <p:extLst>
       <p:ext uri="{BB962C8B-B14F-4D97-AF65-F5344CB8AC3E}">
         <p14:creationId xmlns:p14="http://schemas.microsoft.com/office/powerpoint/2010/main" val="2628219517"/>
+      </p:ext>
+    </p:extLst>
+  </p:cSld>
+  <p:clrMapOvr>
+    <a:masterClrMapping/>
+  </p:clrMapOvr>
+  <p:timing>
+    <p:tnLst>
+      <p:par>
+        <p:cTn id="1" dur="indefinite" restart="never" nodeType="tmRoot">
+          <p:childTnLst>
+            <p:seq concurrent="1" nextAc="seek">
+              <p:cTn id="2" dur="indefinite" nodeType="mainSeq">
+                <p:childTnLst>
+                  <p:par>
+                    <p:cTn id="3" fill="hold">
+                      <p:stCondLst>
+                        <p:cond delay="indefinite"/>
+                      </p:stCondLst>
+                      <p:childTnLst>
+                        <p:par>
+                          <p:cTn id="4" fill="hold">
+                            <p:stCondLst>
+                              <p:cond delay="0"/>
+                            </p:stCondLst>
+                            <p:childTnLst>
+                              <p:par>
+                                <p:cTn id="5" presetID="1" presetClass="entr" presetSubtype="0" fill="hold" grpId="0" nodeType="clickEffect">
+                                  <p:stCondLst>
+                                    <p:cond delay="0"/>
+                                  </p:stCondLst>
+                                  <p:childTnLst>
+                                    <p:set>
+                                      <p:cBhvr>
+                                        <p:cTn id="6" dur="1" fill="hold">
+                                          <p:stCondLst>
+                                            <p:cond delay="0"/>
+                                          </p:stCondLst>
+                                        </p:cTn>
+                                        <p:tgtEl>
+                                          <p:spTgt spid="3">
+                                            <p:txEl>
+                                              <p:pRg st="0" end="0"/>
+                                            </p:txEl>
+                                          </p:spTgt>
+                                        </p:tgtEl>
+                                        <p:attrNameLst>
+                                          <p:attrName>style.visibility</p:attrName>
+                                        </p:attrNameLst>
+                                      </p:cBhvr>
+                                      <p:to>
+                                        <p:strVal val="visible"/>
+                                      </p:to>
+                                    </p:set>
+                                  </p:childTnLst>
+                                </p:cTn>
+                              </p:par>
+                            </p:childTnLst>
+                          </p:cTn>
+                        </p:par>
+                      </p:childTnLst>
+                    </p:cTn>
+                  </p:par>
+                  <p:par>
+                    <p:cTn id="7" fill="hold">
+                      <p:stCondLst>
+                        <p:cond delay="indefinite"/>
+                      </p:stCondLst>
+                      <p:childTnLst>
+                        <p:par>
+                          <p:cTn id="8" fill="hold">
+                            <p:stCondLst>
+                              <p:cond delay="0"/>
+                            </p:stCondLst>
+                            <p:childTnLst>
+                              <p:par>
+                                <p:cTn id="9" presetID="1" presetClass="entr" presetSubtype="0" fill="hold" nodeType="clickEffect">
+                                  <p:stCondLst>
+                                    <p:cond delay="0"/>
+                                  </p:stCondLst>
+                                  <p:childTnLst>
+                                    <p:set>
+                                      <p:cBhvr>
+                                        <p:cTn id="10" dur="1" fill="hold">
+                                          <p:stCondLst>
+                                            <p:cond delay="0"/>
+                                          </p:stCondLst>
+                                        </p:cTn>
+                                        <p:tgtEl>
+                                          <p:spTgt spid="4"/>
+                                        </p:tgtEl>
+                                        <p:attrNameLst>
+                                          <p:attrName>style.visibility</p:attrName>
+                                        </p:attrNameLst>
+                                      </p:cBhvr>
+                                      <p:to>
+                                        <p:strVal val="visible"/>
+                                      </p:to>
+                                    </p:set>
+                                  </p:childTnLst>
+                                </p:cTn>
+                              </p:par>
+                            </p:childTnLst>
+                          </p:cTn>
+                        </p:par>
+                      </p:childTnLst>
+                    </p:cTn>
+                  </p:par>
+                  <p:par>
+                    <p:cTn id="11" fill="hold">
+                      <p:stCondLst>
+                        <p:cond delay="indefinite"/>
+                      </p:stCondLst>
+                      <p:childTnLst>
+                        <p:par>
+                          <p:cTn id="12" fill="hold">
+                            <p:stCondLst>
+                              <p:cond delay="0"/>
+                            </p:stCondLst>
+                            <p:childTnLst>
+                              <p:par>
+                                <p:cTn id="13" presetID="1" presetClass="entr" presetSubtype="0" fill="hold" grpId="0" nodeType="clickEffect">
+                                  <p:stCondLst>
+                                    <p:cond delay="0"/>
+                                  </p:stCondLst>
+                                  <p:childTnLst>
+                                    <p:set>
+                                      <p:cBhvr>
+                                        <p:cTn id="14" dur="1" fill="hold">
+                                          <p:stCondLst>
+                                            <p:cond delay="0"/>
+                                          </p:stCondLst>
+                                        </p:cTn>
+                                        <p:tgtEl>
+                                          <p:spTgt spid="3">
+                                            <p:txEl>
+                                              <p:pRg st="1" end="1"/>
+                                            </p:txEl>
+                                          </p:spTgt>
+                                        </p:tgtEl>
+                                        <p:attrNameLst>
+                                          <p:attrName>style.visibility</p:attrName>
+                                        </p:attrNameLst>
+                                      </p:cBhvr>
+                                      <p:to>
+                                        <p:strVal val="visible"/>
+                                      </p:to>
+                                    </p:set>
+                                  </p:childTnLst>
+                                </p:cTn>
+                              </p:par>
+                            </p:childTnLst>
+                          </p:cTn>
+                        </p:par>
+                      </p:childTnLst>
+                    </p:cTn>
+                  </p:par>
+                  <p:par>
+                    <p:cTn id="15" fill="hold">
+                      <p:stCondLst>
+                        <p:cond delay="indefinite"/>
+                      </p:stCondLst>
+                      <p:childTnLst>
+                        <p:par>
+                          <p:cTn id="16" fill="hold">
+                            <p:stCondLst>
+                              <p:cond delay="0"/>
+                            </p:stCondLst>
+                            <p:childTnLst>
+                              <p:par>
+                                <p:cTn id="17" presetID="1" presetClass="entr" presetSubtype="0" fill="hold" grpId="0" nodeType="clickEffect">
+                                  <p:stCondLst>
+                                    <p:cond delay="0"/>
+                                  </p:stCondLst>
+                                  <p:childTnLst>
+                                    <p:set>
+                                      <p:cBhvr>
+                                        <p:cTn id="18" dur="1" fill="hold">
+                                          <p:stCondLst>
+                                            <p:cond delay="0"/>
+                                          </p:stCondLst>
+                                        </p:cTn>
+                                        <p:tgtEl>
+                                          <p:spTgt spid="3">
+                                            <p:txEl>
+                                              <p:pRg st="2" end="2"/>
+                                            </p:txEl>
+                                          </p:spTgt>
+                                        </p:tgtEl>
+                                        <p:attrNameLst>
+                                          <p:attrName>style.visibility</p:attrName>
+                                        </p:attrNameLst>
+                                      </p:cBhvr>
+                                      <p:to>
+                                        <p:strVal val="visible"/>
+                                      </p:to>
+                                    </p:set>
+                                  </p:childTnLst>
+                                </p:cTn>
+                              </p:par>
+                            </p:childTnLst>
+                          </p:cTn>
+                        </p:par>
+                      </p:childTnLst>
+                    </p:cTn>
+                  </p:par>
+                  <p:par>
+                    <p:cTn id="19" fill="hold">
+                      <p:stCondLst>
+                        <p:cond delay="indefinite"/>
+                      </p:stCondLst>
+                      <p:childTnLst>
+                        <p:par>
+                          <p:cTn id="20" fill="hold">
+                            <p:stCondLst>
+                              <p:cond delay="0"/>
+                            </p:stCondLst>
+                            <p:childTnLst>
+                              <p:par>
+                                <p:cTn id="21" presetID="1" presetClass="entr" presetSubtype="0" fill="hold" grpId="0" nodeType="clickEffect">
+                                  <p:stCondLst>
+                                    <p:cond delay="0"/>
+                                  </p:stCondLst>
+                                  <p:childTnLst>
+                                    <p:set>
+                                      <p:cBhvr>
+                                        <p:cTn id="22" dur="1" fill="hold">
+                                          <p:stCondLst>
+                                            <p:cond delay="0"/>
+                                          </p:stCondLst>
+                                        </p:cTn>
+                                        <p:tgtEl>
+                                          <p:spTgt spid="3">
+                                            <p:txEl>
+                                              <p:pRg st="3" end="3"/>
+                                            </p:txEl>
+                                          </p:spTgt>
+                                        </p:tgtEl>
+                                        <p:attrNameLst>
+                                          <p:attrName>style.visibility</p:attrName>
+                                        </p:attrNameLst>
+                                      </p:cBhvr>
+                                      <p:to>
+                                        <p:strVal val="visible"/>
+                                      </p:to>
+                                    </p:set>
+                                  </p:childTnLst>
+                                </p:cTn>
+                              </p:par>
+                            </p:childTnLst>
+                          </p:cTn>
+                        </p:par>
+                      </p:childTnLst>
+                    </p:cTn>
+                  </p:par>
+                  <p:par>
+                    <p:cTn id="23" fill="hold">
+                      <p:stCondLst>
+                        <p:cond delay="indefinite"/>
+                      </p:stCondLst>
+                      <p:childTnLst>
+                        <p:par>
+                          <p:cTn id="24" fill="hold">
+                            <p:stCondLst>
+                              <p:cond delay="0"/>
+                            </p:stCondLst>
+                            <p:childTnLst>
+                              <p:par>
+                                <p:cTn id="25" presetID="1" presetClass="entr" presetSubtype="0" fill="hold" grpId="0" nodeType="clickEffect">
+                                  <p:stCondLst>
+                                    <p:cond delay="0"/>
+                                  </p:stCondLst>
+                                  <p:childTnLst>
+                                    <p:set>
+                                      <p:cBhvr>
+                                        <p:cTn id="26" dur="1" fill="hold">
+                                          <p:stCondLst>
+                                            <p:cond delay="0"/>
+                                          </p:stCondLst>
+                                        </p:cTn>
+                                        <p:tgtEl>
+                                          <p:spTgt spid="3">
+                                            <p:txEl>
+                                              <p:pRg st="4" end="4"/>
+                                            </p:txEl>
+                                          </p:spTgt>
+                                        </p:tgtEl>
+                                        <p:attrNameLst>
+                                          <p:attrName>style.visibility</p:attrName>
+                                        </p:attrNameLst>
+                                      </p:cBhvr>
+                                      <p:to>
+                                        <p:strVal val="visible"/>
+                                      </p:to>
+                                    </p:set>
+                                  </p:childTnLst>
+                                </p:cTn>
+                              </p:par>
+                            </p:childTnLst>
+                          </p:cTn>
+                        </p:par>
+                      </p:childTnLst>
+                    </p:cTn>
+                  </p:par>
+                  <p:par>
+                    <p:cTn id="27" fill="hold">
+                      <p:stCondLst>
+                        <p:cond delay="indefinite"/>
+                      </p:stCondLst>
+                      <p:childTnLst>
+                        <p:par>
+                          <p:cTn id="28" fill="hold">
+                            <p:stCondLst>
+                              <p:cond delay="0"/>
+                            </p:stCondLst>
+                            <p:childTnLst>
+                              <p:par>
+                                <p:cTn id="29" presetID="1" presetClass="entr" presetSubtype="0" fill="hold" grpId="0" nodeType="clickEffect">
+                                  <p:stCondLst>
+                                    <p:cond delay="0"/>
+                                  </p:stCondLst>
+                                  <p:childTnLst>
+                                    <p:set>
+                                      <p:cBhvr>
+                                        <p:cTn id="30" dur="1" fill="hold">
+                                          <p:stCondLst>
+                                            <p:cond delay="0"/>
+                                          </p:stCondLst>
+                                        </p:cTn>
+                                        <p:tgtEl>
+                                          <p:spTgt spid="3">
+                                            <p:txEl>
+                                              <p:pRg st="5" end="5"/>
+                                            </p:txEl>
+                                          </p:spTgt>
+                                        </p:tgtEl>
+                                        <p:attrNameLst>
+                                          <p:attrName>style.visibility</p:attrName>
+                                        </p:attrNameLst>
+                                      </p:cBhvr>
+                                      <p:to>
+                                        <p:strVal val="visible"/>
+                                      </p:to>
+                                    </p:set>
+                                  </p:childTnLst>
+                                </p:cTn>
+                              </p:par>
+                            </p:childTnLst>
+                          </p:cTn>
+                        </p:par>
+                      </p:childTnLst>
+                    </p:cTn>
+                  </p:par>
+                </p:childTnLst>
+              </p:cTn>
+              <p:prevCondLst>
+                <p:cond evt="onPrev" delay="0">
+                  <p:tgtEl>
+                    <p:sldTgt/>
+                  </p:tgtEl>
+                </p:cond>
+              </p:prevCondLst>
+              <p:nextCondLst>
+                <p:cond evt="onNext" delay="0">
+                  <p:tgtEl>
+                    <p:sldTgt/>
+                  </p:tgtEl>
+                </p:cond>
+              </p:nextCondLst>
+            </p:seq>
+          </p:childTnLst>
+        </p:cTn>
+      </p:par>
+    </p:tnLst>
+    <p:bldLst>
+      <p:bldP spid="3" grpId="0" uiExpand="1" build="p"/>
+    </p:bldLst>
+  </p:timing>
+</p:sld>
+</file>
+
+<file path=ppt/slides/slide7.xml><?xml version="1.0" encoding="utf-8"?>
+<p:sld xmlns:a="http://schemas.openxmlformats.org/drawingml/2006/main" xmlns:r="http://schemas.openxmlformats.org/officeDocument/2006/relationships" xmlns:p="http://schemas.openxmlformats.org/presentationml/2006/main">
+  <p:cSld>
+    <p:spTree>
+      <p:nvGrpSpPr>
+        <p:cNvPr id="1" name=""/>
+        <p:cNvGrpSpPr/>
+        <p:nvPr/>
+      </p:nvGrpSpPr>
+      <p:grpSpPr>
+        <a:xfrm>
+          <a:off x="0" y="0"/>
+          <a:ext cx="0" cy="0"/>
+          <a:chOff x="0" y="0"/>
+          <a:chExt cx="0" cy="0"/>
+        </a:xfrm>
+      </p:grpSpPr>
+      <p:sp>
+        <p:nvSpPr>
+          <p:cNvPr id="2" name="Cím 1"/>
+          <p:cNvSpPr>
+            <a:spLocks noGrp="1"/>
+          </p:cNvSpPr>
+          <p:nvPr>
+            <p:ph type="title"/>
+          </p:nvPr>
+        </p:nvSpPr>
+        <p:spPr/>
+        <p:txBody>
+          <a:bodyPr/>
+          <a:lstStyle/>
+          <a:p>
+            <a:r>
+              <a:rPr lang="hu-HU" dirty="0"/>
+              <a:t>Mac OS X nagyobb verziói</a:t>
+            </a:r>
+          </a:p>
+        </p:txBody>
+      </p:sp>
+      <p:sp>
+        <p:nvSpPr>
+          <p:cNvPr id="3" name="Tartalom helye 2"/>
+          <p:cNvSpPr>
+            <a:spLocks noGrp="1"/>
+          </p:cNvSpPr>
+          <p:nvPr>
+            <p:ph idx="1"/>
+          </p:nvPr>
+        </p:nvSpPr>
+        <p:spPr/>
+        <p:txBody>
+          <a:bodyPr/>
+          <a:lstStyle/>
+          <a:p>
+            <a:r>
+              <a:rPr lang="hu-HU" dirty="0"/>
+              <a:t>10.5 – Leopard</a:t>
+            </a:r>
+          </a:p>
+          <a:p>
+            <a:r>
+              <a:rPr lang="hu-HU" dirty="0"/>
+              <a:t>10.10 – Yosemite</a:t>
+            </a:r>
+          </a:p>
+          <a:p>
+            <a:r>
+              <a:rPr lang="hu-HU" dirty="0"/>
+              <a:t>10.11 – El </a:t>
+            </a:r>
+            <a:r>
+              <a:rPr lang="hu-HU" dirty="0" err="1"/>
+              <a:t>Capitan</a:t>
+            </a:r>
+            <a:endParaRPr lang="hu-HU" dirty="0"/>
+          </a:p>
+          <a:p>
+            <a:r>
+              <a:rPr lang="hu-HU" dirty="0"/>
+              <a:t>10.12 – Sierra</a:t>
+            </a:r>
+          </a:p>
+          <a:p>
+            <a:r>
+              <a:rPr lang="hu-HU" dirty="0"/>
+              <a:t>10.14 – </a:t>
+            </a:r>
+            <a:r>
+              <a:rPr lang="hu-HU" dirty="0" err="1"/>
+              <a:t>Mojave</a:t>
+            </a:r>
+            <a:endParaRPr lang="hu-HU" dirty="0"/>
+          </a:p>
+          <a:p>
+            <a:r>
+              <a:rPr lang="hu-HU" dirty="0"/>
+              <a:t>10.15 - </a:t>
+            </a:r>
+            <a:r>
+              <a:rPr lang="hu-HU" dirty="0" err="1"/>
+              <a:t>Catalina</a:t>
+            </a:r>
+            <a:endParaRPr lang="hu-HU" dirty="0"/>
+          </a:p>
+        </p:txBody>
+      </p:sp>
+      <p:pic>
+        <p:nvPicPr>
+          <p:cNvPr id="7" name="Kép 6">
+            <a:extLst>
+              <a:ext uri="{FF2B5EF4-FFF2-40B4-BE49-F238E27FC236}">
+                <a16:creationId xmlns:a16="http://schemas.microsoft.com/office/drawing/2014/main" id="{D360F9B3-E436-C2BE-3F4C-3AF243ABE1B1}"/>
+              </a:ext>
+            </a:extLst>
+          </p:cNvPr>
+          <p:cNvPicPr>
+            <a:picLocks noChangeAspect="1"/>
+          </p:cNvPicPr>
+          <p:nvPr/>
+        </p:nvPicPr>
+        <p:blipFill>
+          <a:blip r:embed="rId3">
+            <a:extLst>
+              <a:ext uri="{28A0092B-C50C-407E-A947-70E740481C1C}">
+                <a14:useLocalDpi xmlns:a14="http://schemas.microsoft.com/office/drawing/2010/main" val="0"/>
+              </a:ext>
+            </a:extLst>
+          </a:blip>
+          <a:stretch>
+            <a:fillRect/>
+          </a:stretch>
+        </p:blipFill>
+        <p:spPr>
+          <a:xfrm>
+            <a:off x="7330410" y="3777361"/>
+            <a:ext cx="1882593" cy="1882593"/>
+          </a:xfrm>
+          <a:prstGeom prst="rect">
+            <a:avLst/>
+          </a:prstGeom>
+        </p:spPr>
+      </p:pic>
+      <p:pic>
+        <p:nvPicPr>
+          <p:cNvPr id="9" name="Kép 8">
+            <a:extLst>
+              <a:ext uri="{FF2B5EF4-FFF2-40B4-BE49-F238E27FC236}">
+                <a16:creationId xmlns:a16="http://schemas.microsoft.com/office/drawing/2014/main" id="{747BCD1C-E31D-339C-46C1-C297E591A64D}"/>
+              </a:ext>
+            </a:extLst>
+          </p:cNvPr>
+          <p:cNvPicPr>
+            <a:picLocks noChangeAspect="1"/>
+          </p:cNvPicPr>
+          <p:nvPr/>
+        </p:nvPicPr>
+        <p:blipFill rotWithShape="1">
+          <a:blip r:embed="rId4">
+            <a:extLst>
+              <a:ext uri="{28A0092B-C50C-407E-A947-70E740481C1C}">
+                <a14:useLocalDpi xmlns:a14="http://schemas.microsoft.com/office/drawing/2010/main" val="0"/>
+              </a:ext>
+            </a:extLst>
+          </a:blip>
+          <a:srcRect/>
+          <a:stretch/>
+        </p:blipFill>
+        <p:spPr>
+          <a:xfrm>
+            <a:off x="9080495" y="4531917"/>
+            <a:ext cx="2256075" cy="2256075"/>
+          </a:xfrm>
+          <a:prstGeom prst="rect">
+            <a:avLst/>
+          </a:prstGeom>
+        </p:spPr>
+      </p:pic>
+      <p:pic>
+        <p:nvPicPr>
+          <p:cNvPr id="11" name="Kép 10">
+            <a:extLst>
+              <a:ext uri="{FF2B5EF4-FFF2-40B4-BE49-F238E27FC236}">
+                <a16:creationId xmlns:a16="http://schemas.microsoft.com/office/drawing/2014/main" id="{DB199DCC-ECB2-B7D0-7A5F-4A90EF2D3373}"/>
+              </a:ext>
+            </a:extLst>
+          </p:cNvPr>
+          <p:cNvPicPr>
+            <a:picLocks noChangeAspect="1"/>
+          </p:cNvPicPr>
+          <p:nvPr/>
+        </p:nvPicPr>
+        <p:blipFill>
+          <a:blip r:embed="rId5">
+            <a:extLst>
+              <a:ext uri="{28A0092B-C50C-407E-A947-70E740481C1C}">
+                <a14:useLocalDpi xmlns:a14="http://schemas.microsoft.com/office/drawing/2010/main" val="0"/>
+              </a:ext>
+            </a:extLst>
+          </a:blip>
+          <a:stretch>
+            <a:fillRect/>
+          </a:stretch>
+        </p:blipFill>
+        <p:spPr>
+          <a:xfrm>
+            <a:off x="7680327" y="1694675"/>
+            <a:ext cx="1796753" cy="1796753"/>
+          </a:xfrm>
+          <a:prstGeom prst="rect">
+            <a:avLst/>
+          </a:prstGeom>
+        </p:spPr>
+      </p:pic>
+      <p:pic>
+        <p:nvPicPr>
+          <p:cNvPr id="13" name="Kép 12" descr="A képen tükör, tükröződés, kerek, néz látható&#10;&#10;Automatikusan generált leírás">
+            <a:extLst>
+              <a:ext uri="{FF2B5EF4-FFF2-40B4-BE49-F238E27FC236}">
+                <a16:creationId xmlns:a16="http://schemas.microsoft.com/office/drawing/2014/main" id="{AAE227DA-287D-B6D8-475D-E0CA5B40C100}"/>
+              </a:ext>
+            </a:extLst>
+          </p:cNvPr>
+          <p:cNvPicPr>
+            <a:picLocks noChangeAspect="1"/>
+          </p:cNvPicPr>
+          <p:nvPr/>
+        </p:nvPicPr>
+        <p:blipFill>
+          <a:blip r:embed="rId6">
+            <a:extLst>
+              <a:ext uri="{28A0092B-C50C-407E-A947-70E740481C1C}">
+                <a14:useLocalDpi xmlns:a14="http://schemas.microsoft.com/office/drawing/2010/main" val="0"/>
+              </a:ext>
+            </a:extLst>
+          </a:blip>
+          <a:stretch>
+            <a:fillRect/>
+          </a:stretch>
+        </p:blipFill>
+        <p:spPr>
+          <a:xfrm>
+            <a:off x="9453977" y="2621615"/>
+            <a:ext cx="1882593" cy="1882593"/>
+          </a:xfrm>
+          <a:prstGeom prst="rect">
+            <a:avLst/>
+          </a:prstGeom>
+        </p:spPr>
+      </p:pic>
+    </p:spTree>
+    <p:extLst>
+      <p:ext uri="{BB962C8B-B14F-4D97-AF65-F5344CB8AC3E}">
+        <p14:creationId xmlns:p14="http://schemas.microsoft.com/office/powerpoint/2010/main" val="1284751628"/>
+      </p:ext>
+    </p:extLst>
+  </p:cSld>
+  <p:clrMapOvr>
+    <a:masterClrMapping/>
+  </p:clrMapOvr>
+  <p:timing>
+    <p:tnLst>
+      <p:par>
+        <p:cTn id="1" dur="indefinite" restart="never" nodeType="tmRoot">
+          <p:childTnLst>
+            <p:seq concurrent="1" nextAc="seek">
+              <p:cTn id="2" dur="indefinite" nodeType="mainSeq">
+                <p:childTnLst>
+                  <p:par>
+                    <p:cTn id="3" fill="hold">
+                      <p:stCondLst>
+                        <p:cond delay="indefinite"/>
+                      </p:stCondLst>
+                      <p:childTnLst>
+                        <p:par>
+                          <p:cTn id="4" fill="hold">
+                            <p:stCondLst>
+                              <p:cond delay="0"/>
+                            </p:stCondLst>
+                            <p:childTnLst>
+                              <p:par>
+                                <p:cTn id="5" presetID="1" presetClass="entr" presetSubtype="0" fill="hold" grpId="0" nodeType="clickEffect">
+                                  <p:stCondLst>
+                                    <p:cond delay="0"/>
+                                  </p:stCondLst>
+                                  <p:childTnLst>
+                                    <p:set>
+                                      <p:cBhvr>
+                                        <p:cTn id="6" dur="1" fill="hold">
+                                          <p:stCondLst>
+                                            <p:cond delay="0"/>
+                                          </p:stCondLst>
+                                        </p:cTn>
+                                        <p:tgtEl>
+                                          <p:spTgt spid="3">
+                                            <p:txEl>
+                                              <p:pRg st="0" end="0"/>
+                                            </p:txEl>
+                                          </p:spTgt>
+                                        </p:tgtEl>
+                                        <p:attrNameLst>
+                                          <p:attrName>style.visibility</p:attrName>
+                                        </p:attrNameLst>
+                                      </p:cBhvr>
+                                      <p:to>
+                                        <p:strVal val="visible"/>
+                                      </p:to>
+                                    </p:set>
+                                  </p:childTnLst>
+                                </p:cTn>
+                              </p:par>
+                            </p:childTnLst>
+                          </p:cTn>
+                        </p:par>
+                      </p:childTnLst>
+                    </p:cTn>
+                  </p:par>
+                  <p:par>
+                    <p:cTn id="7" fill="hold">
+                      <p:stCondLst>
+                        <p:cond delay="indefinite"/>
+                      </p:stCondLst>
+                      <p:childTnLst>
+                        <p:par>
+                          <p:cTn id="8" fill="hold">
+                            <p:stCondLst>
+                              <p:cond delay="0"/>
+                            </p:stCondLst>
+                            <p:childTnLst>
+                              <p:par>
+                                <p:cTn id="9" presetID="1" presetClass="entr" presetSubtype="0" fill="hold" grpId="0" nodeType="clickEffect">
+                                  <p:stCondLst>
+                                    <p:cond delay="0"/>
+                                  </p:stCondLst>
+                                  <p:childTnLst>
+                                    <p:set>
+                                      <p:cBhvr>
+                                        <p:cTn id="10" dur="1" fill="hold">
+                                          <p:stCondLst>
+                                            <p:cond delay="0"/>
+                                          </p:stCondLst>
+                                        </p:cTn>
+                                        <p:tgtEl>
+                                          <p:spTgt spid="3">
+                                            <p:txEl>
+                                              <p:pRg st="1" end="1"/>
+                                            </p:txEl>
+                                          </p:spTgt>
+                                        </p:tgtEl>
+                                        <p:attrNameLst>
+                                          <p:attrName>style.visibility</p:attrName>
+                                        </p:attrNameLst>
+                                      </p:cBhvr>
+                                      <p:to>
+                                        <p:strVal val="visible"/>
+                                      </p:to>
+                                    </p:set>
+                                  </p:childTnLst>
+                                </p:cTn>
+                              </p:par>
+                            </p:childTnLst>
+                          </p:cTn>
+                        </p:par>
+                      </p:childTnLst>
+                    </p:cTn>
+                  </p:par>
+                  <p:par>
+                    <p:cTn id="11" fill="hold">
+                      <p:stCondLst>
+                        <p:cond delay="indefinite"/>
+                      </p:stCondLst>
+                      <p:childTnLst>
+                        <p:par>
+                          <p:cTn id="12" fill="hold">
+                            <p:stCondLst>
+                              <p:cond delay="0"/>
+                            </p:stCondLst>
+                            <p:childTnLst>
+                              <p:par>
+                                <p:cTn id="13" presetID="1" presetClass="entr" presetSubtype="0" fill="hold" grpId="0" nodeType="clickEffect">
+                                  <p:stCondLst>
+                                    <p:cond delay="0"/>
+                                  </p:stCondLst>
+                                  <p:childTnLst>
+                                    <p:set>
+                                      <p:cBhvr>
+                                        <p:cTn id="14" dur="1" fill="hold">
+                                          <p:stCondLst>
+                                            <p:cond delay="0"/>
+                                          </p:stCondLst>
+                                        </p:cTn>
+                                        <p:tgtEl>
+                                          <p:spTgt spid="3">
+                                            <p:txEl>
+                                              <p:pRg st="2" end="2"/>
+                                            </p:txEl>
+                                          </p:spTgt>
+                                        </p:tgtEl>
+                                        <p:attrNameLst>
+                                          <p:attrName>style.visibility</p:attrName>
+                                        </p:attrNameLst>
+                                      </p:cBhvr>
+                                      <p:to>
+                                        <p:strVal val="visible"/>
+                                      </p:to>
+                                    </p:set>
+                                  </p:childTnLst>
+                                </p:cTn>
+                              </p:par>
+                            </p:childTnLst>
+                          </p:cTn>
+                        </p:par>
+                      </p:childTnLst>
+                    </p:cTn>
+                  </p:par>
+                  <p:par>
+                    <p:cTn id="15" fill="hold">
+                      <p:stCondLst>
+                        <p:cond delay="indefinite"/>
+                      </p:stCondLst>
+                      <p:childTnLst>
+                        <p:par>
+                          <p:cTn id="16" fill="hold">
+                            <p:stCondLst>
+                              <p:cond delay="0"/>
+                            </p:stCondLst>
+                            <p:childTnLst>
+                              <p:par>
+                                <p:cTn id="17" presetID="1" presetClass="entr" presetSubtype="0" fill="hold" nodeType="clickEffect">
+                                  <p:stCondLst>
+                                    <p:cond delay="0"/>
+                                  </p:stCondLst>
+                                  <p:childTnLst>
+                                    <p:set>
+                                      <p:cBhvr>
+                                        <p:cTn id="18" dur="1" fill="hold">
+                                          <p:stCondLst>
+                                            <p:cond delay="0"/>
+                                          </p:stCondLst>
+                                        </p:cTn>
+                                        <p:tgtEl>
+                                          <p:spTgt spid="11"/>
+                                        </p:tgtEl>
+                                        <p:attrNameLst>
+                                          <p:attrName>style.visibility</p:attrName>
+                                        </p:attrNameLst>
+                                      </p:cBhvr>
+                                      <p:to>
+                                        <p:strVal val="visible"/>
+                                      </p:to>
+                                    </p:set>
+                                  </p:childTnLst>
+                                </p:cTn>
+                              </p:par>
+                            </p:childTnLst>
+                          </p:cTn>
+                        </p:par>
+                      </p:childTnLst>
+                    </p:cTn>
+                  </p:par>
+                  <p:par>
+                    <p:cTn id="19" fill="hold">
+                      <p:stCondLst>
+                        <p:cond delay="indefinite"/>
+                      </p:stCondLst>
+                      <p:childTnLst>
+                        <p:par>
+                          <p:cTn id="20" fill="hold">
+                            <p:stCondLst>
+                              <p:cond delay="0"/>
+                            </p:stCondLst>
+                            <p:childTnLst>
+                              <p:par>
+                                <p:cTn id="21" presetID="1" presetClass="entr" presetSubtype="0" fill="hold" grpId="0" nodeType="clickEffect">
+                                  <p:stCondLst>
+                                    <p:cond delay="0"/>
+                                  </p:stCondLst>
+                                  <p:childTnLst>
+                                    <p:set>
+                                      <p:cBhvr>
+                                        <p:cTn id="22" dur="1" fill="hold">
+                                          <p:stCondLst>
+                                            <p:cond delay="0"/>
+                                          </p:stCondLst>
+                                        </p:cTn>
+                                        <p:tgtEl>
+                                          <p:spTgt spid="3">
+                                            <p:txEl>
+                                              <p:pRg st="3" end="3"/>
+                                            </p:txEl>
+                                          </p:spTgt>
+                                        </p:tgtEl>
+                                        <p:attrNameLst>
+                                          <p:attrName>style.visibility</p:attrName>
+                                        </p:attrNameLst>
+                                      </p:cBhvr>
+                                      <p:to>
+                                        <p:strVal val="visible"/>
+                                      </p:to>
+                                    </p:set>
+                                  </p:childTnLst>
+                                </p:cTn>
+                              </p:par>
+                            </p:childTnLst>
+                          </p:cTn>
+                        </p:par>
+                      </p:childTnLst>
+                    </p:cTn>
+                  </p:par>
+                  <p:par>
+                    <p:cTn id="23" fill="hold">
+                      <p:stCondLst>
+                        <p:cond delay="indefinite"/>
+                      </p:stCondLst>
+                      <p:childTnLst>
+                        <p:par>
+                          <p:cTn id="24" fill="hold">
+                            <p:stCondLst>
+                              <p:cond delay="0"/>
+                            </p:stCondLst>
+                            <p:childTnLst>
+                              <p:par>
+                                <p:cTn id="25" presetID="1" presetClass="entr" presetSubtype="0" fill="hold" nodeType="clickEffect">
+                                  <p:stCondLst>
+                                    <p:cond delay="0"/>
+                                  </p:stCondLst>
+                                  <p:childTnLst>
+                                    <p:set>
+                                      <p:cBhvr>
+                                        <p:cTn id="26" dur="1" fill="hold">
+                                          <p:stCondLst>
+                                            <p:cond delay="0"/>
+                                          </p:stCondLst>
+                                        </p:cTn>
+                                        <p:tgtEl>
+                                          <p:spTgt spid="13"/>
+                                        </p:tgtEl>
+                                        <p:attrNameLst>
+                                          <p:attrName>style.visibility</p:attrName>
+                                        </p:attrNameLst>
+                                      </p:cBhvr>
+                                      <p:to>
+                                        <p:strVal val="visible"/>
+                                      </p:to>
+                                    </p:set>
+                                  </p:childTnLst>
+                                </p:cTn>
+                              </p:par>
+                            </p:childTnLst>
+                          </p:cTn>
+                        </p:par>
+                      </p:childTnLst>
+                    </p:cTn>
+                  </p:par>
+                  <p:par>
+                    <p:cTn id="27" fill="hold">
+                      <p:stCondLst>
+                        <p:cond delay="indefinite"/>
+                      </p:stCondLst>
+                      <p:childTnLst>
+                        <p:par>
+                          <p:cTn id="28" fill="hold">
+                            <p:stCondLst>
+                              <p:cond delay="0"/>
+                            </p:stCondLst>
+                            <p:childTnLst>
+                              <p:par>
+                                <p:cTn id="29" presetID="1" presetClass="entr" presetSubtype="0" fill="hold" grpId="0" nodeType="clickEffect">
+                                  <p:stCondLst>
+                                    <p:cond delay="0"/>
+                                  </p:stCondLst>
+                                  <p:childTnLst>
+                                    <p:set>
+                                      <p:cBhvr>
+                                        <p:cTn id="30" dur="1" fill="hold">
+                                          <p:stCondLst>
+                                            <p:cond delay="0"/>
+                                          </p:stCondLst>
+                                        </p:cTn>
+                                        <p:tgtEl>
+                                          <p:spTgt spid="3">
+                                            <p:txEl>
+                                              <p:pRg st="4" end="4"/>
+                                            </p:txEl>
+                                          </p:spTgt>
+                                        </p:tgtEl>
+                                        <p:attrNameLst>
+                                          <p:attrName>style.visibility</p:attrName>
+                                        </p:attrNameLst>
+                                      </p:cBhvr>
+                                      <p:to>
+                                        <p:strVal val="visible"/>
+                                      </p:to>
+                                    </p:set>
+                                  </p:childTnLst>
+                                </p:cTn>
+                              </p:par>
+                            </p:childTnLst>
+                          </p:cTn>
+                        </p:par>
+                      </p:childTnLst>
+                    </p:cTn>
+                  </p:par>
+                  <p:par>
+                    <p:cTn id="31" fill="hold">
+                      <p:stCondLst>
+                        <p:cond delay="indefinite"/>
+                      </p:stCondLst>
+                      <p:childTnLst>
+                        <p:par>
+                          <p:cTn id="32" fill="hold">
+                            <p:stCondLst>
+                              <p:cond delay="0"/>
+                            </p:stCondLst>
+                            <p:childTnLst>
+                              <p:par>
+                                <p:cTn id="33" presetID="1" presetClass="entr" presetSubtype="0" fill="hold" nodeType="clickEffect">
+                                  <p:stCondLst>
+                                    <p:cond delay="0"/>
+                                  </p:stCondLst>
+                                  <p:childTnLst>
+                                    <p:set>
+                                      <p:cBhvr>
+                                        <p:cTn id="34" dur="1" fill="hold">
+                                          <p:stCondLst>
+                                            <p:cond delay="0"/>
+                                          </p:stCondLst>
+                                        </p:cTn>
+                                        <p:tgtEl>
+                                          <p:spTgt spid="9"/>
+                                        </p:tgtEl>
+                                        <p:attrNameLst>
+                                          <p:attrName>style.visibility</p:attrName>
+                                        </p:attrNameLst>
+                                      </p:cBhvr>
+                                      <p:to>
+                                        <p:strVal val="visible"/>
+                                      </p:to>
+                                    </p:set>
+                                  </p:childTnLst>
+                                </p:cTn>
+                              </p:par>
+                            </p:childTnLst>
+                          </p:cTn>
+                        </p:par>
+                      </p:childTnLst>
+                    </p:cTn>
+                  </p:par>
+                  <p:par>
+                    <p:cTn id="35" fill="hold">
+                      <p:stCondLst>
+                        <p:cond delay="indefinite"/>
+                      </p:stCondLst>
+                      <p:childTnLst>
+                        <p:par>
+                          <p:cTn id="36" fill="hold">
+                            <p:stCondLst>
+                              <p:cond delay="0"/>
+                            </p:stCondLst>
+                            <p:childTnLst>
+                              <p:par>
+                                <p:cTn id="37" presetID="1" presetClass="entr" presetSubtype="0" fill="hold" grpId="0" nodeType="clickEffect">
+                                  <p:stCondLst>
+                                    <p:cond delay="0"/>
+                                  </p:stCondLst>
+                                  <p:childTnLst>
+                                    <p:set>
+                                      <p:cBhvr>
+                                        <p:cTn id="38" dur="1" fill="hold">
+                                          <p:stCondLst>
+                                            <p:cond delay="0"/>
+                                          </p:stCondLst>
+                                        </p:cTn>
+                                        <p:tgtEl>
+                                          <p:spTgt spid="3">
+                                            <p:txEl>
+                                              <p:pRg st="5" end="5"/>
+                                            </p:txEl>
+                                          </p:spTgt>
+                                        </p:tgtEl>
+                                        <p:attrNameLst>
+                                          <p:attrName>style.visibility</p:attrName>
+                                        </p:attrNameLst>
+                                      </p:cBhvr>
+                                      <p:to>
+                                        <p:strVal val="visible"/>
+                                      </p:to>
+                                    </p:set>
+                                  </p:childTnLst>
+                                </p:cTn>
+                              </p:par>
+                            </p:childTnLst>
+                          </p:cTn>
+                        </p:par>
+                      </p:childTnLst>
+                    </p:cTn>
+                  </p:par>
+                  <p:par>
+                    <p:cTn id="39" fill="hold">
+                      <p:stCondLst>
+                        <p:cond delay="indefinite"/>
+                      </p:stCondLst>
+                      <p:childTnLst>
+                        <p:par>
+                          <p:cTn id="40" fill="hold">
+                            <p:stCondLst>
+                              <p:cond delay="0"/>
+                            </p:stCondLst>
+                            <p:childTnLst>
+                              <p:par>
+                                <p:cTn id="41" presetID="1" presetClass="entr" presetSubtype="0" fill="hold" nodeType="clickEffect">
+                                  <p:stCondLst>
+                                    <p:cond delay="0"/>
+                                  </p:stCondLst>
+                                  <p:childTnLst>
+                                    <p:set>
+                                      <p:cBhvr>
+                                        <p:cTn id="42" dur="1" fill="hold">
+                                          <p:stCondLst>
+                                            <p:cond delay="0"/>
+                                          </p:stCondLst>
+                                        </p:cTn>
+                                        <p:tgtEl>
+                                          <p:spTgt spid="7"/>
+                                        </p:tgtEl>
+                                        <p:attrNameLst>
+                                          <p:attrName>style.visibility</p:attrName>
+                                        </p:attrNameLst>
+                                      </p:cBhvr>
+                                      <p:to>
+                                        <p:strVal val="visible"/>
+                                      </p:to>
+                                    </p:set>
+                                  </p:childTnLst>
+                                </p:cTn>
+                              </p:par>
+                            </p:childTnLst>
+                          </p:cTn>
+                        </p:par>
+                      </p:childTnLst>
+                    </p:cTn>
+                  </p:par>
+                </p:childTnLst>
+              </p:cTn>
+              <p:prevCondLst>
+                <p:cond evt="onPrev" delay="0">
+                  <p:tgtEl>
+                    <p:sldTgt/>
+                  </p:tgtEl>
+                </p:cond>
+              </p:prevCondLst>
+              <p:nextCondLst>
+                <p:cond evt="onNext" delay="0">
+                  <p:tgtEl>
+                    <p:sldTgt/>
+                  </p:tgtEl>
+                </p:cond>
+              </p:nextCondLst>
+            </p:seq>
+          </p:childTnLst>
+        </p:cTn>
+      </p:par>
+    </p:tnLst>
+    <p:bldLst>
+      <p:bldP spid="3" grpId="0" uiExpand="1" build="p"/>
+    </p:bldLst>
+  </p:timing>
+</p:sld>
+</file>
+
+<file path=ppt/slides/slide8.xml><?xml version="1.0" encoding="utf-8"?>
+<p:sld xmlns:a="http://schemas.openxmlformats.org/drawingml/2006/main" xmlns:r="http://schemas.openxmlformats.org/officeDocument/2006/relationships" xmlns:p="http://schemas.openxmlformats.org/presentationml/2006/main">
+  <p:cSld>
+    <p:spTree>
+      <p:nvGrpSpPr>
+        <p:cNvPr id="1" name=""/>
+        <p:cNvGrpSpPr/>
+        <p:nvPr/>
+      </p:nvGrpSpPr>
+      <p:grpSpPr>
+        <a:xfrm>
+          <a:off x="0" y="0"/>
+          <a:ext cx="0" cy="0"/>
+          <a:chOff x="0" y="0"/>
+          <a:chExt cx="0" cy="0"/>
+        </a:xfrm>
+      </p:grpSpPr>
+      <p:sp>
+        <p:nvSpPr>
+          <p:cNvPr id="2" name="Cím 1">
+            <a:extLst>
+              <a:ext uri="{FF2B5EF4-FFF2-40B4-BE49-F238E27FC236}">
+                <a16:creationId xmlns:a16="http://schemas.microsoft.com/office/drawing/2014/main" id="{047FB984-889E-8743-6B8F-63DFD4A90408}"/>
+              </a:ext>
+            </a:extLst>
+          </p:cNvPr>
+          <p:cNvSpPr>
+            <a:spLocks noGrp="1"/>
+          </p:cNvSpPr>
+          <p:nvPr>
+            <p:ph type="title"/>
+          </p:nvPr>
+        </p:nvSpPr>
+        <p:spPr/>
+        <p:txBody>
+          <a:bodyPr/>
+          <a:lstStyle/>
+          <a:p>
+            <a:r>
+              <a:rPr lang="hu-HU" dirty="0"/>
+              <a:t>Mac OS X utáni idők</a:t>
+            </a:r>
+          </a:p>
+        </p:txBody>
+      </p:sp>
+      <p:sp>
+        <p:nvSpPr>
+          <p:cNvPr id="3" name="Tartalom helye 2">
+            <a:extLst>
+              <a:ext uri="{FF2B5EF4-FFF2-40B4-BE49-F238E27FC236}">
+                <a16:creationId xmlns:a16="http://schemas.microsoft.com/office/drawing/2014/main" id="{DFD09C67-617A-04AC-7A92-A4C268F55F25}"/>
+              </a:ext>
+            </a:extLst>
+          </p:cNvPr>
+          <p:cNvSpPr>
+            <a:spLocks noGrp="1"/>
+          </p:cNvSpPr>
+          <p:nvPr>
+            <p:ph idx="1"/>
+          </p:nvPr>
+        </p:nvSpPr>
+        <p:spPr/>
+        <p:txBody>
+          <a:bodyPr/>
+          <a:lstStyle/>
+          <a:p>
+            <a:r>
+              <a:rPr lang="hu-HU" dirty="0"/>
+              <a:t>2016 – OS X Sierra </a:t>
+            </a:r>
+            <a:r>
+              <a:rPr lang="hu-HU" dirty="0">
+                <a:sym typeface="Wingdings" panose="05000000000000000000" pitchFamily="2" charset="2"/>
+              </a:rPr>
+              <a:t> </a:t>
+            </a:r>
+            <a:r>
+              <a:rPr lang="hu-HU" dirty="0" err="1">
+                <a:sym typeface="Wingdings" panose="05000000000000000000" pitchFamily="2" charset="2"/>
+              </a:rPr>
+              <a:t>macOS</a:t>
+            </a:r>
+            <a:r>
+              <a:rPr lang="hu-HU" dirty="0">
+                <a:sym typeface="Wingdings" panose="05000000000000000000" pitchFamily="2" charset="2"/>
+              </a:rPr>
+              <a:t> 10.12 Sierra</a:t>
+            </a:r>
+          </a:p>
+          <a:p>
+            <a:r>
+              <a:rPr lang="hu-HU" dirty="0">
+                <a:sym typeface="Wingdings" panose="05000000000000000000" pitchFamily="2" charset="2"/>
+              </a:rPr>
+              <a:t>2019 – </a:t>
+            </a:r>
+            <a:r>
+              <a:rPr lang="hu-HU" dirty="0" err="1">
+                <a:sym typeface="Wingdings" panose="05000000000000000000" pitchFamily="2" charset="2"/>
+              </a:rPr>
+              <a:t>macOS</a:t>
+            </a:r>
+            <a:r>
+              <a:rPr lang="hu-HU" dirty="0">
+                <a:sym typeface="Wingdings" panose="05000000000000000000" pitchFamily="2" charset="2"/>
+              </a:rPr>
+              <a:t> 10.15 </a:t>
+            </a:r>
+            <a:r>
+              <a:rPr lang="hu-HU" dirty="0" err="1">
+                <a:sym typeface="Wingdings" panose="05000000000000000000" pitchFamily="2" charset="2"/>
+              </a:rPr>
+              <a:t>Catalina</a:t>
+            </a:r>
+            <a:endParaRPr lang="hu-HU" dirty="0">
+              <a:sym typeface="Wingdings" panose="05000000000000000000" pitchFamily="2" charset="2"/>
+            </a:endParaRPr>
+          </a:p>
+          <a:p>
+            <a:r>
+              <a:rPr lang="hu-HU" dirty="0">
+                <a:sym typeface="Wingdings" panose="05000000000000000000" pitchFamily="2" charset="2"/>
+              </a:rPr>
+              <a:t>2020 – </a:t>
+            </a:r>
+            <a:r>
+              <a:rPr lang="hu-HU" dirty="0" err="1">
+                <a:sym typeface="Wingdings" panose="05000000000000000000" pitchFamily="2" charset="2"/>
+              </a:rPr>
+              <a:t>macOS</a:t>
+            </a:r>
+            <a:r>
+              <a:rPr lang="hu-HU" dirty="0">
+                <a:sym typeface="Wingdings" panose="05000000000000000000" pitchFamily="2" charset="2"/>
+              </a:rPr>
+              <a:t> 11 Big </a:t>
+            </a:r>
+            <a:r>
+              <a:rPr lang="hu-HU" dirty="0" err="1">
+                <a:sym typeface="Wingdings" panose="05000000000000000000" pitchFamily="2" charset="2"/>
+              </a:rPr>
+              <a:t>Sur</a:t>
+            </a:r>
+            <a:endParaRPr lang="hu-HU" dirty="0">
+              <a:sym typeface="Wingdings" panose="05000000000000000000" pitchFamily="2" charset="2"/>
+            </a:endParaRPr>
+          </a:p>
+          <a:p>
+            <a:r>
+              <a:rPr lang="hu-HU" dirty="0">
+                <a:sym typeface="Wingdings" panose="05000000000000000000" pitchFamily="2" charset="2"/>
+              </a:rPr>
+              <a:t>Mac OS X névjelzés leváltása</a:t>
+            </a:r>
+          </a:p>
+          <a:p>
+            <a:r>
+              <a:rPr lang="hu-HU" dirty="0">
+                <a:sym typeface="Wingdings" panose="05000000000000000000" pitchFamily="2" charset="2"/>
+              </a:rPr>
+              <a:t>Új verziószámok</a:t>
+            </a:r>
+          </a:p>
+          <a:p>
+            <a:endParaRPr lang="hu-HU" dirty="0">
+              <a:sym typeface="Wingdings" panose="05000000000000000000" pitchFamily="2" charset="2"/>
+            </a:endParaRPr>
+          </a:p>
+        </p:txBody>
+      </p:sp>
+    </p:spTree>
+    <p:extLst>
+      <p:ext uri="{BB962C8B-B14F-4D97-AF65-F5344CB8AC3E}">
+        <p14:creationId xmlns:p14="http://schemas.microsoft.com/office/powerpoint/2010/main" val="3728669627"/>
       </p:ext>
     </p:extLst>
   </p:cSld>
@@ -15750,55 +17452,6 @@
                       </p:childTnLst>
                     </p:cTn>
                   </p:par>
-                  <p:par>
-                    <p:cTn id="23" fill="hold">
-                      <p:stCondLst>
-                        <p:cond delay="indefinite"/>
-                      </p:stCondLst>
-                      <p:childTnLst>
-                        <p:par>
-                          <p:cTn id="24" fill="hold">
-                            <p:stCondLst>
-                              <p:cond delay="0"/>
-                            </p:stCondLst>
-                            <p:childTnLst>
-                              <p:par>
-                                <p:cTn id="25" presetID="1" presetClass="entr" presetSubtype="0" fill="hold" grpId="0" nodeType="clickEffect">
-                                  <p:stCondLst>
-                                    <p:cond delay="0"/>
-                                  </p:stCondLst>
-                                  <p:childTnLst>
-                                    <p:set>
-                                      <p:cBhvr>
-                                        <p:cTn id="26" dur="1" fill="hold">
-                                          <p:stCondLst>
-                                            <p:cond delay="0"/>
-                                          </p:stCondLst>
-                                        </p:cTn>
-                                        <p:tgtEl>
-                                          <p:spTgt spid="3">
-                                            <p:txEl>
-                                              <p:pRg st="5" end="5"/>
-                                            </p:txEl>
-                                          </p:spTgt>
-                                        </p:tgtEl>
-                                        <p:attrNameLst>
-                                          <p:attrName>style.visibility</p:attrName>
-                                        </p:attrNameLst>
-                                      </p:cBhvr>
-                                      <p:to>
-                                        <p:strVal val="visible"/>
-                                      </p:to>
-                                    </p:set>
-                                  </p:childTnLst>
-                                </p:cTn>
-                              </p:par>
-                            </p:childTnLst>
-                          </p:cTn>
-                        </p:par>
-                      </p:childTnLst>
-                    </p:cTn>
-                  </p:par>
                 </p:childTnLst>
               </p:cTn>
               <p:prevCondLst>
@@ -15827,7 +17480,7 @@
 </p:sld>
 </file>
 
-<file path=ppt/slides/slide7.xml><?xml version="1.0" encoding="utf-8"?>
+<file path=ppt/slides/slide9.xml><?xml version="1.0" encoding="utf-8"?>
 <p:sld xmlns:a="http://schemas.openxmlformats.org/drawingml/2006/main" xmlns:r="http://schemas.openxmlformats.org/officeDocument/2006/relationships" xmlns:p="http://schemas.openxmlformats.org/presentationml/2006/main">
   <p:cSld>
     <p:spTree>
@@ -15846,7 +17499,13 @@
       </p:grpSpPr>
       <p:sp>
         <p:nvSpPr>
-          <p:cNvPr id="2" name="Cím 1"/>
+          <p:cNvPr id="2" name="Cím 1">
+            <a:extLst>
+              <a:ext uri="{FF2B5EF4-FFF2-40B4-BE49-F238E27FC236}">
+                <a16:creationId xmlns:a16="http://schemas.microsoft.com/office/drawing/2014/main" id="{54B482EA-E591-D921-AC74-02BAE8465EEA}"/>
+              </a:ext>
+            </a:extLst>
+          </p:cNvPr>
           <p:cNvSpPr>
             <a:spLocks noGrp="1"/>
           </p:cNvSpPr>
@@ -15860,16 +17519,21 @@
           <a:lstStyle/>
           <a:p>
             <a:r>
-              <a:rPr lang="hu-HU" dirty="0" smtClean="0"/>
-              <a:t>Mac OS X nagyobb verziói</a:t>
-            </a:r>
-            <a:endParaRPr lang="hu-HU" dirty="0"/>
+              <a:rPr lang="hu-HU" dirty="0"/>
+              <a:t>Források</a:t>
+            </a:r>
           </a:p>
         </p:txBody>
       </p:sp>
       <p:sp>
         <p:nvSpPr>
-          <p:cNvPr id="3" name="Tartalom helye 2"/>
+          <p:cNvPr id="3" name="Tartalom helye 2">
+            <a:extLst>
+              <a:ext uri="{FF2B5EF4-FFF2-40B4-BE49-F238E27FC236}">
+                <a16:creationId xmlns:a16="http://schemas.microsoft.com/office/drawing/2014/main" id="{86BB617C-ADCC-E2FE-9ABE-1D59E8262126}"/>
+              </a:ext>
+            </a:extLst>
+          </p:cNvPr>
           <p:cNvSpPr>
             <a:spLocks noGrp="1"/>
           </p:cNvSpPr>
@@ -15883,394 +17547,195 @@
           <a:lstStyle/>
           <a:p>
             <a:r>
-              <a:rPr lang="hu-HU" dirty="0" smtClean="0"/>
-              <a:t>10.5 – Leopard</a:t>
-            </a:r>
-          </a:p>
-          <a:p>
-            <a:r>
-              <a:rPr lang="hu-HU" dirty="0" smtClean="0"/>
-              <a:t>10.10 – Yosemite</a:t>
-            </a:r>
-          </a:p>
-          <a:p>
-            <a:r>
-              <a:rPr lang="hu-HU" dirty="0" smtClean="0"/>
-              <a:t>10.11 – El </a:t>
-            </a:r>
-            <a:r>
-              <a:rPr lang="hu-HU" dirty="0" err="1" smtClean="0"/>
-              <a:t>Capitan</a:t>
-            </a:r>
-            <a:endParaRPr lang="hu-HU" dirty="0" smtClean="0"/>
-          </a:p>
-          <a:p>
-            <a:r>
-              <a:rPr lang="hu-HU" dirty="0" smtClean="0"/>
-              <a:t>10.12 – Sierra</a:t>
-            </a:r>
-          </a:p>
-          <a:p>
-            <a:r>
-              <a:rPr lang="hu-HU" dirty="0" smtClean="0"/>
-              <a:t>10.14 – </a:t>
-            </a:r>
-            <a:r>
-              <a:rPr lang="hu-HU" dirty="0" err="1" smtClean="0"/>
-              <a:t>Mojave</a:t>
-            </a:r>
-            <a:endParaRPr lang="hu-HU" dirty="0" smtClean="0"/>
-          </a:p>
-          <a:p>
-            <a:r>
-              <a:rPr lang="hu-HU" dirty="0" smtClean="0"/>
-              <a:t>10.15 - </a:t>
-            </a:r>
-            <a:r>
-              <a:rPr lang="hu-HU" dirty="0" err="1" smtClean="0"/>
-              <a:t>Catalina</a:t>
-            </a:r>
-            <a:endParaRPr lang="hu-HU" dirty="0"/>
+              <a:rPr lang="hu-HU" dirty="0"/>
+              <a:t>Elsődleges források:</a:t>
+            </a:r>
+          </a:p>
+          <a:p>
+            <a:pPr marL="0" indent="0">
+              <a:buNone/>
+            </a:pPr>
+            <a:r>
+              <a:rPr lang="hu-HU" sz="2000" dirty="0">
+                <a:hlinkClick r:id="rId2">
+                  <a:extLst>
+                    <a:ext uri="{A12FA001-AC4F-418D-AE19-62706E023703}">
+                      <ahyp:hlinkClr xmlns:ahyp="http://schemas.microsoft.com/office/drawing/2018/hyperlinkcolor" val="tx"/>
+                    </a:ext>
+                  </a:extLst>
+                </a:hlinkClick>
+              </a:rPr>
+              <a:t>https://en.wikipedia.org/wiki/Classic_Mac_OS</a:t>
+            </a:r>
+            <a:endParaRPr lang="hu-HU" sz="2000" dirty="0"/>
+          </a:p>
+          <a:p>
+            <a:pPr marL="0" indent="0">
+              <a:buNone/>
+            </a:pPr>
+            <a:r>
+              <a:rPr lang="hu-HU" sz="2000" dirty="0">
+                <a:hlinkClick r:id="rId3">
+                  <a:extLst>
+                    <a:ext uri="{A12FA001-AC4F-418D-AE19-62706E023703}">
+                      <ahyp:hlinkClr xmlns:ahyp="http://schemas.microsoft.com/office/drawing/2018/hyperlinkcolor" val="tx"/>
+                    </a:ext>
+                  </a:extLst>
+                </a:hlinkClick>
+              </a:rPr>
+              <a:t>https://en.wikipedia.org/wiki/MacOS</a:t>
+            </a:r>
+            <a:endParaRPr lang="hu-HU" sz="2000" dirty="0"/>
+          </a:p>
+          <a:p>
+            <a:pPr>
+              <a:buFontTx/>
+              <a:buChar char="-"/>
+            </a:pPr>
+            <a:r>
+              <a:rPr lang="hu-HU" sz="2000" dirty="0"/>
+              <a:t>Angolról fordítva</a:t>
+            </a:r>
+          </a:p>
+          <a:p>
+            <a:pPr>
+              <a:buFontTx/>
+              <a:buChar char="-"/>
+            </a:pPr>
+            <a:r>
+              <a:rPr lang="hu-HU" sz="2000" dirty="0"/>
+              <a:t>OS Történelem</a:t>
+            </a:r>
+          </a:p>
+          <a:p>
+            <a:pPr marL="342900" marR="0" lvl="0" indent="-342900" algn="l" defTabSz="457200" rtl="0" eaLnBrk="1" fontAlgn="auto" latinLnBrk="0" hangingPunct="1">
+              <a:lnSpc>
+                <a:spcPct val="100000"/>
+              </a:lnSpc>
+              <a:spcBef>
+                <a:spcPts val="1000"/>
+              </a:spcBef>
+              <a:spcAft>
+                <a:spcPts val="0"/>
+              </a:spcAft>
+              <a:buClr>
+                <a:prstClr val="white"/>
+              </a:buClr>
+              <a:buSzPct val="80000"/>
+              <a:buFont typeface="Wingdings 3" charset="2"/>
+              <a:buChar char=""/>
+              <a:tabLst/>
+              <a:defRPr/>
+            </a:pPr>
+            <a:r>
+              <a:rPr kumimoji="0" lang="hu-HU" sz="3500" b="0" i="0" u="none" strike="noStrike" kern="1200" cap="none" spc="0" normalizeH="0" baseline="0" noProof="0" dirty="0">
+                <a:ln>
+                  <a:noFill/>
+                </a:ln>
+                <a:solidFill>
+                  <a:prstClr val="white"/>
+                </a:solidFill>
+                <a:effectLst/>
+                <a:uLnTx/>
+                <a:uFillTx/>
+                <a:latin typeface="Century Gothic" panose="020B0502020202020204"/>
+                <a:ea typeface="+mn-ea"/>
+                <a:cs typeface="+mn-cs"/>
+              </a:rPr>
+              <a:t>Másodlagos források:</a:t>
+            </a:r>
+          </a:p>
+          <a:p>
+            <a:pPr marL="0" marR="0" lvl="0" indent="0" fontAlgn="auto">
+              <a:lnSpc>
+                <a:spcPct val="100000"/>
+              </a:lnSpc>
+              <a:buNone/>
+              <a:tabLst/>
+              <a:defRPr/>
+            </a:pPr>
+            <a:r>
+              <a:rPr lang="hu-HU" sz="2000" dirty="0">
+                <a:hlinkClick r:id="rId4">
+                  <a:extLst>
+                    <a:ext uri="{A12FA001-AC4F-418D-AE19-62706E023703}">
+                      <ahyp:hlinkClr xmlns:ahyp="http://schemas.microsoft.com/office/drawing/2018/hyperlinkcolor" val="tx"/>
+                    </a:ext>
+                  </a:extLst>
+                </a:hlinkClick>
+              </a:rPr>
+              <a:t>https://hu.wikipedia.org/wiki/Classic_Mac_OS</a:t>
+            </a:r>
+            <a:endParaRPr lang="hu-HU" sz="2000" dirty="0"/>
+          </a:p>
+          <a:p>
+            <a:pPr marL="0" marR="0" lvl="0" indent="0" fontAlgn="auto">
+              <a:lnSpc>
+                <a:spcPct val="100000"/>
+              </a:lnSpc>
+              <a:buNone/>
+              <a:tabLst/>
+              <a:defRPr/>
+            </a:pPr>
+            <a:r>
+              <a:rPr lang="hu-HU" sz="2000" dirty="0">
+                <a:hlinkClick r:id="rId5">
+                  <a:extLst>
+                    <a:ext uri="{A12FA001-AC4F-418D-AE19-62706E023703}">
+                      <ahyp:hlinkClr xmlns:ahyp="http://schemas.microsoft.com/office/drawing/2018/hyperlinkcolor" val="tx"/>
+                    </a:ext>
+                  </a:extLst>
+                </a:hlinkClick>
+              </a:rPr>
+              <a:t>https://hu.wikipedia.org/wiki/MacOS</a:t>
+            </a:r>
+            <a:endParaRPr lang="hu-HU" sz="2000" dirty="0"/>
+          </a:p>
+          <a:p>
+            <a:pPr marR="0" lvl="0" fontAlgn="auto">
+              <a:lnSpc>
+                <a:spcPct val="100000"/>
+              </a:lnSpc>
+              <a:buFontTx/>
+              <a:buChar char="-"/>
+              <a:tabLst/>
+              <a:defRPr/>
+            </a:pPr>
+            <a:r>
+              <a:rPr lang="hu-HU" sz="2000" dirty="0"/>
+              <a:t>Verziószámok és képek</a:t>
+            </a:r>
+          </a:p>
+          <a:p>
+            <a:pPr marL="0" marR="0" lvl="0" indent="0" fontAlgn="auto">
+              <a:lnSpc>
+                <a:spcPct val="100000"/>
+              </a:lnSpc>
+              <a:buNone/>
+              <a:tabLst/>
+              <a:defRPr/>
+            </a:pPr>
+            <a:endParaRPr lang="hu-HU" sz="2000" dirty="0"/>
+          </a:p>
+          <a:p>
+            <a:pPr>
+              <a:buFont typeface="Wingdings" panose="05000000000000000000" pitchFamily="2" charset="2"/>
+              <a:buChar char="Ø"/>
+            </a:pPr>
+            <a:endParaRPr lang="hu-HU" sz="2000" dirty="0"/>
           </a:p>
         </p:txBody>
       </p:sp>
     </p:spTree>
     <p:extLst>
       <p:ext uri="{BB962C8B-B14F-4D97-AF65-F5344CB8AC3E}">
-        <p14:creationId xmlns:p14="http://schemas.microsoft.com/office/powerpoint/2010/main" val="1284751628"/>
+        <p14:creationId xmlns:p14="http://schemas.microsoft.com/office/powerpoint/2010/main" val="1681187561"/>
       </p:ext>
     </p:extLst>
   </p:cSld>
   <p:clrMapOvr>
     <a:masterClrMapping/>
   </p:clrMapOvr>
-  <p:timing>
-    <p:tnLst>
-      <p:par>
-        <p:cTn id="1" dur="indefinite" restart="never" nodeType="tmRoot">
-          <p:childTnLst>
-            <p:seq concurrent="1" nextAc="seek">
-              <p:cTn id="2" dur="indefinite" nodeType="mainSeq">
-                <p:childTnLst>
-                  <p:par>
-                    <p:cTn id="3" fill="hold">
-                      <p:stCondLst>
-                        <p:cond delay="indefinite"/>
-                      </p:stCondLst>
-                      <p:childTnLst>
-                        <p:par>
-                          <p:cTn id="4" fill="hold">
-                            <p:stCondLst>
-                              <p:cond delay="0"/>
-                            </p:stCondLst>
-                            <p:childTnLst>
-                              <p:par>
-                                <p:cTn id="5" presetID="1" presetClass="entr" presetSubtype="0" fill="hold" grpId="0" nodeType="clickEffect">
-                                  <p:stCondLst>
-                                    <p:cond delay="0"/>
-                                  </p:stCondLst>
-                                  <p:childTnLst>
-                                    <p:set>
-                                      <p:cBhvr>
-                                        <p:cTn id="6" dur="1" fill="hold">
-                                          <p:stCondLst>
-                                            <p:cond delay="0"/>
-                                          </p:stCondLst>
-                                        </p:cTn>
-                                        <p:tgtEl>
-                                          <p:spTgt spid="3">
-                                            <p:txEl>
-                                              <p:pRg st="0" end="0"/>
-                                            </p:txEl>
-                                          </p:spTgt>
-                                        </p:tgtEl>
-                                        <p:attrNameLst>
-                                          <p:attrName>style.visibility</p:attrName>
-                                        </p:attrNameLst>
-                                      </p:cBhvr>
-                                      <p:to>
-                                        <p:strVal val="visible"/>
-                                      </p:to>
-                                    </p:set>
-                                  </p:childTnLst>
-                                </p:cTn>
-                              </p:par>
-                            </p:childTnLst>
-                          </p:cTn>
-                        </p:par>
-                      </p:childTnLst>
-                    </p:cTn>
-                  </p:par>
-                  <p:par>
-                    <p:cTn id="7" fill="hold">
-                      <p:stCondLst>
-                        <p:cond delay="indefinite"/>
-                      </p:stCondLst>
-                      <p:childTnLst>
-                        <p:par>
-                          <p:cTn id="8" fill="hold">
-                            <p:stCondLst>
-                              <p:cond delay="0"/>
-                            </p:stCondLst>
-                            <p:childTnLst>
-                              <p:par>
-                                <p:cTn id="9" presetID="1" presetClass="entr" presetSubtype="0" fill="hold" grpId="0" nodeType="clickEffect">
-                                  <p:stCondLst>
-                                    <p:cond delay="0"/>
-                                  </p:stCondLst>
-                                  <p:childTnLst>
-                                    <p:set>
-                                      <p:cBhvr>
-                                        <p:cTn id="10" dur="1" fill="hold">
-                                          <p:stCondLst>
-                                            <p:cond delay="0"/>
-                                          </p:stCondLst>
-                                        </p:cTn>
-                                        <p:tgtEl>
-                                          <p:spTgt spid="3">
-                                            <p:txEl>
-                                              <p:pRg st="1" end="1"/>
-                                            </p:txEl>
-                                          </p:spTgt>
-                                        </p:tgtEl>
-                                        <p:attrNameLst>
-                                          <p:attrName>style.visibility</p:attrName>
-                                        </p:attrNameLst>
-                                      </p:cBhvr>
-                                      <p:to>
-                                        <p:strVal val="visible"/>
-                                      </p:to>
-                                    </p:set>
-                                  </p:childTnLst>
-                                </p:cTn>
-                              </p:par>
-                            </p:childTnLst>
-                          </p:cTn>
-                        </p:par>
-                      </p:childTnLst>
-                    </p:cTn>
-                  </p:par>
-                  <p:par>
-                    <p:cTn id="11" fill="hold">
-                      <p:stCondLst>
-                        <p:cond delay="indefinite"/>
-                      </p:stCondLst>
-                      <p:childTnLst>
-                        <p:par>
-                          <p:cTn id="12" fill="hold">
-                            <p:stCondLst>
-                              <p:cond delay="0"/>
-                            </p:stCondLst>
-                            <p:childTnLst>
-                              <p:par>
-                                <p:cTn id="13" presetID="1" presetClass="entr" presetSubtype="0" fill="hold" grpId="0" nodeType="clickEffect">
-                                  <p:stCondLst>
-                                    <p:cond delay="0"/>
-                                  </p:stCondLst>
-                                  <p:childTnLst>
-                                    <p:set>
-                                      <p:cBhvr>
-                                        <p:cTn id="14" dur="1" fill="hold">
-                                          <p:stCondLst>
-                                            <p:cond delay="0"/>
-                                          </p:stCondLst>
-                                        </p:cTn>
-                                        <p:tgtEl>
-                                          <p:spTgt spid="3">
-                                            <p:txEl>
-                                              <p:pRg st="2" end="2"/>
-                                            </p:txEl>
-                                          </p:spTgt>
-                                        </p:tgtEl>
-                                        <p:attrNameLst>
-                                          <p:attrName>style.visibility</p:attrName>
-                                        </p:attrNameLst>
-                                      </p:cBhvr>
-                                      <p:to>
-                                        <p:strVal val="visible"/>
-                                      </p:to>
-                                    </p:set>
-                                  </p:childTnLst>
-                                </p:cTn>
-                              </p:par>
-                            </p:childTnLst>
-                          </p:cTn>
-                        </p:par>
-                      </p:childTnLst>
-                    </p:cTn>
-                  </p:par>
-                  <p:par>
-                    <p:cTn id="15" fill="hold">
-                      <p:stCondLst>
-                        <p:cond delay="indefinite"/>
-                      </p:stCondLst>
-                      <p:childTnLst>
-                        <p:par>
-                          <p:cTn id="16" fill="hold">
-                            <p:stCondLst>
-                              <p:cond delay="0"/>
-                            </p:stCondLst>
-                            <p:childTnLst>
-                              <p:par>
-                                <p:cTn id="17" presetID="1" presetClass="entr" presetSubtype="0" fill="hold" grpId="0" nodeType="clickEffect">
-                                  <p:stCondLst>
-                                    <p:cond delay="0"/>
-                                  </p:stCondLst>
-                                  <p:childTnLst>
-                                    <p:set>
-                                      <p:cBhvr>
-                                        <p:cTn id="18" dur="1" fill="hold">
-                                          <p:stCondLst>
-                                            <p:cond delay="0"/>
-                                          </p:stCondLst>
-                                        </p:cTn>
-                                        <p:tgtEl>
-                                          <p:spTgt spid="3">
-                                            <p:txEl>
-                                              <p:pRg st="3" end="3"/>
-                                            </p:txEl>
-                                          </p:spTgt>
-                                        </p:tgtEl>
-                                        <p:attrNameLst>
-                                          <p:attrName>style.visibility</p:attrName>
-                                        </p:attrNameLst>
-                                      </p:cBhvr>
-                                      <p:to>
-                                        <p:strVal val="visible"/>
-                                      </p:to>
-                                    </p:set>
-                                  </p:childTnLst>
-                                </p:cTn>
-                              </p:par>
-                            </p:childTnLst>
-                          </p:cTn>
-                        </p:par>
-                      </p:childTnLst>
-                    </p:cTn>
-                  </p:par>
-                  <p:par>
-                    <p:cTn id="19" fill="hold">
-                      <p:stCondLst>
-                        <p:cond delay="indefinite"/>
-                      </p:stCondLst>
-                      <p:childTnLst>
-                        <p:par>
-                          <p:cTn id="20" fill="hold">
-                            <p:stCondLst>
-                              <p:cond delay="0"/>
-                            </p:stCondLst>
-                            <p:childTnLst>
-                              <p:par>
-                                <p:cTn id="21" presetID="1" presetClass="entr" presetSubtype="0" fill="hold" grpId="0" nodeType="clickEffect">
-                                  <p:stCondLst>
-                                    <p:cond delay="0"/>
-                                  </p:stCondLst>
-                                  <p:childTnLst>
-                                    <p:set>
-                                      <p:cBhvr>
-                                        <p:cTn id="22" dur="1" fill="hold">
-                                          <p:stCondLst>
-                                            <p:cond delay="0"/>
-                                          </p:stCondLst>
-                                        </p:cTn>
-                                        <p:tgtEl>
-                                          <p:spTgt spid="3">
-                                            <p:txEl>
-                                              <p:pRg st="4" end="4"/>
-                                            </p:txEl>
-                                          </p:spTgt>
-                                        </p:tgtEl>
-                                        <p:attrNameLst>
-                                          <p:attrName>style.visibility</p:attrName>
-                                        </p:attrNameLst>
-                                      </p:cBhvr>
-                                      <p:to>
-                                        <p:strVal val="visible"/>
-                                      </p:to>
-                                    </p:set>
-                                  </p:childTnLst>
-                                </p:cTn>
-                              </p:par>
-                            </p:childTnLst>
-                          </p:cTn>
-                        </p:par>
-                      </p:childTnLst>
-                    </p:cTn>
-                  </p:par>
-                  <p:par>
-                    <p:cTn id="23" fill="hold">
-                      <p:stCondLst>
-                        <p:cond delay="indefinite"/>
-                      </p:stCondLst>
-                      <p:childTnLst>
-                        <p:par>
-                          <p:cTn id="24" fill="hold">
-                            <p:stCondLst>
-                              <p:cond delay="0"/>
-                            </p:stCondLst>
-                            <p:childTnLst>
-                              <p:par>
-                                <p:cTn id="25" presetID="1" presetClass="entr" presetSubtype="0" fill="hold" grpId="0" nodeType="clickEffect">
-                                  <p:stCondLst>
-                                    <p:cond delay="0"/>
-                                  </p:stCondLst>
-                                  <p:childTnLst>
-                                    <p:set>
-                                      <p:cBhvr>
-                                        <p:cTn id="26" dur="1" fill="hold">
-                                          <p:stCondLst>
-                                            <p:cond delay="0"/>
-                                          </p:stCondLst>
-                                        </p:cTn>
-                                        <p:tgtEl>
-                                          <p:spTgt spid="3">
-                                            <p:txEl>
-                                              <p:pRg st="5" end="5"/>
-                                            </p:txEl>
-                                          </p:spTgt>
-                                        </p:tgtEl>
-                                        <p:attrNameLst>
-                                          <p:attrName>style.visibility</p:attrName>
-                                        </p:attrNameLst>
-                                      </p:cBhvr>
-                                      <p:to>
-                                        <p:strVal val="visible"/>
-                                      </p:to>
-                                    </p:set>
-                                  </p:childTnLst>
-                                </p:cTn>
-                              </p:par>
-                            </p:childTnLst>
-                          </p:cTn>
-                        </p:par>
-                      </p:childTnLst>
-                    </p:cTn>
-                  </p:par>
-                </p:childTnLst>
-              </p:cTn>
-              <p:prevCondLst>
-                <p:cond evt="onPrev" delay="0">
-                  <p:tgtEl>
-                    <p:sldTgt/>
-                  </p:tgtEl>
-                </p:cond>
-              </p:prevCondLst>
-              <p:nextCondLst>
-                <p:cond evt="onNext" delay="0">
-                  <p:tgtEl>
-                    <p:sldTgt/>
-                  </p:tgtEl>
-                </p:cond>
-              </p:nextCondLst>
-            </p:seq>
-          </p:childTnLst>
-        </p:cTn>
-      </p:par>
-    </p:tnLst>
-    <p:bldLst>
-      <p:bldP spid="3" grpId="0" build="p"/>
-    </p:bldLst>
-  </p:timing>
 </p:sld>
 </file>
 
